--- a/Apresentação/Sprint 2.pptx
+++ b/Apresentação/Sprint 2.pptx
@@ -5,20 +5,22 @@
     <p:sldMasterId id="2147483648" r:id="rId1"/>
   </p:sldMasterIdLst>
   <p:notesMasterIdLst>
-    <p:notesMasterId r:id="rId13"/>
+    <p:notesMasterId r:id="rId15"/>
   </p:notesMasterIdLst>
   <p:sldIdLst>
     <p:sldId id="256" r:id="rId2"/>
     <p:sldId id="257" r:id="rId3"/>
-    <p:sldId id="268" r:id="rId4"/>
-    <p:sldId id="269" r:id="rId5"/>
-    <p:sldId id="259" r:id="rId6"/>
-    <p:sldId id="260" r:id="rId7"/>
-    <p:sldId id="258" r:id="rId8"/>
-    <p:sldId id="264" r:id="rId9"/>
-    <p:sldId id="265" r:id="rId10"/>
-    <p:sldId id="266" r:id="rId11"/>
-    <p:sldId id="267" r:id="rId12"/>
+    <p:sldId id="270" r:id="rId4"/>
+    <p:sldId id="271" r:id="rId5"/>
+    <p:sldId id="268" r:id="rId6"/>
+    <p:sldId id="269" r:id="rId7"/>
+    <p:sldId id="259" r:id="rId8"/>
+    <p:sldId id="260" r:id="rId9"/>
+    <p:sldId id="258" r:id="rId10"/>
+    <p:sldId id="264" r:id="rId11"/>
+    <p:sldId id="265" r:id="rId12"/>
+    <p:sldId id="266" r:id="rId13"/>
+    <p:sldId id="267" r:id="rId14"/>
   </p:sldIdLst>
   <p:sldSz cx="12192000" cy="6858000"/>
   <p:notesSz cx="6858000" cy="9144000"/>
@@ -118,6 +120,67 @@
     </a:lvl9pPr>
   </p:defaultTextStyle>
   <p:extLst>
+    <p:ext uri="{521415D9-36F7-43E2-AB2F-B90AF26B5E84}">
+      <p14:sectionLst xmlns:p14="http://schemas.microsoft.com/office/powerpoint/2010/main">
+        <p14:section name="Apresentação" id="{D7ACEBAB-B7F4-4A9B-91D5-4AAAA8A66FDC}">
+          <p14:sldIdLst>
+            <p14:sldId id="256"/>
+          </p14:sldIdLst>
+        </p14:section>
+        <p14:section name="Contexto" id="{E65FBA31-81D2-4A20-9DA3-6E2057ECFAAC}">
+          <p14:sldIdLst>
+            <p14:sldId id="257"/>
+            <p14:sldId id="270"/>
+            <p14:sldId id="271"/>
+          </p14:sldIdLst>
+        </p14:section>
+        <p14:section name="Diagrama Negócio" id="{930E1065-A16D-4B77-8A2B-8E59C376A5E4}">
+          <p14:sldIdLst>
+            <p14:sldId id="268"/>
+          </p14:sldIdLst>
+        </p14:section>
+        <p14:section name="Diagrama Técnico" id="{706520F1-C624-40EA-A79D-4CF83318F00D}">
+          <p14:sldIdLst>
+            <p14:sldId id="269"/>
+          </p14:sldIdLst>
+        </p14:section>
+        <p14:section name="Backlog/Trello" id="{71B52C51-62C8-47A7-AF93-119D5B0CD510}">
+          <p14:sldIdLst>
+            <p14:sldId id="259"/>
+          </p14:sldIdLst>
+        </p14:section>
+        <p14:section name="Site" id="{119BF0ED-0E3B-49C5-8A1E-AD74EBE21D1E}">
+          <p14:sldIdLst>
+            <p14:sldId id="260"/>
+          </p14:sldIdLst>
+        </p14:section>
+        <p14:section name="Analytics" id="{BF8A1706-69B6-4068-A4B2-171ED46F4965}">
+          <p14:sldIdLst>
+            <p14:sldId id="258"/>
+          </p14:sldIdLst>
+        </p14:section>
+        <p14:section name="Sensores e Arduino" id="{C7DA6F35-F3CE-413E-8378-E23C33DB2F43}">
+          <p14:sldIdLst>
+            <p14:sldId id="264"/>
+          </p14:sldIdLst>
+        </p14:section>
+        <p14:section name="Tabelas / SQL" id="{6D4E654E-54F6-4664-A630-304FFE5ACACE}">
+          <p14:sldIdLst>
+            <p14:sldId id="265"/>
+          </p14:sldIdLst>
+        </p14:section>
+        <p14:section name="Github" id="{3BEE16DF-441B-4009-A879-62AB0B51DFC4}">
+          <p14:sldIdLst>
+            <p14:sldId id="266"/>
+          </p14:sldIdLst>
+        </p14:section>
+        <p14:section name="Resolução" id="{49A240F3-58FF-41F4-B3A5-F1968BFC97ED}">
+          <p14:sldIdLst>
+            <p14:sldId id="267"/>
+          </p14:sldIdLst>
+        </p14:section>
+      </p14:sectionLst>
+    </p:ext>
     <p:ext uri="{EFAFB233-063F-42B5-8137-9DF3F51BA10A}">
       <p15:sldGuideLst xmlns:p15="http://schemas.microsoft.com/office/powerpoint/2012/main">
         <p15:guide id="1" orient="horz" pos="2160" userDrawn="1">
@@ -218,7 +281,7 @@
           <a:p>
             <a:fld id="{2AC623DE-5237-4C19-85D3-5FFEA96937E5}" type="datetimeFigureOut">
               <a:rPr lang="pt-BR" smtClean="0"/>
-              <a:t>19/10/2021</a:t>
+              <a:t>20/10/2021</a:t>
             </a:fld>
             <a:endParaRPr lang="pt-BR"/>
           </a:p>
@@ -540,6 +603,90 @@
             <a:spLocks noGrp="1"/>
           </p:cNvSpPr>
           <p:nvPr>
+            <p:ph type="sldNum" sz="quarter" idx="10"/>
+          </p:nvPr>
+        </p:nvSpPr>
+        <p:spPr/>
+        <p:txBody>
+          <a:bodyPr/>
+          <a:lstStyle/>
+          <a:p>
+            <a:fld id="{193F2626-23AB-4752-A850-6C56816CF89C}" type="slidenum">
+              <a:rPr lang="pt-BR" smtClean="0"/>
+              <a:t>2</a:t>
+            </a:fld>
+            <a:endParaRPr lang="pt-BR"/>
+          </a:p>
+        </p:txBody>
+      </p:sp>
+    </p:spTree>
+    <p:extLst>
+      <p:ext uri="{BB962C8B-B14F-4D97-AF65-F5344CB8AC3E}">
+        <p14:creationId xmlns:p14="http://schemas.microsoft.com/office/powerpoint/2010/main" val="3831675726"/>
+      </p:ext>
+    </p:extLst>
+  </p:cSld>
+  <p:clrMapOvr>
+    <a:masterClrMapping/>
+  </p:clrMapOvr>
+</p:notes>
+</file>
+
+<file path=ppt/notesSlides/notesSlide2.xml><?xml version="1.0" encoding="utf-8"?>
+<p:notes xmlns:a="http://schemas.openxmlformats.org/drawingml/2006/main" xmlns:r="http://schemas.openxmlformats.org/officeDocument/2006/relationships" xmlns:p="http://schemas.openxmlformats.org/presentationml/2006/main">
+  <p:cSld>
+    <p:spTree>
+      <p:nvGrpSpPr>
+        <p:cNvPr id="1" name=""/>
+        <p:cNvGrpSpPr/>
+        <p:nvPr/>
+      </p:nvGrpSpPr>
+      <p:grpSpPr>
+        <a:xfrm>
+          <a:off x="0" y="0"/>
+          <a:ext cx="0" cy="0"/>
+          <a:chOff x="0" y="0"/>
+          <a:chExt cx="0" cy="0"/>
+        </a:xfrm>
+      </p:grpSpPr>
+      <p:sp>
+        <p:nvSpPr>
+          <p:cNvPr id="2" name="Espaço Reservado para Imagem de Slide 1"/>
+          <p:cNvSpPr>
+            <a:spLocks noGrp="1" noRot="1" noChangeAspect="1"/>
+          </p:cNvSpPr>
+          <p:nvPr>
+            <p:ph type="sldImg"/>
+          </p:nvPr>
+        </p:nvSpPr>
+        <p:spPr/>
+      </p:sp>
+      <p:sp>
+        <p:nvSpPr>
+          <p:cNvPr id="3" name="Espaço Reservado para Anotações 2"/>
+          <p:cNvSpPr>
+            <a:spLocks noGrp="1"/>
+          </p:cNvSpPr>
+          <p:nvPr>
+            <p:ph type="body" idx="1"/>
+          </p:nvPr>
+        </p:nvSpPr>
+        <p:spPr/>
+        <p:txBody>
+          <a:bodyPr/>
+          <a:lstStyle/>
+          <a:p>
+            <a:endParaRPr lang="pt-BR" dirty="0"/>
+          </a:p>
+        </p:txBody>
+      </p:sp>
+      <p:sp>
+        <p:nvSpPr>
+          <p:cNvPr id="4" name="Espaço Reservado para Número de Slide 3"/>
+          <p:cNvSpPr>
+            <a:spLocks noGrp="1"/>
+          </p:cNvSpPr>
+          <p:nvPr>
             <p:ph type="sldNum" sz="quarter" idx="5"/>
           </p:nvPr>
         </p:nvSpPr>
@@ -550,7 +697,7 @@
           <a:p>
             <a:fld id="{193F2626-23AB-4752-A850-6C56816CF89C}" type="slidenum">
               <a:rPr lang="pt-BR" smtClean="0"/>
-              <a:t>7</a:t>
+              <a:t>9</a:t>
             </a:fld>
             <a:endParaRPr lang="pt-BR"/>
           </a:p>
@@ -716,7 +863,7 @@
           <a:p>
             <a:fld id="{C299CD27-58EF-4BCB-B5FB-85B99416EAD9}" type="datetimeFigureOut">
               <a:rPr lang="pt-BR" smtClean="0"/>
-              <a:t>19/10/2021</a:t>
+              <a:t>20/10/2021</a:t>
             </a:fld>
             <a:endParaRPr lang="pt-BR"/>
           </a:p>
@@ -914,7 +1061,7 @@
           <a:p>
             <a:fld id="{C299CD27-58EF-4BCB-B5FB-85B99416EAD9}" type="datetimeFigureOut">
               <a:rPr lang="pt-BR" smtClean="0"/>
-              <a:t>19/10/2021</a:t>
+              <a:t>20/10/2021</a:t>
             </a:fld>
             <a:endParaRPr lang="pt-BR"/>
           </a:p>
@@ -1122,7 +1269,7 @@
           <a:p>
             <a:fld id="{C299CD27-58EF-4BCB-B5FB-85B99416EAD9}" type="datetimeFigureOut">
               <a:rPr lang="pt-BR" smtClean="0"/>
-              <a:t>19/10/2021</a:t>
+              <a:t>20/10/2021</a:t>
             </a:fld>
             <a:endParaRPr lang="pt-BR"/>
           </a:p>
@@ -1320,7 +1467,7 @@
           <a:p>
             <a:fld id="{C299CD27-58EF-4BCB-B5FB-85B99416EAD9}" type="datetimeFigureOut">
               <a:rPr lang="pt-BR" smtClean="0"/>
-              <a:t>19/10/2021</a:t>
+              <a:t>20/10/2021</a:t>
             </a:fld>
             <a:endParaRPr lang="pt-BR"/>
           </a:p>
@@ -1595,7 +1742,7 @@
           <a:p>
             <a:fld id="{C299CD27-58EF-4BCB-B5FB-85B99416EAD9}" type="datetimeFigureOut">
               <a:rPr lang="pt-BR" smtClean="0"/>
-              <a:t>19/10/2021</a:t>
+              <a:t>20/10/2021</a:t>
             </a:fld>
             <a:endParaRPr lang="pt-BR"/>
           </a:p>
@@ -1860,7 +2007,7 @@
           <a:p>
             <a:fld id="{C299CD27-58EF-4BCB-B5FB-85B99416EAD9}" type="datetimeFigureOut">
               <a:rPr lang="pt-BR" smtClean="0"/>
-              <a:t>19/10/2021</a:t>
+              <a:t>20/10/2021</a:t>
             </a:fld>
             <a:endParaRPr lang="pt-BR"/>
           </a:p>
@@ -2272,7 +2419,7 @@
           <a:p>
             <a:fld id="{C299CD27-58EF-4BCB-B5FB-85B99416EAD9}" type="datetimeFigureOut">
               <a:rPr lang="pt-BR" smtClean="0"/>
-              <a:t>19/10/2021</a:t>
+              <a:t>20/10/2021</a:t>
             </a:fld>
             <a:endParaRPr lang="pt-BR"/>
           </a:p>
@@ -2413,7 +2560,7 @@
           <a:p>
             <a:fld id="{C299CD27-58EF-4BCB-B5FB-85B99416EAD9}" type="datetimeFigureOut">
               <a:rPr lang="pt-BR" smtClean="0"/>
-              <a:t>19/10/2021</a:t>
+              <a:t>20/10/2021</a:t>
             </a:fld>
             <a:endParaRPr lang="pt-BR"/>
           </a:p>
@@ -2526,7 +2673,7 @@
           <a:p>
             <a:fld id="{C299CD27-58EF-4BCB-B5FB-85B99416EAD9}" type="datetimeFigureOut">
               <a:rPr lang="pt-BR" smtClean="0"/>
-              <a:t>19/10/2021</a:t>
+              <a:t>20/10/2021</a:t>
             </a:fld>
             <a:endParaRPr lang="pt-BR"/>
           </a:p>
@@ -2837,7 +2984,7 @@
           <a:p>
             <a:fld id="{C299CD27-58EF-4BCB-B5FB-85B99416EAD9}" type="datetimeFigureOut">
               <a:rPr lang="pt-BR" smtClean="0"/>
-              <a:t>19/10/2021</a:t>
+              <a:t>20/10/2021</a:t>
             </a:fld>
             <a:endParaRPr lang="pt-BR"/>
           </a:p>
@@ -3125,7 +3272,7 @@
           <a:p>
             <a:fld id="{C299CD27-58EF-4BCB-B5FB-85B99416EAD9}" type="datetimeFigureOut">
               <a:rPr lang="pt-BR" smtClean="0"/>
-              <a:t>19/10/2021</a:t>
+              <a:t>20/10/2021</a:t>
             </a:fld>
             <a:endParaRPr lang="pt-BR"/>
           </a:p>
@@ -3203,9 +3350,15 @@
   <p:cSld>
     <p:bg>
       <p:bgPr>
-        <a:solidFill>
-          <a:srgbClr val="FFFFFF"/>
-        </a:solidFill>
+        <a:blipFill dpi="0" rotWithShape="1">
+          <a:blip r:embed="rId13">
+            <a:lum/>
+          </a:blip>
+          <a:srcRect/>
+          <a:stretch>
+            <a:fillRect/>
+          </a:stretch>
+        </a:blipFill>
         <a:effectLst/>
       </p:bgPr>
     </p:bg>
@@ -3369,7 +3522,7 @@
           <a:p>
             <a:fld id="{C299CD27-58EF-4BCB-B5FB-85B99416EAD9}" type="datetimeFigureOut">
               <a:rPr lang="pt-BR" smtClean="0"/>
-              <a:t>19/10/2021</a:t>
+              <a:t>20/10/2021</a:t>
             </a:fld>
             <a:endParaRPr lang="pt-BR"/>
           </a:p>
@@ -3772,6 +3925,14 @@
 <file path=ppt/slides/slide1.xml><?xml version="1.0" encoding="utf-8"?>
 <p:sld xmlns:a="http://schemas.openxmlformats.org/drawingml/2006/main" xmlns:r="http://schemas.openxmlformats.org/officeDocument/2006/relationships" xmlns:p="http://schemas.openxmlformats.org/presentationml/2006/main">
   <p:cSld>
+    <p:bg>
+      <p:bgPr>
+        <a:solidFill>
+          <a:srgbClr val="FFFFFF"/>
+        </a:solidFill>
+        <a:effectLst/>
+      </p:bgPr>
+    </p:bg>
     <p:spTree>
       <p:nvGrpSpPr>
         <p:cNvPr id="1" name=""/>
@@ -3866,8 +4027,8 @@
         </p:nvSpPr>
         <p:spPr>
           <a:xfrm>
-            <a:off x="1886857" y="4044380"/>
-            <a:ext cx="2989944" cy="2121299"/>
+            <a:off x="1886856" y="4044380"/>
+            <a:ext cx="3142343" cy="2107038"/>
           </a:xfrm>
           <a:prstGeom prst="rect">
             <a:avLst/>
@@ -4213,12 +4374,461 @@
   <p:clrMapOvr>
     <a:masterClrMapping/>
   </p:clrMapOvr>
+  <p:timing>
+    <p:tnLst>
+      <p:par>
+        <p:cTn id="1" dur="indefinite" restart="never" nodeType="tmRoot"/>
+      </p:par>
+    </p:tnLst>
+  </p:timing>
 </p:sld>
 </file>
 
 <file path=ppt/slides/slide10.xml><?xml version="1.0" encoding="utf-8"?>
 <p:sld xmlns:a="http://schemas.openxmlformats.org/drawingml/2006/main" xmlns:r="http://schemas.openxmlformats.org/officeDocument/2006/relationships" xmlns:p="http://schemas.openxmlformats.org/presentationml/2006/main">
   <p:cSld>
+    <p:spTree>
+      <p:nvGrpSpPr>
+        <p:cNvPr id="1" name=""/>
+        <p:cNvGrpSpPr/>
+        <p:nvPr/>
+      </p:nvGrpSpPr>
+      <p:grpSpPr>
+        <a:xfrm>
+          <a:off x="0" y="0"/>
+          <a:ext cx="0" cy="0"/>
+          <a:chOff x="0" y="0"/>
+          <a:chExt cx="0" cy="0"/>
+        </a:xfrm>
+      </p:grpSpPr>
+      <p:sp>
+        <p:nvSpPr>
+          <p:cNvPr id="5" name="Título 1">
+            <a:extLst>
+              <a:ext uri="{FF2B5EF4-FFF2-40B4-BE49-F238E27FC236}">
+                <a16:creationId xmlns:a16="http://schemas.microsoft.com/office/drawing/2014/main" id="{8A0AA669-0469-465D-815F-87FEEED0039A}"/>
+              </a:ext>
+            </a:extLst>
+          </p:cNvPr>
+          <p:cNvSpPr txBox="1">
+            <a:spLocks/>
+          </p:cNvSpPr>
+          <p:nvPr/>
+        </p:nvSpPr>
+        <p:spPr>
+          <a:xfrm>
+            <a:off x="3304309" y="302230"/>
+            <a:ext cx="5839692" cy="609601"/>
+          </a:xfrm>
+          <a:prstGeom prst="rect">
+            <a:avLst/>
+          </a:prstGeom>
+          <a:noFill/>
+          <a:ln w="57150">
+            <a:solidFill>
+              <a:srgbClr val="E57019"/>
+            </a:solidFill>
+            <a:prstDash val="lgDash"/>
+          </a:ln>
+        </p:spPr>
+        <p:txBody>
+          <a:bodyPr vert="horz" lIns="91440" tIns="45720" rIns="91440" bIns="45720" rtlCol="0" anchor="ctr">
+            <a:normAutofit fontScale="97500"/>
+          </a:bodyPr>
+          <a:lstStyle>
+            <a:lvl1pPr algn="l" defTabSz="914400" rtl="0" eaLnBrk="1" latinLnBrk="0" hangingPunct="1">
+              <a:lnSpc>
+                <a:spcPct val="90000"/>
+              </a:lnSpc>
+              <a:spcBef>
+                <a:spcPct val="0"/>
+              </a:spcBef>
+              <a:buNone/>
+              <a:defRPr sz="4400" kern="1200">
+                <a:solidFill>
+                  <a:schemeClr val="tx1"/>
+                </a:solidFill>
+                <a:latin typeface="+mj-lt"/>
+                <a:ea typeface="+mj-ea"/>
+                <a:cs typeface="+mj-cs"/>
+              </a:defRPr>
+            </a:lvl1pPr>
+          </a:lstStyle>
+          <a:p>
+            <a:pPr algn="ctr"/>
+            <a:r>
+              <a:rPr lang="pt-BR" sz="2400" dirty="0">
+                <a:latin typeface="Bahnschrift" panose="020B0502040204020203" pitchFamily="34" charset="0"/>
+              </a:rPr>
+              <a:t>Demonstração do Simulador de Sensores</a:t>
+            </a:r>
+          </a:p>
+        </p:txBody>
+      </p:sp>
+      <p:pic>
+        <p:nvPicPr>
+          <p:cNvPr id="4" name="Imagem 3">
+            <a:extLst>
+              <a:ext uri="{FF2B5EF4-FFF2-40B4-BE49-F238E27FC236}">
+                <a16:creationId xmlns:a16="http://schemas.microsoft.com/office/drawing/2014/main" id="{8810BCA7-9A63-408C-A773-F731EE6F2E5A}"/>
+              </a:ext>
+            </a:extLst>
+          </p:cNvPr>
+          <p:cNvPicPr>
+            <a:picLocks noChangeAspect="1"/>
+          </p:cNvPicPr>
+          <p:nvPr/>
+        </p:nvPicPr>
+        <p:blipFill>
+          <a:blip r:embed="rId2">
+            <a:extLst>
+              <a:ext uri="{BEBA8EAE-BF5A-486C-A8C5-ECC9F3942E4B}">
+                <a14:imgProps xmlns:a14="http://schemas.microsoft.com/office/drawing/2010/main">
+                  <a14:imgLayer r:embed="rId3">
+                    <a14:imgEffect>
+                      <a14:backgroundRemoval t="10000" b="90000" l="10000" r="90000">
+                        <a14:foregroundMark x1="59434" y1="82390" x2="59434" y2="82390"/>
+                        <a14:foregroundMark x1="65409" y1="75472" x2="65409" y2="75472"/>
+                        <a14:foregroundMark x1="79245" y1="77358" x2="79245" y2="77358"/>
+                        <a14:foregroundMark x1="61006" y1="34591" x2="61006" y2="34591"/>
+                        <a14:foregroundMark x1="38050" y1="35220" x2="38050" y2="35220"/>
+                        <a14:foregroundMark x1="47170" y1="73585" x2="47170" y2="73585"/>
+                        <a14:foregroundMark x1="44340" y1="77358" x2="44340" y2="77358"/>
+                        <a14:foregroundMark x1="32704" y1="77358" x2="32704" y2="77358"/>
+                        <a14:foregroundMark x1="26101" y1="80503" x2="26101" y2="80503"/>
+                      </a14:backgroundRemoval>
+                    </a14:imgEffect>
+                    <a14:imgEffect>
+                      <a14:sharpenSoften amount="25000"/>
+                    </a14:imgEffect>
+                  </a14:imgLayer>
+                </a14:imgProps>
+              </a:ext>
+              <a:ext uri="{28A0092B-C50C-407E-A947-70E740481C1C}">
+                <a14:useLocalDpi xmlns:a14="http://schemas.microsoft.com/office/drawing/2010/main" val="0"/>
+              </a:ext>
+            </a:extLst>
+          </a:blip>
+          <a:stretch>
+            <a:fillRect/>
+          </a:stretch>
+        </p:blipFill>
+        <p:spPr>
+          <a:xfrm>
+            <a:off x="619124" y="2391796"/>
+            <a:ext cx="4148816" cy="2074408"/>
+          </a:xfrm>
+          <a:prstGeom prst="rect">
+            <a:avLst/>
+          </a:prstGeom>
+        </p:spPr>
+      </p:pic>
+      <p:pic>
+        <p:nvPicPr>
+          <p:cNvPr id="1028" name="Picture 4" descr="Node.js - O que é, como funciona e quais as vantagens | OPUS">
+            <a:extLst>
+              <a:ext uri="{FF2B5EF4-FFF2-40B4-BE49-F238E27FC236}">
+                <a16:creationId xmlns:a16="http://schemas.microsoft.com/office/drawing/2014/main" id="{F7EF85FB-FC46-4D91-9A0B-52EFC04A42AE}"/>
+              </a:ext>
+            </a:extLst>
+          </p:cNvPr>
+          <p:cNvPicPr>
+            <a:picLocks noChangeAspect="1" noChangeArrowheads="1"/>
+          </p:cNvPicPr>
+          <p:nvPr/>
+        </p:nvPicPr>
+        <p:blipFill>
+          <a:blip r:embed="rId4">
+            <a:extLst>
+              <a:ext uri="{BEBA8EAE-BF5A-486C-A8C5-ECC9F3942E4B}">
+                <a14:imgProps xmlns:a14="http://schemas.microsoft.com/office/drawing/2010/main">
+                  <a14:imgLayer r:embed="rId5">
+                    <a14:imgEffect>
+                      <a14:backgroundRemoval t="10000" b="90000" l="10000" r="90000">
+                        <a14:foregroundMark x1="20700" y1="35667" x2="20700" y2="35667"/>
+                        <a14:foregroundMark x1="33200" y1="38500" x2="33200" y2="38500"/>
+                        <a14:foregroundMark x1="37700" y1="43000" x2="37700" y2="43000"/>
+                        <a14:foregroundMark x1="40700" y1="42500" x2="40700" y2="42500"/>
+                        <a14:foregroundMark x1="40700" y1="42500" x2="40700" y2="42500"/>
+                        <a14:foregroundMark x1="40400" y1="42000" x2="40400" y2="42000"/>
+                        <a14:foregroundMark x1="42700" y1="51000" x2="42700" y2="51000"/>
+                        <a14:foregroundMark x1="42700" y1="51000" x2="42700" y2="51000"/>
+                        <a14:foregroundMark x1="47100" y1="47667" x2="47100" y2="47667"/>
+                        <a14:foregroundMark x1="47100" y1="47000" x2="47100" y2="47000"/>
+                        <a14:foregroundMark x1="33900" y1="54333" x2="33900" y2="54333"/>
+                        <a14:foregroundMark x1="33900" y1="54333" x2="33900" y2="54333"/>
+                        <a14:foregroundMark x1="66500" y1="33500" x2="66500" y2="33500"/>
+                        <a14:foregroundMark x1="66500" y1="36333" x2="66500" y2="36333"/>
+                        <a14:foregroundMark x1="67100" y1="42000" x2="67100" y2="42000"/>
+                        <a14:foregroundMark x1="67100" y1="42500" x2="67100" y2="42500"/>
+                        <a14:foregroundMark x1="67100" y1="40833" x2="67100" y2="40833"/>
+                        <a14:foregroundMark x1="67100" y1="40833" x2="67100" y2="40833"/>
+                        <a14:foregroundMark x1="66800" y1="40333" x2="66800" y2="40333"/>
+                        <a14:foregroundMark x1="75300" y1="45333" x2="75300" y2="45333"/>
+                        <a14:foregroundMark x1="75300" y1="45333" x2="75300" y2="45333"/>
+                        <a14:foregroundMark x1="81000" y1="44167" x2="81000" y2="44167"/>
+                        <a14:foregroundMark x1="54400" y1="63333" x2="54400" y2="63333"/>
+                        <a14:foregroundMark x1="50400" y1="69500" x2="50400" y2="69500"/>
+                      </a14:backgroundRemoval>
+                    </a14:imgEffect>
+                  </a14:imgLayer>
+                </a14:imgProps>
+              </a:ext>
+              <a:ext uri="{28A0092B-C50C-407E-A947-70E740481C1C}">
+                <a14:useLocalDpi xmlns:a14="http://schemas.microsoft.com/office/drawing/2010/main" val="0"/>
+              </a:ext>
+            </a:extLst>
+          </a:blip>
+          <a:srcRect/>
+          <a:stretch>
+            <a:fillRect/>
+          </a:stretch>
+        </p:blipFill>
+        <p:spPr bwMode="auto">
+          <a:xfrm>
+            <a:off x="6585857" y="2283641"/>
+            <a:ext cx="4283529" cy="2570117"/>
+          </a:xfrm>
+          <a:prstGeom prst="rect">
+            <a:avLst/>
+          </a:prstGeom>
+          <a:noFill/>
+          <a:extLst>
+            <a:ext uri="{909E8E84-426E-40DD-AFC4-6F175D3DCCD1}">
+              <a14:hiddenFill xmlns:a14="http://schemas.microsoft.com/office/drawing/2010/main">
+                <a:solidFill>
+                  <a:srgbClr val="FFFFFF"/>
+                </a:solidFill>
+              </a14:hiddenFill>
+            </a:ext>
+          </a:extLst>
+        </p:spPr>
+      </p:pic>
+    </p:spTree>
+    <p:extLst>
+      <p:ext uri="{BB962C8B-B14F-4D97-AF65-F5344CB8AC3E}">
+        <p14:creationId xmlns:p14="http://schemas.microsoft.com/office/powerpoint/2010/main" val="3792423416"/>
+      </p:ext>
+    </p:extLst>
+  </p:cSld>
+  <p:clrMapOvr>
+    <a:masterClrMapping/>
+  </p:clrMapOvr>
+  <p:timing>
+    <p:tnLst>
+      <p:par>
+        <p:cTn id="1" dur="indefinite" restart="never" nodeType="tmRoot"/>
+      </p:par>
+    </p:tnLst>
+  </p:timing>
+</p:sld>
+</file>
+
+<file path=ppt/slides/slide11.xml><?xml version="1.0" encoding="utf-8"?>
+<p:sld xmlns:a="http://schemas.openxmlformats.org/drawingml/2006/main" xmlns:r="http://schemas.openxmlformats.org/officeDocument/2006/relationships" xmlns:p="http://schemas.openxmlformats.org/presentationml/2006/main">
+  <p:cSld>
+    <p:spTree>
+      <p:nvGrpSpPr>
+        <p:cNvPr id="1" name=""/>
+        <p:cNvGrpSpPr/>
+        <p:nvPr/>
+      </p:nvGrpSpPr>
+      <p:grpSpPr>
+        <a:xfrm>
+          <a:off x="0" y="0"/>
+          <a:ext cx="0" cy="0"/>
+          <a:chOff x="0" y="0"/>
+          <a:chExt cx="0" cy="0"/>
+        </a:xfrm>
+      </p:grpSpPr>
+      <p:sp>
+        <p:nvSpPr>
+          <p:cNvPr id="5" name="Título 1">
+            <a:extLst>
+              <a:ext uri="{FF2B5EF4-FFF2-40B4-BE49-F238E27FC236}">
+                <a16:creationId xmlns:a16="http://schemas.microsoft.com/office/drawing/2014/main" id="{8A0AA669-0469-465D-815F-87FEEED0039A}"/>
+              </a:ext>
+            </a:extLst>
+          </p:cNvPr>
+          <p:cNvSpPr txBox="1">
+            <a:spLocks/>
+          </p:cNvSpPr>
+          <p:nvPr/>
+        </p:nvSpPr>
+        <p:spPr>
+          <a:xfrm>
+            <a:off x="3560618" y="178405"/>
+            <a:ext cx="5070764" cy="609601"/>
+          </a:xfrm>
+          <a:prstGeom prst="rect">
+            <a:avLst/>
+          </a:prstGeom>
+          <a:noFill/>
+          <a:ln w="57150">
+            <a:solidFill>
+              <a:srgbClr val="E57019"/>
+            </a:solidFill>
+            <a:prstDash val="lgDash"/>
+          </a:ln>
+        </p:spPr>
+        <p:txBody>
+          <a:bodyPr vert="horz" lIns="91440" tIns="45720" rIns="91440" bIns="45720" rtlCol="0" anchor="ctr">
+            <a:normAutofit fontScale="97500"/>
+          </a:bodyPr>
+          <a:lstStyle>
+            <a:lvl1pPr algn="l" defTabSz="914400" rtl="0" eaLnBrk="1" latinLnBrk="0" hangingPunct="1">
+              <a:lnSpc>
+                <a:spcPct val="90000"/>
+              </a:lnSpc>
+              <a:spcBef>
+                <a:spcPct val="0"/>
+              </a:spcBef>
+              <a:buNone/>
+              <a:defRPr sz="4400" kern="1200">
+                <a:solidFill>
+                  <a:schemeClr val="tx1"/>
+                </a:solidFill>
+                <a:latin typeface="+mj-lt"/>
+                <a:ea typeface="+mj-ea"/>
+                <a:cs typeface="+mj-cs"/>
+              </a:defRPr>
+            </a:lvl1pPr>
+          </a:lstStyle>
+          <a:p>
+            <a:pPr algn="ctr"/>
+            <a:r>
+              <a:rPr lang="pt-BR" sz="2400" dirty="0">
+                <a:latin typeface="Bahnschrift" panose="020B0502040204020203" pitchFamily="34" charset="0"/>
+              </a:rPr>
+              <a:t>Tabelas / Modelo de dados Lógico</a:t>
+            </a:r>
+          </a:p>
+        </p:txBody>
+      </p:sp>
+      <p:pic>
+        <p:nvPicPr>
+          <p:cNvPr id="3" name="Imagem 2">
+            <a:extLst>
+              <a:ext uri="{FF2B5EF4-FFF2-40B4-BE49-F238E27FC236}">
+                <a16:creationId xmlns:a16="http://schemas.microsoft.com/office/drawing/2014/main" id="{453D1DE1-5E6A-4701-815A-F9B48AA49864}"/>
+              </a:ext>
+            </a:extLst>
+          </p:cNvPr>
+          <p:cNvPicPr>
+            <a:picLocks noChangeAspect="1"/>
+          </p:cNvPicPr>
+          <p:nvPr/>
+        </p:nvPicPr>
+        <p:blipFill>
+          <a:blip r:embed="rId2"/>
+          <a:stretch>
+            <a:fillRect/>
+          </a:stretch>
+        </p:blipFill>
+        <p:spPr>
+          <a:xfrm>
+            <a:off x="581025" y="1051225"/>
+            <a:ext cx="6648450" cy="5362575"/>
+          </a:xfrm>
+          <a:prstGeom prst="rect">
+            <a:avLst/>
+          </a:prstGeom>
+          <a:ln>
+            <a:noFill/>
+          </a:ln>
+          <a:effectLst>
+            <a:outerShdw blurRad="292100" dist="139700" dir="2700000" algn="tl" rotWithShape="0">
+              <a:srgbClr val="333333">
+                <a:alpha val="65000"/>
+              </a:srgbClr>
+            </a:outerShdw>
+          </a:effectLst>
+        </p:spPr>
+      </p:pic>
+      <p:pic>
+        <p:nvPicPr>
+          <p:cNvPr id="2050" name="Picture 2" descr="MySQL 8: as melhorias da nova versão do MySQL | Homehost">
+            <a:extLst>
+              <a:ext uri="{FF2B5EF4-FFF2-40B4-BE49-F238E27FC236}">
+                <a16:creationId xmlns:a16="http://schemas.microsoft.com/office/drawing/2014/main" id="{4AA54AEF-3C3E-457C-9C7D-5EDD55675372}"/>
+              </a:ext>
+            </a:extLst>
+          </p:cNvPr>
+          <p:cNvPicPr>
+            <a:picLocks noChangeAspect="1" noChangeArrowheads="1"/>
+          </p:cNvPicPr>
+          <p:nvPr/>
+        </p:nvPicPr>
+        <p:blipFill>
+          <a:blip r:embed="rId3">
+            <a:extLst>
+              <a:ext uri="{28A0092B-C50C-407E-A947-70E740481C1C}">
+                <a14:useLocalDpi xmlns:a14="http://schemas.microsoft.com/office/drawing/2010/main" val="0"/>
+              </a:ext>
+            </a:extLst>
+          </a:blip>
+          <a:srcRect/>
+          <a:stretch>
+            <a:fillRect/>
+          </a:stretch>
+        </p:blipFill>
+        <p:spPr bwMode="auto">
+          <a:xfrm>
+            <a:off x="8029575" y="2561629"/>
+            <a:ext cx="3257140" cy="1361383"/>
+          </a:xfrm>
+          <a:prstGeom prst="rect">
+            <a:avLst/>
+          </a:prstGeom>
+          <a:noFill/>
+          <a:extLst>
+            <a:ext uri="{909E8E84-426E-40DD-AFC4-6F175D3DCCD1}">
+              <a14:hiddenFill xmlns:a14="http://schemas.microsoft.com/office/drawing/2010/main">
+                <a:solidFill>
+                  <a:srgbClr val="FFFFFF"/>
+                </a:solidFill>
+              </a14:hiddenFill>
+            </a:ext>
+          </a:extLst>
+        </p:spPr>
+      </p:pic>
+    </p:spTree>
+    <p:extLst>
+      <p:ext uri="{BB962C8B-B14F-4D97-AF65-F5344CB8AC3E}">
+        <p14:creationId xmlns:p14="http://schemas.microsoft.com/office/powerpoint/2010/main" val="1542098227"/>
+      </p:ext>
+    </p:extLst>
+  </p:cSld>
+  <p:clrMapOvr>
+    <a:masterClrMapping/>
+  </p:clrMapOvr>
+  <p:timing>
+    <p:tnLst>
+      <p:par>
+        <p:cTn id="1" dur="indefinite" restart="never" nodeType="tmRoot"/>
+      </p:par>
+    </p:tnLst>
+  </p:timing>
+</p:sld>
+</file>
+
+<file path=ppt/slides/slide12.xml><?xml version="1.0" encoding="utf-8"?>
+<p:sld xmlns:a="http://schemas.openxmlformats.org/drawingml/2006/main" xmlns:r="http://schemas.openxmlformats.org/officeDocument/2006/relationships" xmlns:p="http://schemas.openxmlformats.org/presentationml/2006/main">
+  <p:cSld>
+    <p:bg>
+      <p:bgPr>
+        <a:blipFill dpi="0" rotWithShape="1">
+          <a:blip r:embed="rId2">
+            <a:lum/>
+          </a:blip>
+          <a:srcRect/>
+          <a:stretch>
+            <a:fillRect/>
+          </a:stretch>
+        </a:blipFill>
+        <a:effectLst/>
+      </p:bgPr>
+    </p:bg>
     <p:spTree>
       <p:nvGrpSpPr>
         <p:cNvPr id="1" name=""/>
@@ -4265,7 +4875,7 @@
         </p:spPr>
         <p:txBody>
           <a:bodyPr vert="horz" lIns="91440" tIns="45720" rIns="91440" bIns="45720" rtlCol="0" anchor="ctr">
-            <a:normAutofit fontScale="90000"/>
+            <a:normAutofit fontScale="97500"/>
           </a:bodyPr>
           <a:lstStyle>
             <a:lvl1pPr algn="l" defTabSz="914400" rtl="0" eaLnBrk="1" latinLnBrk="0" hangingPunct="1">
@@ -4312,7 +4922,7 @@
           <p:nvPr/>
         </p:nvPicPr>
         <p:blipFill rotWithShape="1">
-          <a:blip r:embed="rId2"/>
+          <a:blip r:embed="rId3"/>
           <a:srcRect t="11964"/>
           <a:stretch/>
         </p:blipFill>
@@ -4348,10 +4958,17 @@
   <p:clrMapOvr>
     <a:masterClrMapping/>
   </p:clrMapOvr>
+  <p:timing>
+    <p:tnLst>
+      <p:par>
+        <p:cTn id="1" dur="indefinite" restart="never" nodeType="tmRoot"/>
+      </p:par>
+    </p:tnLst>
+  </p:timing>
 </p:sld>
 </file>
 
-<file path=ppt/slides/slide11.xml><?xml version="1.0" encoding="utf-8"?>
+<file path=ppt/slides/slide13.xml><?xml version="1.0" encoding="utf-8"?>
 <p:sld xmlns:a="http://schemas.openxmlformats.org/drawingml/2006/main" xmlns:r="http://schemas.openxmlformats.org/officeDocument/2006/relationships" xmlns:p="http://schemas.openxmlformats.org/presentationml/2006/main">
   <p:cSld>
     <p:spTree>
@@ -4370,7 +4987,7 @@
       </p:grpSpPr>
       <p:sp>
         <p:nvSpPr>
-          <p:cNvPr id="5" name="Título 1">
+          <p:cNvPr id="6" name="Título 1">
             <a:extLst>
               <a:ext uri="{FF2B5EF4-FFF2-40B4-BE49-F238E27FC236}">
                 <a16:creationId xmlns:a16="http://schemas.microsoft.com/office/drawing/2014/main" id="{8A0AA669-0469-465D-815F-87FEEED0039A}"/>
@@ -4384,8 +5001,8 @@
         </p:nvSpPr>
         <p:spPr>
           <a:xfrm>
-            <a:off x="4409209" y="449215"/>
-            <a:ext cx="3373582" cy="609601"/>
+            <a:off x="3560618" y="178405"/>
+            <a:ext cx="5070764" cy="609601"/>
           </a:xfrm>
           <a:prstGeom prst="rect">
             <a:avLst/>
@@ -4424,11 +5041,14 @@
           <a:p>
             <a:pPr algn="ctr"/>
             <a:r>
-              <a:rPr lang="pt-BR" sz="2400" dirty="0">
+              <a:rPr lang="pt-BR" sz="2400" dirty="0" smtClean="0">
                 <a:latin typeface="Bahnschrift" panose="020B0502040204020203" pitchFamily="34" charset="0"/>
               </a:rPr>
               <a:t>Resolução</a:t>
             </a:r>
+            <a:endParaRPr lang="pt-BR" sz="2400" dirty="0">
+              <a:latin typeface="Bahnschrift" panose="020B0502040204020203" pitchFamily="34" charset="0"/>
+            </a:endParaRPr>
           </a:p>
         </p:txBody>
       </p:sp>
@@ -4442,6 +5062,13 @@
   <p:clrMapOvr>
     <a:masterClrMapping/>
   </p:clrMapOvr>
+  <p:timing>
+    <p:tnLst>
+      <p:par>
+        <p:cTn id="1" dur="indefinite" restart="never" nodeType="tmRoot"/>
+      </p:par>
+    </p:tnLst>
+  </p:timing>
 </p:sld>
 </file>
 
@@ -4526,6 +5153,113 @@
           </a:p>
         </p:txBody>
       </p:sp>
+      <p:sp>
+        <p:nvSpPr>
+          <p:cNvPr id="2" name="CaixaDeTexto 1"/>
+          <p:cNvSpPr txBox="1"/>
+          <p:nvPr/>
+        </p:nvSpPr>
+        <p:spPr>
+          <a:xfrm>
+            <a:off x="723076" y="1971620"/>
+            <a:ext cx="4966524" cy="369332"/>
+          </a:xfrm>
+          <a:prstGeom prst="rect">
+            <a:avLst/>
+          </a:prstGeom>
+          <a:noFill/>
+        </p:spPr>
+        <p:txBody>
+          <a:bodyPr wrap="square" rtlCol="0">
+            <a:spAutoFit/>
+          </a:bodyPr>
+          <a:lstStyle/>
+          <a:p>
+            <a:pPr marL="285750" indent="-285750">
+              <a:buBlip>
+                <a:blip r:embed="rId3"/>
+              </a:buBlip>
+            </a:pPr>
+            <a:r>
+              <a:rPr lang="pt-BR" dirty="0" smtClean="0"/>
+              <a:t>Como funciona transporte público no Brasil?</a:t>
+            </a:r>
+          </a:p>
+        </p:txBody>
+      </p:sp>
+      <p:sp>
+        <p:nvSpPr>
+          <p:cNvPr id="3" name="CaixaDeTexto 2"/>
+          <p:cNvSpPr txBox="1"/>
+          <p:nvPr/>
+        </p:nvSpPr>
+        <p:spPr>
+          <a:xfrm>
+            <a:off x="723076" y="2340952"/>
+            <a:ext cx="4197268" cy="646331"/>
+          </a:xfrm>
+          <a:prstGeom prst="rect">
+            <a:avLst/>
+          </a:prstGeom>
+          <a:noFill/>
+        </p:spPr>
+        <p:txBody>
+          <a:bodyPr wrap="square" rtlCol="0">
+            <a:spAutoFit/>
+          </a:bodyPr>
+          <a:lstStyle/>
+          <a:p>
+            <a:pPr marL="285750" indent="-285750">
+              <a:buBlip>
+                <a:blip r:embed="rId3"/>
+              </a:buBlip>
+            </a:pPr>
+            <a:r>
+              <a:rPr lang="pt-BR" dirty="0"/>
+              <a:t>Como a gente resolve os problemas estes problemas?</a:t>
+            </a:r>
+          </a:p>
+        </p:txBody>
+      </p:sp>
+      <p:sp>
+        <p:nvSpPr>
+          <p:cNvPr id="4" name="CaixaDeTexto 3"/>
+          <p:cNvSpPr txBox="1"/>
+          <p:nvPr/>
+        </p:nvSpPr>
+        <p:spPr>
+          <a:xfrm>
+            <a:off x="723076" y="2987283"/>
+            <a:ext cx="3829895" cy="369332"/>
+          </a:xfrm>
+          <a:prstGeom prst="rect">
+            <a:avLst/>
+          </a:prstGeom>
+          <a:noFill/>
+        </p:spPr>
+        <p:txBody>
+          <a:bodyPr wrap="none" rtlCol="0">
+            <a:spAutoFit/>
+          </a:bodyPr>
+          <a:lstStyle/>
+          <a:p>
+            <a:pPr marL="285750" indent="-285750">
+              <a:buBlip>
+                <a:blip r:embed="rId3"/>
+              </a:buBlip>
+            </a:pPr>
+            <a:r>
+              <a:rPr lang="pt-BR" dirty="0"/>
+              <a:t>Como funciona o sensor no ônibus</a:t>
+            </a:r>
+            <a:r>
+              <a:rPr lang="pt-BR" dirty="0" smtClean="0"/>
+              <a:t>?</a:t>
+            </a:r>
+            <a:endParaRPr lang="pt-BR" dirty="0"/>
+          </a:p>
+        </p:txBody>
+      </p:sp>
     </p:spTree>
     <p:extLst>
       <p:ext uri="{BB962C8B-B14F-4D97-AF65-F5344CB8AC3E}">
@@ -4536,12 +5270,376 @@
   <p:clrMapOvr>
     <a:masterClrMapping/>
   </p:clrMapOvr>
+  <p:timing>
+    <p:tnLst>
+      <p:par>
+        <p:cTn id="1" dur="indefinite" restart="never" nodeType="tmRoot"/>
+      </p:par>
+    </p:tnLst>
+  </p:timing>
 </p:sld>
 </file>
 
 <file path=ppt/slides/slide3.xml><?xml version="1.0" encoding="utf-8"?>
 <p:sld xmlns:a="http://schemas.openxmlformats.org/drawingml/2006/main" xmlns:r="http://schemas.openxmlformats.org/officeDocument/2006/relationships" xmlns:p="http://schemas.openxmlformats.org/presentationml/2006/main">
   <p:cSld>
+    <p:spTree>
+      <p:nvGrpSpPr>
+        <p:cNvPr id="1" name=""/>
+        <p:cNvGrpSpPr/>
+        <p:nvPr/>
+      </p:nvGrpSpPr>
+      <p:grpSpPr>
+        <a:xfrm>
+          <a:off x="0" y="0"/>
+          <a:ext cx="0" cy="0"/>
+          <a:chOff x="0" y="0"/>
+          <a:chExt cx="0" cy="0"/>
+        </a:xfrm>
+      </p:grpSpPr>
+      <p:sp>
+        <p:nvSpPr>
+          <p:cNvPr id="5" name="Título 1">
+            <a:extLst>
+              <a:ext uri="{FF2B5EF4-FFF2-40B4-BE49-F238E27FC236}">
+                <a16:creationId xmlns:a16="http://schemas.microsoft.com/office/drawing/2014/main" id="{8A0AA669-0469-465D-815F-87FEEED0039A}"/>
+              </a:ext>
+            </a:extLst>
+          </p:cNvPr>
+          <p:cNvSpPr txBox="1">
+            <a:spLocks/>
+          </p:cNvSpPr>
+          <p:nvPr/>
+        </p:nvSpPr>
+        <p:spPr>
+          <a:xfrm>
+            <a:off x="3560618" y="393715"/>
+            <a:ext cx="5070764" cy="609601"/>
+          </a:xfrm>
+          <a:prstGeom prst="rect">
+            <a:avLst/>
+          </a:prstGeom>
+          <a:noFill/>
+          <a:ln w="57150">
+            <a:solidFill>
+              <a:srgbClr val="E57019"/>
+            </a:solidFill>
+            <a:prstDash val="lgDash"/>
+          </a:ln>
+        </p:spPr>
+        <p:txBody>
+          <a:bodyPr vert="horz" lIns="91440" tIns="45720" rIns="91440" bIns="45720" rtlCol="0" anchor="ctr">
+            <a:normAutofit fontScale="97500"/>
+          </a:bodyPr>
+          <a:lstStyle>
+            <a:lvl1pPr algn="l" defTabSz="914400" rtl="0" eaLnBrk="1" latinLnBrk="0" hangingPunct="1">
+              <a:lnSpc>
+                <a:spcPct val="90000"/>
+              </a:lnSpc>
+              <a:spcBef>
+                <a:spcPct val="0"/>
+              </a:spcBef>
+              <a:buNone/>
+              <a:defRPr sz="4400" kern="1200">
+                <a:solidFill>
+                  <a:schemeClr val="tx1"/>
+                </a:solidFill>
+                <a:latin typeface="+mj-lt"/>
+                <a:ea typeface="+mj-ea"/>
+                <a:cs typeface="+mj-cs"/>
+              </a:defRPr>
+            </a:lvl1pPr>
+          </a:lstStyle>
+          <a:p>
+            <a:pPr algn="ctr"/>
+            <a:r>
+              <a:rPr lang="pt-BR" sz="2400" dirty="0">
+                <a:latin typeface="Bahnschrift" panose="020B0502040204020203" pitchFamily="34" charset="0"/>
+              </a:rPr>
+              <a:t>Contexto</a:t>
+            </a:r>
+          </a:p>
+        </p:txBody>
+      </p:sp>
+      <p:pic>
+        <p:nvPicPr>
+          <p:cNvPr id="6" name="Imagem 5"/>
+          <p:cNvPicPr>
+            <a:picLocks noChangeAspect="1"/>
+          </p:cNvPicPr>
+          <p:nvPr/>
+        </p:nvPicPr>
+        <p:blipFill>
+          <a:blip r:embed="rId2">
+            <a:extLst>
+              <a:ext uri="{28A0092B-C50C-407E-A947-70E740481C1C}">
+                <a14:useLocalDpi xmlns:a14="http://schemas.microsoft.com/office/drawing/2010/main" val="0"/>
+              </a:ext>
+            </a:extLst>
+          </a:blip>
+          <a:stretch>
+            <a:fillRect/>
+          </a:stretch>
+        </p:blipFill>
+        <p:spPr>
+          <a:xfrm>
+            <a:off x="2077851" y="1264573"/>
+            <a:ext cx="7758217" cy="5172144"/>
+          </a:xfrm>
+          <a:prstGeom prst="rect">
+            <a:avLst/>
+          </a:prstGeom>
+        </p:spPr>
+      </p:pic>
+    </p:spTree>
+    <p:extLst>
+      <p:ext uri="{BB962C8B-B14F-4D97-AF65-F5344CB8AC3E}">
+        <p14:creationId xmlns:p14="http://schemas.microsoft.com/office/powerpoint/2010/main" val="246697480"/>
+      </p:ext>
+    </p:extLst>
+  </p:cSld>
+  <p:clrMapOvr>
+    <a:masterClrMapping/>
+  </p:clrMapOvr>
+  <p:timing>
+    <p:tnLst>
+      <p:par>
+        <p:cTn id="1" dur="indefinite" restart="never" nodeType="tmRoot"/>
+      </p:par>
+    </p:tnLst>
+  </p:timing>
+</p:sld>
+</file>
+
+<file path=ppt/slides/slide4.xml><?xml version="1.0" encoding="utf-8"?>
+<p:sld xmlns:a="http://schemas.openxmlformats.org/drawingml/2006/main" xmlns:r="http://schemas.openxmlformats.org/officeDocument/2006/relationships" xmlns:p="http://schemas.openxmlformats.org/presentationml/2006/main">
+  <p:cSld>
+    <p:spTree>
+      <p:nvGrpSpPr>
+        <p:cNvPr id="1" name=""/>
+        <p:cNvGrpSpPr/>
+        <p:nvPr/>
+      </p:nvGrpSpPr>
+      <p:grpSpPr>
+        <a:xfrm>
+          <a:off x="0" y="0"/>
+          <a:ext cx="0" cy="0"/>
+          <a:chOff x="0" y="0"/>
+          <a:chExt cx="0" cy="0"/>
+        </a:xfrm>
+      </p:grpSpPr>
+      <p:sp>
+        <p:nvSpPr>
+          <p:cNvPr id="5" name="Título 1">
+            <a:extLst>
+              <a:ext uri="{FF2B5EF4-FFF2-40B4-BE49-F238E27FC236}">
+                <a16:creationId xmlns:a16="http://schemas.microsoft.com/office/drawing/2014/main" id="{8A0AA669-0469-465D-815F-87FEEED0039A}"/>
+              </a:ext>
+            </a:extLst>
+          </p:cNvPr>
+          <p:cNvSpPr txBox="1">
+            <a:spLocks/>
+          </p:cNvSpPr>
+          <p:nvPr/>
+        </p:nvSpPr>
+        <p:spPr>
+          <a:xfrm>
+            <a:off x="3560618" y="393715"/>
+            <a:ext cx="5070764" cy="609601"/>
+          </a:xfrm>
+          <a:prstGeom prst="rect">
+            <a:avLst/>
+          </a:prstGeom>
+          <a:noFill/>
+          <a:ln w="57150">
+            <a:solidFill>
+              <a:srgbClr val="E57019"/>
+            </a:solidFill>
+            <a:prstDash val="lgDash"/>
+          </a:ln>
+        </p:spPr>
+        <p:txBody>
+          <a:bodyPr vert="horz" lIns="91440" tIns="45720" rIns="91440" bIns="45720" rtlCol="0" anchor="ctr">
+            <a:normAutofit fontScale="97500"/>
+          </a:bodyPr>
+          <a:lstStyle>
+            <a:lvl1pPr algn="l" defTabSz="914400" rtl="0" eaLnBrk="1" latinLnBrk="0" hangingPunct="1">
+              <a:lnSpc>
+                <a:spcPct val="90000"/>
+              </a:lnSpc>
+              <a:spcBef>
+                <a:spcPct val="0"/>
+              </a:spcBef>
+              <a:buNone/>
+              <a:defRPr sz="4400" kern="1200">
+                <a:solidFill>
+                  <a:schemeClr val="tx1"/>
+                </a:solidFill>
+                <a:latin typeface="+mj-lt"/>
+                <a:ea typeface="+mj-ea"/>
+                <a:cs typeface="+mj-cs"/>
+              </a:defRPr>
+            </a:lvl1pPr>
+          </a:lstStyle>
+          <a:p>
+            <a:pPr algn="ctr"/>
+            <a:r>
+              <a:rPr lang="pt-BR" sz="2400" dirty="0">
+                <a:latin typeface="Bahnschrift" panose="020B0502040204020203" pitchFamily="34" charset="0"/>
+              </a:rPr>
+              <a:t>Contexto</a:t>
+            </a:r>
+          </a:p>
+        </p:txBody>
+      </p:sp>
+      <p:sp>
+        <p:nvSpPr>
+          <p:cNvPr id="2" name="CaixaDeTexto 1"/>
+          <p:cNvSpPr txBox="1"/>
+          <p:nvPr/>
+        </p:nvSpPr>
+        <p:spPr>
+          <a:xfrm>
+            <a:off x="795647" y="1828800"/>
+            <a:ext cx="4966524" cy="923330"/>
+          </a:xfrm>
+          <a:prstGeom prst="rect">
+            <a:avLst/>
+          </a:prstGeom>
+          <a:noFill/>
+        </p:spPr>
+        <p:txBody>
+          <a:bodyPr wrap="square" rtlCol="0">
+            <a:spAutoFit/>
+          </a:bodyPr>
+          <a:lstStyle/>
+          <a:p>
+            <a:pPr marL="285750" indent="-285750">
+              <a:buFont typeface="Arial" panose="020B0604020202020204" pitchFamily="34" charset="0"/>
+              <a:buChar char="•"/>
+            </a:pPr>
+            <a:r>
+              <a:rPr lang="pt-BR" dirty="0" smtClean="0"/>
+              <a:t>Como funciona transporte público no Brasil?</a:t>
+            </a:r>
+          </a:p>
+          <a:p>
+            <a:pPr marL="285750" indent="-285750">
+              <a:buFont typeface="Arial" panose="020B0604020202020204" pitchFamily="34" charset="0"/>
+              <a:buChar char="•"/>
+            </a:pPr>
+            <a:endParaRPr lang="pt-BR" dirty="0" smtClean="0"/>
+          </a:p>
+          <a:p>
+            <a:pPr marL="285750" indent="-285750">
+              <a:buFont typeface="Arial" panose="020B0604020202020204" pitchFamily="34" charset="0"/>
+              <a:buChar char="•"/>
+            </a:pPr>
+            <a:endParaRPr lang="pt-BR" dirty="0" smtClean="0"/>
+          </a:p>
+        </p:txBody>
+      </p:sp>
+      <p:sp>
+        <p:nvSpPr>
+          <p:cNvPr id="3" name="CaixaDeTexto 2"/>
+          <p:cNvSpPr txBox="1"/>
+          <p:nvPr/>
+        </p:nvSpPr>
+        <p:spPr>
+          <a:xfrm>
+            <a:off x="6325589" y="3309257"/>
+            <a:ext cx="4197268" cy="646331"/>
+          </a:xfrm>
+          <a:prstGeom prst="rect">
+            <a:avLst/>
+          </a:prstGeom>
+          <a:noFill/>
+        </p:spPr>
+        <p:txBody>
+          <a:bodyPr wrap="square" rtlCol="0">
+            <a:spAutoFit/>
+          </a:bodyPr>
+          <a:lstStyle/>
+          <a:p>
+            <a:pPr marL="285750" indent="-285750">
+              <a:buFont typeface="Arial" panose="020B0604020202020204" pitchFamily="34" charset="0"/>
+              <a:buChar char="•"/>
+            </a:pPr>
+            <a:r>
+              <a:rPr lang="pt-BR"/>
+              <a:t>Como a gente resolve os problemas estes problemas?</a:t>
+            </a:r>
+            <a:endParaRPr lang="pt-BR" dirty="0"/>
+          </a:p>
+        </p:txBody>
+      </p:sp>
+      <p:sp>
+        <p:nvSpPr>
+          <p:cNvPr id="4" name="CaixaDeTexto 3"/>
+          <p:cNvSpPr txBox="1"/>
+          <p:nvPr/>
+        </p:nvSpPr>
+        <p:spPr>
+          <a:xfrm>
+            <a:off x="1175658" y="5268686"/>
+            <a:ext cx="3829895" cy="646331"/>
+          </a:xfrm>
+          <a:prstGeom prst="rect">
+            <a:avLst/>
+          </a:prstGeom>
+          <a:noFill/>
+        </p:spPr>
+        <p:txBody>
+          <a:bodyPr wrap="none" rtlCol="0">
+            <a:spAutoFit/>
+          </a:bodyPr>
+          <a:lstStyle/>
+          <a:p>
+            <a:pPr marL="285750" indent="-285750">
+              <a:buFont typeface="Arial" panose="020B0604020202020204" pitchFamily="34" charset="0"/>
+              <a:buChar char="•"/>
+            </a:pPr>
+            <a:r>
+              <a:rPr lang="pt-BR" dirty="0"/>
+              <a:t>Como funciona o sensor no ônibus?</a:t>
+            </a:r>
+          </a:p>
+          <a:p>
+            <a:endParaRPr lang="pt-BR" dirty="0"/>
+          </a:p>
+        </p:txBody>
+      </p:sp>
+    </p:spTree>
+    <p:extLst>
+      <p:ext uri="{BB962C8B-B14F-4D97-AF65-F5344CB8AC3E}">
+        <p14:creationId xmlns:p14="http://schemas.microsoft.com/office/powerpoint/2010/main" val="3567727220"/>
+      </p:ext>
+    </p:extLst>
+  </p:cSld>
+  <p:clrMapOvr>
+    <a:masterClrMapping/>
+  </p:clrMapOvr>
+  <p:timing>
+    <p:tnLst>
+      <p:par>
+        <p:cTn id="1" dur="indefinite" restart="never" nodeType="tmRoot"/>
+      </p:par>
+    </p:tnLst>
+  </p:timing>
+</p:sld>
+</file>
+
+<file path=ppt/slides/slide5.xml><?xml version="1.0" encoding="utf-8"?>
+<p:sld xmlns:a="http://schemas.openxmlformats.org/drawingml/2006/main" xmlns:r="http://schemas.openxmlformats.org/officeDocument/2006/relationships" xmlns:p="http://schemas.openxmlformats.org/presentationml/2006/main">
+  <p:cSld>
+    <p:bg>
+      <p:bgPr>
+        <a:solidFill>
+          <a:srgbClr val="FFFFFF"/>
+        </a:solidFill>
+        <a:effectLst/>
+      </p:bgPr>
+    </p:bg>
     <p:spTree>
       <p:nvGrpSpPr>
         <p:cNvPr id="1" name=""/>
@@ -4803,7 +5901,7 @@
           <p:nvPr/>
         </p:nvPicPr>
         <p:blipFill>
-          <a:blip r:embed="rId6" cstate="print">
+          <a:blip r:embed="rId6" cstate="hqprint">
             <a:extLst>
               <a:ext uri="{28A0092B-C50C-407E-A947-70E740481C1C}">
                 <a14:useLocalDpi xmlns:a14="http://schemas.microsoft.com/office/drawing/2010/main" val="0"/>
@@ -5525,12 +6623,27 @@
   <p:clrMapOvr>
     <a:masterClrMapping/>
   </p:clrMapOvr>
+  <p:timing>
+    <p:tnLst>
+      <p:par>
+        <p:cTn id="1" dur="indefinite" restart="never" nodeType="tmRoot"/>
+      </p:par>
+    </p:tnLst>
+  </p:timing>
 </p:sld>
 </file>
 
-<file path=ppt/slides/slide4.xml><?xml version="1.0" encoding="utf-8"?>
+<file path=ppt/slides/slide6.xml><?xml version="1.0" encoding="utf-8"?>
 <p:sld xmlns:a="http://schemas.openxmlformats.org/drawingml/2006/main" xmlns:r="http://schemas.openxmlformats.org/officeDocument/2006/relationships" xmlns:p="http://schemas.openxmlformats.org/presentationml/2006/main">
   <p:cSld>
+    <p:bg>
+      <p:bgPr>
+        <a:solidFill>
+          <a:srgbClr val="FFFFFF"/>
+        </a:solidFill>
+        <a:effectLst/>
+      </p:bgPr>
+    </p:bg>
     <p:spTree>
       <p:nvGrpSpPr>
         <p:cNvPr id="1" name=""/>
@@ -6555,12 +7668,27 @@
   <p:clrMapOvr>
     <a:masterClrMapping/>
   </p:clrMapOvr>
+  <p:timing>
+    <p:tnLst>
+      <p:par>
+        <p:cTn id="1" dur="indefinite" restart="never" nodeType="tmRoot"/>
+      </p:par>
+    </p:tnLst>
+  </p:timing>
 </p:sld>
 </file>
 
-<file path=ppt/slides/slide5.xml><?xml version="1.0" encoding="utf-8"?>
+<file path=ppt/slides/slide7.xml><?xml version="1.0" encoding="utf-8"?>
 <p:sld xmlns:a="http://schemas.openxmlformats.org/drawingml/2006/main" xmlns:r="http://schemas.openxmlformats.org/officeDocument/2006/relationships" xmlns:p="http://schemas.openxmlformats.org/presentationml/2006/main">
   <p:cSld>
+    <p:bg>
+      <p:bgPr>
+        <a:solidFill>
+          <a:srgbClr val="FFFFFF"/>
+        </a:solidFill>
+        <a:effectLst/>
+      </p:bgPr>
+    </p:bg>
     <p:spTree>
       <p:nvGrpSpPr>
         <p:cNvPr id="1" name=""/>
@@ -6813,10 +7941,17 @@
   <p:clrMapOvr>
     <a:masterClrMapping/>
   </p:clrMapOvr>
+  <p:timing>
+    <p:tnLst>
+      <p:par>
+        <p:cTn id="1" dur="indefinite" restart="never" nodeType="tmRoot"/>
+      </p:par>
+    </p:tnLst>
+  </p:timing>
 </p:sld>
 </file>
 
-<file path=ppt/slides/slide6.xml><?xml version="1.0" encoding="utf-8"?>
+<file path=ppt/slides/slide8.xml><?xml version="1.0" encoding="utf-8"?>
 <p:sld xmlns:a="http://schemas.openxmlformats.org/drawingml/2006/main" xmlns:r="http://schemas.openxmlformats.org/officeDocument/2006/relationships" xmlns:p="http://schemas.openxmlformats.org/presentationml/2006/main">
   <p:cSld>
     <p:spTree>
@@ -6933,7 +8068,7 @@
             <p:nvPr/>
           </p:nvPicPr>
           <p:blipFill>
-            <a:blip r:embed="rId3">
+            <a:blip r:embed="rId3" cstate="hqprint">
               <a:extLst>
                 <a:ext uri="{28A0092B-C50C-407E-A947-70E740481C1C}">
                   <a14:useLocalDpi xmlns:a14="http://schemas.microsoft.com/office/drawing/2010/main" val="0"/>
@@ -7132,12 +8267,27 @@
   <p:clrMapOvr>
     <a:masterClrMapping/>
   </p:clrMapOvr>
+  <p:timing>
+    <p:tnLst>
+      <p:par>
+        <p:cTn id="1" dur="indefinite" restart="never" nodeType="tmRoot"/>
+      </p:par>
+    </p:tnLst>
+  </p:timing>
 </p:sld>
 </file>
 
-<file path=ppt/slides/slide7.xml><?xml version="1.0" encoding="utf-8"?>
+<file path=ppt/slides/slide9.xml><?xml version="1.0" encoding="utf-8"?>
 <p:sld xmlns:a="http://schemas.openxmlformats.org/drawingml/2006/main" xmlns:r="http://schemas.openxmlformats.org/officeDocument/2006/relationships" xmlns:p="http://schemas.openxmlformats.org/presentationml/2006/main">
   <p:cSld>
+    <p:bg>
+      <p:bgPr>
+        <a:solidFill>
+          <a:srgbClr val="FFFFFF"/>
+        </a:solidFill>
+        <a:effectLst/>
+      </p:bgPr>
+    </p:bg>
     <p:spTree>
       <p:nvGrpSpPr>
         <p:cNvPr id="1" name=""/>
@@ -25135,420 +26285,13 @@
   <p:clrMapOvr>
     <a:masterClrMapping/>
   </p:clrMapOvr>
-</p:sld>
-</file>
-
-<file path=ppt/slides/slide8.xml><?xml version="1.0" encoding="utf-8"?>
-<p:sld xmlns:a="http://schemas.openxmlformats.org/drawingml/2006/main" xmlns:r="http://schemas.openxmlformats.org/officeDocument/2006/relationships" xmlns:p="http://schemas.openxmlformats.org/presentationml/2006/main">
-  <p:cSld>
-    <p:spTree>
-      <p:nvGrpSpPr>
-        <p:cNvPr id="1" name=""/>
-        <p:cNvGrpSpPr/>
-        <p:nvPr/>
-      </p:nvGrpSpPr>
-      <p:grpSpPr>
-        <a:xfrm>
-          <a:off x="0" y="0"/>
-          <a:ext cx="0" cy="0"/>
-          <a:chOff x="0" y="0"/>
-          <a:chExt cx="0" cy="0"/>
-        </a:xfrm>
-      </p:grpSpPr>
-      <p:sp>
-        <p:nvSpPr>
-          <p:cNvPr id="5" name="Título 1">
-            <a:extLst>
-              <a:ext uri="{FF2B5EF4-FFF2-40B4-BE49-F238E27FC236}">
-                <a16:creationId xmlns:a16="http://schemas.microsoft.com/office/drawing/2014/main" id="{8A0AA669-0469-465D-815F-87FEEED0039A}"/>
-              </a:ext>
-            </a:extLst>
-          </p:cNvPr>
-          <p:cNvSpPr txBox="1">
-            <a:spLocks/>
-          </p:cNvSpPr>
-          <p:nvPr/>
-        </p:nvSpPr>
-        <p:spPr>
-          <a:xfrm>
-            <a:off x="3304309" y="302230"/>
-            <a:ext cx="5839692" cy="609601"/>
-          </a:xfrm>
-          <a:prstGeom prst="rect">
-            <a:avLst/>
-          </a:prstGeom>
-          <a:noFill/>
-          <a:ln w="57150">
-            <a:solidFill>
-              <a:srgbClr val="E57019"/>
-            </a:solidFill>
-            <a:prstDash val="lgDash"/>
-          </a:ln>
-        </p:spPr>
-        <p:txBody>
-          <a:bodyPr vert="horz" lIns="91440" tIns="45720" rIns="91440" bIns="45720" rtlCol="0" anchor="ctr">
-            <a:normAutofit fontScale="97500"/>
-          </a:bodyPr>
-          <a:lstStyle>
-            <a:lvl1pPr algn="l" defTabSz="914400" rtl="0" eaLnBrk="1" latinLnBrk="0" hangingPunct="1">
-              <a:lnSpc>
-                <a:spcPct val="90000"/>
-              </a:lnSpc>
-              <a:spcBef>
-                <a:spcPct val="0"/>
-              </a:spcBef>
-              <a:buNone/>
-              <a:defRPr sz="4400" kern="1200">
-                <a:solidFill>
-                  <a:schemeClr val="tx1"/>
-                </a:solidFill>
-                <a:latin typeface="+mj-lt"/>
-                <a:ea typeface="+mj-ea"/>
-                <a:cs typeface="+mj-cs"/>
-              </a:defRPr>
-            </a:lvl1pPr>
-          </a:lstStyle>
-          <a:p>
-            <a:pPr algn="ctr"/>
-            <a:r>
-              <a:rPr lang="pt-BR" sz="2400" dirty="0">
-                <a:latin typeface="Bahnschrift" panose="020B0502040204020203" pitchFamily="34" charset="0"/>
-              </a:rPr>
-              <a:t>Demonstração do Simulador de Sensores</a:t>
-            </a:r>
-          </a:p>
-        </p:txBody>
-      </p:sp>
-      <p:pic>
-        <p:nvPicPr>
-          <p:cNvPr id="4" name="Imagem 3">
-            <a:extLst>
-              <a:ext uri="{FF2B5EF4-FFF2-40B4-BE49-F238E27FC236}">
-                <a16:creationId xmlns:a16="http://schemas.microsoft.com/office/drawing/2014/main" id="{8810BCA7-9A63-408C-A773-F731EE6F2E5A}"/>
-              </a:ext>
-            </a:extLst>
-          </p:cNvPr>
-          <p:cNvPicPr>
-            <a:picLocks noChangeAspect="1"/>
-          </p:cNvPicPr>
-          <p:nvPr/>
-        </p:nvPicPr>
-        <p:blipFill>
-          <a:blip r:embed="rId2">
-            <a:extLst>
-              <a:ext uri="{BEBA8EAE-BF5A-486C-A8C5-ECC9F3942E4B}">
-                <a14:imgProps xmlns:a14="http://schemas.microsoft.com/office/drawing/2010/main">
-                  <a14:imgLayer r:embed="rId3">
-                    <a14:imgEffect>
-                      <a14:backgroundRemoval t="10000" b="90000" l="10000" r="90000">
-                        <a14:foregroundMark x1="59434" y1="82390" x2="59434" y2="82390"/>
-                        <a14:foregroundMark x1="65409" y1="75472" x2="65409" y2="75472"/>
-                        <a14:foregroundMark x1="79245" y1="77358" x2="79245" y2="77358"/>
-                        <a14:foregroundMark x1="61006" y1="34591" x2="61006" y2="34591"/>
-                        <a14:foregroundMark x1="38050" y1="35220" x2="38050" y2="35220"/>
-                        <a14:foregroundMark x1="47170" y1="73585" x2="47170" y2="73585"/>
-                        <a14:foregroundMark x1="44340" y1="77358" x2="44340" y2="77358"/>
-                        <a14:foregroundMark x1="32704" y1="77358" x2="32704" y2="77358"/>
-                        <a14:foregroundMark x1="26101" y1="80503" x2="26101" y2="80503"/>
-                      </a14:backgroundRemoval>
-                    </a14:imgEffect>
-                    <a14:imgEffect>
-                      <a14:sharpenSoften amount="25000"/>
-                    </a14:imgEffect>
-                  </a14:imgLayer>
-                </a14:imgProps>
-              </a:ext>
-              <a:ext uri="{28A0092B-C50C-407E-A947-70E740481C1C}">
-                <a14:useLocalDpi xmlns:a14="http://schemas.microsoft.com/office/drawing/2010/main" val="0"/>
-              </a:ext>
-            </a:extLst>
-          </a:blip>
-          <a:stretch>
-            <a:fillRect/>
-          </a:stretch>
-        </p:blipFill>
-        <p:spPr>
-          <a:xfrm>
-            <a:off x="619124" y="2391796"/>
-            <a:ext cx="4148816" cy="2074408"/>
-          </a:xfrm>
-          <a:prstGeom prst="rect">
-            <a:avLst/>
-          </a:prstGeom>
-        </p:spPr>
-      </p:pic>
-      <p:pic>
-        <p:nvPicPr>
-          <p:cNvPr id="1028" name="Picture 4" descr="Node.js - O que é, como funciona e quais as vantagens | OPUS">
-            <a:extLst>
-              <a:ext uri="{FF2B5EF4-FFF2-40B4-BE49-F238E27FC236}">
-                <a16:creationId xmlns:a16="http://schemas.microsoft.com/office/drawing/2014/main" id="{F7EF85FB-FC46-4D91-9A0B-52EFC04A42AE}"/>
-              </a:ext>
-            </a:extLst>
-          </p:cNvPr>
-          <p:cNvPicPr>
-            <a:picLocks noChangeAspect="1" noChangeArrowheads="1"/>
-          </p:cNvPicPr>
-          <p:nvPr/>
-        </p:nvPicPr>
-        <p:blipFill>
-          <a:blip r:embed="rId4">
-            <a:extLst>
-              <a:ext uri="{BEBA8EAE-BF5A-486C-A8C5-ECC9F3942E4B}">
-                <a14:imgProps xmlns:a14="http://schemas.microsoft.com/office/drawing/2010/main">
-                  <a14:imgLayer r:embed="rId5">
-                    <a14:imgEffect>
-                      <a14:backgroundRemoval t="10000" b="90000" l="10000" r="90000">
-                        <a14:foregroundMark x1="20700" y1="35667" x2="20700" y2="35667"/>
-                        <a14:foregroundMark x1="33200" y1="38500" x2="33200" y2="38500"/>
-                        <a14:foregroundMark x1="37700" y1="43000" x2="37700" y2="43000"/>
-                        <a14:foregroundMark x1="40700" y1="42500" x2="40700" y2="42500"/>
-                        <a14:foregroundMark x1="40700" y1="42500" x2="40700" y2="42500"/>
-                        <a14:foregroundMark x1="40400" y1="42000" x2="40400" y2="42000"/>
-                        <a14:foregroundMark x1="42700" y1="51000" x2="42700" y2="51000"/>
-                        <a14:foregroundMark x1="42700" y1="51000" x2="42700" y2="51000"/>
-                        <a14:foregroundMark x1="47100" y1="47667" x2="47100" y2="47667"/>
-                        <a14:foregroundMark x1="47100" y1="47000" x2="47100" y2="47000"/>
-                        <a14:foregroundMark x1="33900" y1="54333" x2="33900" y2="54333"/>
-                        <a14:foregroundMark x1="33900" y1="54333" x2="33900" y2="54333"/>
-                        <a14:foregroundMark x1="66500" y1="33500" x2="66500" y2="33500"/>
-                        <a14:foregroundMark x1="66500" y1="36333" x2="66500" y2="36333"/>
-                        <a14:foregroundMark x1="67100" y1="42000" x2="67100" y2="42000"/>
-                        <a14:foregroundMark x1="67100" y1="42500" x2="67100" y2="42500"/>
-                        <a14:foregroundMark x1="67100" y1="40833" x2="67100" y2="40833"/>
-                        <a14:foregroundMark x1="67100" y1="40833" x2="67100" y2="40833"/>
-                        <a14:foregroundMark x1="66800" y1="40333" x2="66800" y2="40333"/>
-                        <a14:foregroundMark x1="75300" y1="45333" x2="75300" y2="45333"/>
-                        <a14:foregroundMark x1="75300" y1="45333" x2="75300" y2="45333"/>
-                        <a14:foregroundMark x1="81000" y1="44167" x2="81000" y2="44167"/>
-                        <a14:foregroundMark x1="54400" y1="63333" x2="54400" y2="63333"/>
-                        <a14:foregroundMark x1="50400" y1="69500" x2="50400" y2="69500"/>
-                      </a14:backgroundRemoval>
-                    </a14:imgEffect>
-                  </a14:imgLayer>
-                </a14:imgProps>
-              </a:ext>
-              <a:ext uri="{28A0092B-C50C-407E-A947-70E740481C1C}">
-                <a14:useLocalDpi xmlns:a14="http://schemas.microsoft.com/office/drawing/2010/main" val="0"/>
-              </a:ext>
-            </a:extLst>
-          </a:blip>
-          <a:srcRect/>
-          <a:stretch>
-            <a:fillRect/>
-          </a:stretch>
-        </p:blipFill>
-        <p:spPr bwMode="auto">
-          <a:xfrm>
-            <a:off x="6585857" y="2283641"/>
-            <a:ext cx="4283529" cy="2570117"/>
-          </a:xfrm>
-          <a:prstGeom prst="rect">
-            <a:avLst/>
-          </a:prstGeom>
-          <a:noFill/>
-          <a:extLst>
-            <a:ext uri="{909E8E84-426E-40DD-AFC4-6F175D3DCCD1}">
-              <a14:hiddenFill xmlns:a14="http://schemas.microsoft.com/office/drawing/2010/main">
-                <a:solidFill>
-                  <a:srgbClr val="FFFFFF"/>
-                </a:solidFill>
-              </a14:hiddenFill>
-            </a:ext>
-          </a:extLst>
-        </p:spPr>
-      </p:pic>
-    </p:spTree>
-    <p:extLst>
-      <p:ext uri="{BB962C8B-B14F-4D97-AF65-F5344CB8AC3E}">
-        <p14:creationId xmlns:p14="http://schemas.microsoft.com/office/powerpoint/2010/main" val="3792423416"/>
-      </p:ext>
-    </p:extLst>
-  </p:cSld>
-  <p:clrMapOvr>
-    <a:masterClrMapping/>
-  </p:clrMapOvr>
-</p:sld>
-</file>
-
-<file path=ppt/slides/slide9.xml><?xml version="1.0" encoding="utf-8"?>
-<p:sld xmlns:a="http://schemas.openxmlformats.org/drawingml/2006/main" xmlns:r="http://schemas.openxmlformats.org/officeDocument/2006/relationships" xmlns:p="http://schemas.openxmlformats.org/presentationml/2006/main">
-  <p:cSld>
-    <p:spTree>
-      <p:nvGrpSpPr>
-        <p:cNvPr id="1" name=""/>
-        <p:cNvGrpSpPr/>
-        <p:nvPr/>
-      </p:nvGrpSpPr>
-      <p:grpSpPr>
-        <a:xfrm>
-          <a:off x="0" y="0"/>
-          <a:ext cx="0" cy="0"/>
-          <a:chOff x="0" y="0"/>
-          <a:chExt cx="0" cy="0"/>
-        </a:xfrm>
-      </p:grpSpPr>
-      <p:sp>
-        <p:nvSpPr>
-          <p:cNvPr id="5" name="Título 1">
-            <a:extLst>
-              <a:ext uri="{FF2B5EF4-FFF2-40B4-BE49-F238E27FC236}">
-                <a16:creationId xmlns:a16="http://schemas.microsoft.com/office/drawing/2014/main" id="{8A0AA669-0469-465D-815F-87FEEED0039A}"/>
-              </a:ext>
-            </a:extLst>
-          </p:cNvPr>
-          <p:cNvSpPr txBox="1">
-            <a:spLocks/>
-          </p:cNvSpPr>
-          <p:nvPr/>
-        </p:nvSpPr>
-        <p:spPr>
-          <a:xfrm>
-            <a:off x="3560618" y="178405"/>
-            <a:ext cx="5070764" cy="609601"/>
-          </a:xfrm>
-          <a:prstGeom prst="rect">
-            <a:avLst/>
-          </a:prstGeom>
-          <a:noFill/>
-          <a:ln w="57150">
-            <a:solidFill>
-              <a:srgbClr val="E57019"/>
-            </a:solidFill>
-            <a:prstDash val="lgDash"/>
-          </a:ln>
-        </p:spPr>
-        <p:txBody>
-          <a:bodyPr vert="horz" lIns="91440" tIns="45720" rIns="91440" bIns="45720" rtlCol="0" anchor="ctr">
-            <a:normAutofit fontScale="97500"/>
-          </a:bodyPr>
-          <a:lstStyle>
-            <a:lvl1pPr algn="l" defTabSz="914400" rtl="0" eaLnBrk="1" latinLnBrk="0" hangingPunct="1">
-              <a:lnSpc>
-                <a:spcPct val="90000"/>
-              </a:lnSpc>
-              <a:spcBef>
-                <a:spcPct val="0"/>
-              </a:spcBef>
-              <a:buNone/>
-              <a:defRPr sz="4400" kern="1200">
-                <a:solidFill>
-                  <a:schemeClr val="tx1"/>
-                </a:solidFill>
-                <a:latin typeface="+mj-lt"/>
-                <a:ea typeface="+mj-ea"/>
-                <a:cs typeface="+mj-cs"/>
-              </a:defRPr>
-            </a:lvl1pPr>
-          </a:lstStyle>
-          <a:p>
-            <a:pPr algn="ctr"/>
-            <a:r>
-              <a:rPr lang="pt-BR" sz="2400" dirty="0">
-                <a:latin typeface="Bahnschrift" panose="020B0502040204020203" pitchFamily="34" charset="0"/>
-              </a:rPr>
-              <a:t>Tabelas / Modelo de dados Lógico</a:t>
-            </a:r>
-          </a:p>
-        </p:txBody>
-      </p:sp>
-      <p:pic>
-        <p:nvPicPr>
-          <p:cNvPr id="3" name="Imagem 2">
-            <a:extLst>
-              <a:ext uri="{FF2B5EF4-FFF2-40B4-BE49-F238E27FC236}">
-                <a16:creationId xmlns:a16="http://schemas.microsoft.com/office/drawing/2014/main" id="{453D1DE1-5E6A-4701-815A-F9B48AA49864}"/>
-              </a:ext>
-            </a:extLst>
-          </p:cNvPr>
-          <p:cNvPicPr>
-            <a:picLocks noChangeAspect="1"/>
-          </p:cNvPicPr>
-          <p:nvPr/>
-        </p:nvPicPr>
-        <p:blipFill>
-          <a:blip r:embed="rId2"/>
-          <a:stretch>
-            <a:fillRect/>
-          </a:stretch>
-        </p:blipFill>
-        <p:spPr>
-          <a:xfrm>
-            <a:off x="581025" y="1051225"/>
-            <a:ext cx="6648450" cy="5362575"/>
-          </a:xfrm>
-          <a:prstGeom prst="rect">
-            <a:avLst/>
-          </a:prstGeom>
-          <a:ln>
-            <a:noFill/>
-          </a:ln>
-          <a:effectLst>
-            <a:outerShdw blurRad="292100" dist="139700" dir="2700000" algn="tl" rotWithShape="0">
-              <a:srgbClr val="333333">
-                <a:alpha val="65000"/>
-              </a:srgbClr>
-            </a:outerShdw>
-          </a:effectLst>
-        </p:spPr>
-      </p:pic>
-      <p:pic>
-        <p:nvPicPr>
-          <p:cNvPr id="2050" name="Picture 2" descr="MySQL 8: as melhorias da nova versão do MySQL | Homehost">
-            <a:extLst>
-              <a:ext uri="{FF2B5EF4-FFF2-40B4-BE49-F238E27FC236}">
-                <a16:creationId xmlns:a16="http://schemas.microsoft.com/office/drawing/2014/main" id="{4AA54AEF-3C3E-457C-9C7D-5EDD55675372}"/>
-              </a:ext>
-            </a:extLst>
-          </p:cNvPr>
-          <p:cNvPicPr>
-            <a:picLocks noChangeAspect="1" noChangeArrowheads="1"/>
-          </p:cNvPicPr>
-          <p:nvPr/>
-        </p:nvPicPr>
-        <p:blipFill>
-          <a:blip r:embed="rId3">
-            <a:extLst>
-              <a:ext uri="{28A0092B-C50C-407E-A947-70E740481C1C}">
-                <a14:useLocalDpi xmlns:a14="http://schemas.microsoft.com/office/drawing/2010/main" val="0"/>
-              </a:ext>
-            </a:extLst>
-          </a:blip>
-          <a:srcRect/>
-          <a:stretch>
-            <a:fillRect/>
-          </a:stretch>
-        </p:blipFill>
-        <p:spPr bwMode="auto">
-          <a:xfrm>
-            <a:off x="8029575" y="2561629"/>
-            <a:ext cx="3257140" cy="1361383"/>
-          </a:xfrm>
-          <a:prstGeom prst="rect">
-            <a:avLst/>
-          </a:prstGeom>
-          <a:noFill/>
-          <a:extLst>
-            <a:ext uri="{909E8E84-426E-40DD-AFC4-6F175D3DCCD1}">
-              <a14:hiddenFill xmlns:a14="http://schemas.microsoft.com/office/drawing/2010/main">
-                <a:solidFill>
-                  <a:srgbClr val="FFFFFF"/>
-                </a:solidFill>
-              </a14:hiddenFill>
-            </a:ext>
-          </a:extLst>
-        </p:spPr>
-      </p:pic>
-    </p:spTree>
-    <p:extLst>
-      <p:ext uri="{BB962C8B-B14F-4D97-AF65-F5344CB8AC3E}">
-        <p14:creationId xmlns:p14="http://schemas.microsoft.com/office/powerpoint/2010/main" val="1542098227"/>
-      </p:ext>
-    </p:extLst>
-  </p:cSld>
-  <p:clrMapOvr>
-    <a:masterClrMapping/>
-  </p:clrMapOvr>
+  <p:timing>
+    <p:tnLst>
+      <p:par>
+        <p:cTn id="1" dur="indefinite" restart="never" nodeType="tmRoot"/>
+      </p:par>
+    </p:tnLst>
+  </p:timing>
 </p:sld>
 </file>
 

--- a/Apresentação/Sprint 2.pptx
+++ b/Apresentação/Sprint 2.pptx
@@ -128,7 +128,7 @@
             <p14:sldId id="256"/>
           </p14:sldIdLst>
         </p14:section>
-        <p14:section name="Contexto" id="{E65FBA31-81D2-4A20-9DA3-6E2057ECFAAC}">
+        <p14:section name=" Contexto - Diego" id="{E65FBA31-81D2-4A20-9DA3-6E2057ECFAAC}">
           <p14:sldIdLst>
             <p14:sldId id="257"/>
             <p14:sldId id="270"/>
@@ -136,22 +136,22 @@
             <p14:sldId id="271"/>
           </p14:sldIdLst>
         </p14:section>
-        <p14:section name="Diagrama Negócio" id="{930E1065-A16D-4B77-8A2B-8E59C376A5E4}">
+        <p14:section name="Diagrama Negócio - Pedro" id="{930E1065-A16D-4B77-8A2B-8E59C376A5E4}">
           <p14:sldIdLst>
             <p14:sldId id="268"/>
           </p14:sldIdLst>
         </p14:section>
-        <p14:section name="Diagrama Técnico" id="{706520F1-C624-40EA-A79D-4CF83318F00D}">
+        <p14:section name="Diagrama Técnico - Matheus" id="{706520F1-C624-40EA-A79D-4CF83318F00D}">
           <p14:sldIdLst>
             <p14:sldId id="269"/>
           </p14:sldIdLst>
         </p14:section>
-        <p14:section name="Backlog/Trello" id="{71B52C51-62C8-47A7-AF93-119D5B0CD510}">
+        <p14:section name="Backlog/Trello - Diego" id="{71B52C51-62C8-47A7-AF93-119D5B0CD510}">
           <p14:sldIdLst>
             <p14:sldId id="259"/>
           </p14:sldIdLst>
         </p14:section>
-        <p14:section name="Site" id="{119BF0ED-0E3B-49C5-8A1E-AD74EBE21D1E}">
+        <p14:section name="Site - Matheus" id="{119BF0ED-0E3B-49C5-8A1E-AD74EBE21D1E}">
           <p14:sldIdLst>
             <p14:sldId id="260"/>
           </p14:sldIdLst>

--- a/Apresentação/Sprint 2.pptx
+++ b/Apresentação/Sprint 2.pptx
@@ -123,7 +123,7 @@
   <p:extLst>
     <p:ext uri="{521415D9-36F7-43E2-AB2F-B90AF26B5E84}">
       <p14:sectionLst xmlns:p14="http://schemas.microsoft.com/office/powerpoint/2010/main">
-        <p14:section name="Apresentação" id="{D7ACEBAB-B7F4-4A9B-91D5-4AAAA8A66FDC}">
+        <p14:section name="Apresentação - Diego" id="{D7ACEBAB-B7F4-4A9B-91D5-4AAAA8A66FDC}">
           <p14:sldIdLst>
             <p14:sldId id="256"/>
           </p14:sldIdLst>
@@ -141,42 +141,42 @@
             <p14:sldId id="268"/>
           </p14:sldIdLst>
         </p14:section>
-        <p14:section name="Diagrama Técnico - Matheus" id="{706520F1-C624-40EA-A79D-4CF83318F00D}">
+        <p14:section name="Diagrama Técnico - Lucas" id="{706520F1-C624-40EA-A79D-4CF83318F00D}">
           <p14:sldIdLst>
             <p14:sldId id="269"/>
           </p14:sldIdLst>
         </p14:section>
-        <p14:section name="Backlog/Trello - Diego" id="{71B52C51-62C8-47A7-AF93-119D5B0CD510}">
+        <p14:section name="Backlog/Trello - Donilo" id="{71B52C51-62C8-47A7-AF93-119D5B0CD510}">
           <p14:sldIdLst>
             <p14:sldId id="259"/>
           </p14:sldIdLst>
         </p14:section>
-        <p14:section name="Site - Matheus" id="{119BF0ED-0E3B-49C5-8A1E-AD74EBE21D1E}">
+        <p14:section name="Site - Matheus, Lucas, Donilo, Diego, Pedro" id="{119BF0ED-0E3B-49C5-8A1E-AD74EBE21D1E}">
           <p14:sldIdLst>
             <p14:sldId id="260"/>
           </p14:sldIdLst>
         </p14:section>
-        <p14:section name="Analytics" id="{BF8A1706-69B6-4068-A4B2-171ED46F4965}">
+        <p14:section name="Analytics - Matheus" id="{BF8A1706-69B6-4068-A4B2-171ED46F4965}">
           <p14:sldIdLst>
             <p14:sldId id="258"/>
           </p14:sldIdLst>
         </p14:section>
-        <p14:section name="Sensores e Arduino" id="{C7DA6F35-F3CE-413E-8378-E23C33DB2F43}">
+        <p14:section name="Sensores e Arduino - Pedro" id="{C7DA6F35-F3CE-413E-8378-E23C33DB2F43}">
           <p14:sldIdLst>
             <p14:sldId id="264"/>
           </p14:sldIdLst>
         </p14:section>
-        <p14:section name="Tabelas / SQL" id="{6D4E654E-54F6-4664-A630-304FFE5ACACE}">
+        <p14:section name="Tabelas / SQL - Lucas" id="{6D4E654E-54F6-4664-A630-304FFE5ACACE}">
           <p14:sldIdLst>
             <p14:sldId id="265"/>
           </p14:sldIdLst>
         </p14:section>
-        <p14:section name="Github" id="{3BEE16DF-441B-4009-A879-62AB0B51DFC4}">
+        <p14:section name="Github - Donilo" id="{3BEE16DF-441B-4009-A879-62AB0B51DFC4}">
           <p14:sldIdLst>
             <p14:sldId id="266"/>
           </p14:sldIdLst>
         </p14:section>
-        <p14:section name="Resolução" id="{49A240F3-58FF-41F4-B3A5-F1968BFC97ED}">
+        <p14:section name="Resolução - Diego" id="{49A240F3-58FF-41F4-B3A5-F1968BFC97ED}">
           <p14:sldIdLst>
             <p14:sldId id="267"/>
           </p14:sldIdLst>
@@ -190,7 +190,7 @@
             <a:srgbClr val="A4A3A4"/>
           </p15:clr>
         </p15:guide>
-        <p15:guide id="2" pos="3863" userDrawn="1">
+        <p15:guide id="2" pos="3840" userDrawn="1">
           <p15:clr>
             <a:srgbClr val="A4A3A4"/>
           </p15:clr>
@@ -719,6 +719,90 @@
 </file>
 
 <file path=ppt/notesSlides/notesSlide3.xml><?xml version="1.0" encoding="utf-8"?>
+<p:notes xmlns:a="http://schemas.openxmlformats.org/drawingml/2006/main" xmlns:r="http://schemas.openxmlformats.org/officeDocument/2006/relationships" xmlns:p="http://schemas.openxmlformats.org/presentationml/2006/main">
+  <p:cSld>
+    <p:spTree>
+      <p:nvGrpSpPr>
+        <p:cNvPr id="1" name=""/>
+        <p:cNvGrpSpPr/>
+        <p:nvPr/>
+      </p:nvGrpSpPr>
+      <p:grpSpPr>
+        <a:xfrm>
+          <a:off x="0" y="0"/>
+          <a:ext cx="0" cy="0"/>
+          <a:chOff x="0" y="0"/>
+          <a:chExt cx="0" cy="0"/>
+        </a:xfrm>
+      </p:grpSpPr>
+      <p:sp>
+        <p:nvSpPr>
+          <p:cNvPr id="2" name="Espaço Reservado para Imagem de Slide 1"/>
+          <p:cNvSpPr>
+            <a:spLocks noGrp="1" noRot="1" noChangeAspect="1"/>
+          </p:cNvSpPr>
+          <p:nvPr>
+            <p:ph type="sldImg"/>
+          </p:nvPr>
+        </p:nvSpPr>
+        <p:spPr/>
+      </p:sp>
+      <p:sp>
+        <p:nvSpPr>
+          <p:cNvPr id="3" name="Espaço Reservado para Anotações 2"/>
+          <p:cNvSpPr>
+            <a:spLocks noGrp="1"/>
+          </p:cNvSpPr>
+          <p:nvPr>
+            <p:ph type="body" idx="1"/>
+          </p:nvPr>
+        </p:nvSpPr>
+        <p:spPr/>
+        <p:txBody>
+          <a:bodyPr/>
+          <a:lstStyle/>
+          <a:p>
+            <a:endParaRPr lang="pt-BR" dirty="0"/>
+          </a:p>
+        </p:txBody>
+      </p:sp>
+      <p:sp>
+        <p:nvSpPr>
+          <p:cNvPr id="4" name="Espaço Reservado para Número de Slide 3"/>
+          <p:cNvSpPr>
+            <a:spLocks noGrp="1"/>
+          </p:cNvSpPr>
+          <p:nvPr>
+            <p:ph type="sldNum" sz="quarter" idx="5"/>
+          </p:nvPr>
+        </p:nvSpPr>
+        <p:spPr/>
+        <p:txBody>
+          <a:bodyPr/>
+          <a:lstStyle/>
+          <a:p>
+            <a:fld id="{193F2626-23AB-4752-A850-6C56816CF89C}" type="slidenum">
+              <a:rPr lang="pt-BR" smtClean="0"/>
+              <a:t>7</a:t>
+            </a:fld>
+            <a:endParaRPr lang="pt-BR"/>
+          </a:p>
+        </p:txBody>
+      </p:sp>
+    </p:spTree>
+    <p:extLst>
+      <p:ext uri="{BB962C8B-B14F-4D97-AF65-F5344CB8AC3E}">
+        <p14:creationId xmlns:p14="http://schemas.microsoft.com/office/powerpoint/2010/main" val="1944875996"/>
+      </p:ext>
+    </p:extLst>
+  </p:cSld>
+  <p:clrMapOvr>
+    <a:masterClrMapping/>
+  </p:clrMapOvr>
+</p:notes>
+</file>
+
+<file path=ppt/notesSlides/notesSlide4.xml><?xml version="1.0" encoding="utf-8"?>
 <p:notes xmlns:a="http://schemas.openxmlformats.org/drawingml/2006/main" xmlns:r="http://schemas.openxmlformats.org/officeDocument/2006/relationships" xmlns:p="http://schemas.openxmlformats.org/presentationml/2006/main">
   <p:cSld>
     <p:spTree>
@@ -4113,7 +4197,7 @@
         </p:nvSpPr>
         <p:spPr>
           <a:xfrm>
-            <a:off x="2320375" y="4254696"/>
+            <a:off x="2146203" y="4254696"/>
             <a:ext cx="3142343" cy="2107038"/>
           </a:xfrm>
           <a:prstGeom prst="rect">
@@ -4390,7 +4474,7 @@
         </p:nvSpPr>
         <p:spPr>
           <a:xfrm>
-            <a:off x="353689" y="5009816"/>
+            <a:off x="179517" y="5009816"/>
             <a:ext cx="1966686" cy="461665"/>
           </a:xfrm>
           <a:prstGeom prst="rect">
@@ -4464,7 +4548,7 @@
         </p:nvSpPr>
         <p:spPr>
           <a:xfrm>
-            <a:off x="6801852" y="4826918"/>
+            <a:off x="6695704" y="4826918"/>
             <a:ext cx="2583543" cy="830997"/>
           </a:xfrm>
           <a:prstGeom prst="rect">
@@ -4480,14 +4564,11 @@
           <a:p>
             <a:pPr algn="ctr"/>
             <a:r>
-              <a:rPr lang="pt-BR" sz="2400" b="1" dirty="0" smtClean="0">
+              <a:rPr lang="pt-BR" sz="2400" b="1" dirty="0">
                 <a:latin typeface="Bahnschrift" panose="020B0502040204020203" pitchFamily="34" charset="0"/>
               </a:rPr>
               <a:t>Professores Orientadores:</a:t>
             </a:r>
-            <a:endParaRPr lang="pt-BR" sz="2400" b="1" dirty="0">
-              <a:latin typeface="Bahnschrift" panose="020B0502040204020203" pitchFamily="34" charset="0"/>
-            </a:endParaRPr>
           </a:p>
         </p:txBody>
       </p:sp>
@@ -4507,7 +4588,7 @@
         </p:nvSpPr>
         <p:spPr>
           <a:xfrm>
-            <a:off x="9337234" y="4254696"/>
+            <a:off x="9231086" y="4254696"/>
             <a:ext cx="2405586" cy="2107038"/>
           </a:xfrm>
           <a:prstGeom prst="rect">
@@ -4701,13 +4782,7 @@
               <a:rPr lang="pt-BR" sz="1600" dirty="0">
                 <a:latin typeface="Bahnschrift Light" panose="020B0502040204020203" pitchFamily="34" charset="0"/>
               </a:rPr>
-              <a:t>Alexander </a:t>
-            </a:r>
-            <a:r>
-              <a:rPr lang="pt-BR" sz="1600" dirty="0" smtClean="0">
-                <a:latin typeface="Bahnschrift Light" panose="020B0502040204020203" pitchFamily="34" charset="0"/>
-              </a:rPr>
-              <a:t>Barreto</a:t>
+              <a:t>Alexander Barreto</a:t>
             </a:r>
           </a:p>
           <a:p>
@@ -4723,17 +4798,8 @@
               <a:rPr lang="pt-BR" sz="1600" dirty="0">
                 <a:latin typeface="Bahnschrift Light" panose="020B0502040204020203" pitchFamily="34" charset="0"/>
               </a:rPr>
-              <a:t>Claudio </a:t>
+              <a:t>Claudio Frizzarini</a:t>
             </a:r>
-            <a:r>
-              <a:rPr lang="pt-BR" sz="1600" dirty="0" err="1" smtClean="0">
-                <a:latin typeface="Bahnschrift Light" panose="020B0502040204020203" pitchFamily="34" charset="0"/>
-              </a:rPr>
-              <a:t>Frizzarini</a:t>
-            </a:r>
-            <a:endParaRPr lang="pt-BR" sz="1600" dirty="0" smtClean="0">
-              <a:latin typeface="Bahnschrift Light" panose="020B0502040204020203" pitchFamily="34" charset="0"/>
-            </a:endParaRPr>
           </a:p>
           <a:p>
             <a:pPr>
@@ -4748,17 +4814,8 @@
               <a:rPr lang="pt-BR" sz="1600" dirty="0">
                 <a:latin typeface="Bahnschrift Light" panose="020B0502040204020203" pitchFamily="34" charset="0"/>
               </a:rPr>
-              <a:t>Eduardo </a:t>
+              <a:t>Eduardo Verri</a:t>
             </a:r>
-            <a:r>
-              <a:rPr lang="pt-BR" sz="1600" dirty="0" err="1" smtClean="0">
-                <a:latin typeface="Bahnschrift Light" panose="020B0502040204020203" pitchFamily="34" charset="0"/>
-              </a:rPr>
-              <a:t>Luis</a:t>
-            </a:r>
-            <a:endParaRPr lang="pt-BR" sz="1600" dirty="0" smtClean="0">
-              <a:latin typeface="Bahnschrift Light" panose="020B0502040204020203" pitchFamily="34" charset="0"/>
-            </a:endParaRPr>
           </a:p>
           <a:p>
             <a:pPr>
@@ -4770,7 +4827,7 @@
               </a:buBlip>
             </a:pPr>
             <a:r>
-              <a:rPr lang="pt-BR" sz="1600" dirty="0" smtClean="0">
+              <a:rPr lang="pt-BR" sz="1600" dirty="0">
                 <a:latin typeface="Bahnschrift Light" panose="020B0502040204020203" pitchFamily="34" charset="0"/>
               </a:rPr>
               <a:t>Fernando Brandão</a:t>
@@ -4786,20 +4843,11 @@
               </a:buBlip>
             </a:pPr>
             <a:r>
-              <a:rPr lang="pt-BR" sz="1600" dirty="0" smtClean="0">
+              <a:rPr lang="pt-BR" sz="1600" dirty="0">
                 <a:latin typeface="Bahnschrift Light" panose="020B0502040204020203" pitchFamily="34" charset="0"/>
               </a:rPr>
-              <a:t>Thiago </a:t>
+              <a:t>Thiago Bonacelli</a:t>
             </a:r>
-            <a:r>
-              <a:rPr lang="pt-BR" sz="1600" dirty="0" err="1" smtClean="0">
-                <a:latin typeface="Bahnschrift Light" panose="020B0502040204020203" pitchFamily="34" charset="0"/>
-              </a:rPr>
-              <a:t>Bonachelli</a:t>
-            </a:r>
-            <a:endParaRPr lang="pt-BR" sz="1600" dirty="0">
-              <a:latin typeface="Bahnschrift Light" panose="020B0502040204020203" pitchFamily="34" charset="0"/>
-            </a:endParaRPr>
           </a:p>
         </p:txBody>
       </p:sp>
@@ -4813,13 +4861,6 @@
   <p:clrMapOvr>
     <a:masterClrMapping/>
   </p:clrMapOvr>
-  <p:timing>
-    <p:tnLst>
-      <p:par>
-        <p:cTn id="1" dur="indefinite" restart="never" nodeType="tmRoot"/>
-      </p:par>
-    </p:tnLst>
-  </p:timing>
 </p:sld>
 </file>
 
@@ -5512,7 +5553,7 @@
                     <a:p>
                       <a:pPr algn="ctr" fontAlgn="b"/>
                       <a:r>
-                        <a:rPr lang="pt-BR" sz="1200" b="1" i="0" u="none" strike="noStrike">
+                        <a:rPr lang="pt-BR" sz="1200" b="1" i="0" u="none" strike="noStrike" dirty="0">
                           <a:solidFill>
                             <a:srgbClr val="FFFFFF"/>
                           </a:solidFill>
@@ -6899,7 +6940,7 @@
                     <a:p>
                       <a:pPr algn="ctr" fontAlgn="b"/>
                       <a:r>
-                        <a:rPr lang="pt-BR" sz="1200" b="0" i="0" u="none" strike="noStrike">
+                        <a:rPr lang="pt-BR" sz="1200" b="0" i="0" u="none" strike="noStrike" dirty="0">
                           <a:solidFill>
                             <a:srgbClr val="000000"/>
                           </a:solidFill>
@@ -8025,7 +8066,7 @@
                     <a:p>
                       <a:pPr algn="ctr" fontAlgn="b"/>
                       <a:r>
-                        <a:rPr lang="pt-BR" sz="1200" b="0" i="0" u="none" strike="noStrike">
+                        <a:rPr lang="pt-BR" sz="1200" b="0" i="0" u="none" strike="noStrike" dirty="0">
                           <a:solidFill>
                             <a:srgbClr val="000000"/>
                           </a:solidFill>
@@ -22858,7 +22899,127 @@
   <p:timing>
     <p:tnLst>
       <p:par>
-        <p:cTn id="1" dur="indefinite" restart="never" nodeType="tmRoot"/>
+        <p:cTn id="1" dur="indefinite" restart="never" nodeType="tmRoot">
+          <p:childTnLst>
+            <p:seq concurrent="1" nextAc="seek">
+              <p:cTn id="2" dur="indefinite" nodeType="mainSeq">
+                <p:childTnLst>
+                  <p:par>
+                    <p:cTn id="3" fill="hold">
+                      <p:stCondLst>
+                        <p:cond delay="indefinite"/>
+                      </p:stCondLst>
+                      <p:childTnLst>
+                        <p:par>
+                          <p:cTn id="4" fill="hold">
+                            <p:stCondLst>
+                              <p:cond delay="0"/>
+                            </p:stCondLst>
+                            <p:childTnLst>
+                              <p:par>
+                                <p:cTn id="5" presetID="10" presetClass="entr" presetSubtype="0" fill="hold" nodeType="clickEffect">
+                                  <p:stCondLst>
+                                    <p:cond delay="0"/>
+                                  </p:stCondLst>
+                                  <p:childTnLst>
+                                    <p:set>
+                                      <p:cBhvr>
+                                        <p:cTn id="6" dur="1" fill="hold">
+                                          <p:stCondLst>
+                                            <p:cond delay="0"/>
+                                          </p:stCondLst>
+                                        </p:cTn>
+                                        <p:tgtEl>
+                                          <p:spTgt spid="2"/>
+                                        </p:tgtEl>
+                                        <p:attrNameLst>
+                                          <p:attrName>style.visibility</p:attrName>
+                                        </p:attrNameLst>
+                                      </p:cBhvr>
+                                      <p:to>
+                                        <p:strVal val="visible"/>
+                                      </p:to>
+                                    </p:set>
+                                    <p:animEffect transition="in" filter="fade">
+                                      <p:cBhvr>
+                                        <p:cTn id="7" dur="500"/>
+                                        <p:tgtEl>
+                                          <p:spTgt spid="2"/>
+                                        </p:tgtEl>
+                                      </p:cBhvr>
+                                    </p:animEffect>
+                                  </p:childTnLst>
+                                </p:cTn>
+                              </p:par>
+                            </p:childTnLst>
+                          </p:cTn>
+                        </p:par>
+                        <p:par>
+                          <p:cTn id="8" fill="hold">
+                            <p:stCondLst>
+                              <p:cond delay="500"/>
+                            </p:stCondLst>
+                            <p:childTnLst>
+                              <p:par>
+                                <p:cTn id="9" presetID="10" presetClass="entr" presetSubtype="0" fill="hold" nodeType="afterEffect">
+                                  <p:stCondLst>
+                                    <p:cond delay="0"/>
+                                  </p:stCondLst>
+                                  <p:childTnLst>
+                                    <p:set>
+                                      <p:cBhvr>
+                                        <p:cTn id="10" dur="1" fill="hold">
+                                          <p:stCondLst>
+                                            <p:cond delay="0"/>
+                                          </p:stCondLst>
+                                        </p:cTn>
+                                        <p:tgtEl>
+                                          <p:spTgt spid="4"/>
+                                        </p:tgtEl>
+                                        <p:attrNameLst>
+                                          <p:attrName>style.visibility</p:attrName>
+                                        </p:attrNameLst>
+                                      </p:cBhvr>
+                                      <p:to>
+                                        <p:strVal val="visible"/>
+                                      </p:to>
+                                    </p:set>
+                                    <p:animEffect transition="in" filter="fade">
+                                      <p:cBhvr>
+                                        <p:cTn id="11" dur="500"/>
+                                        <p:tgtEl>
+                                          <p:spTgt spid="4"/>
+                                        </p:tgtEl>
+                                      </p:cBhvr>
+                                    </p:animEffect>
+                                  </p:childTnLst>
+                                </p:cTn>
+                              </p:par>
+                            </p:childTnLst>
+                          </p:cTn>
+                        </p:par>
+                      </p:childTnLst>
+                    </p:cTn>
+                  </p:par>
+                </p:childTnLst>
+              </p:cTn>
+              <p:prevCondLst>
+                <p:cond evt="onPrev" delay="0">
+                  <p:tgtEl>
+                    <p:sldTgt/>
+                  </p:tgtEl>
+                </p:cond>
+              </p:prevCondLst>
+              <p:nextCondLst>
+                <p:cond evt="onNext" delay="0">
+                  <p:tgtEl>
+                    <p:sldTgt/>
+                  </p:tgtEl>
+                </p:cond>
+              </p:nextCondLst>
+            </p:seq>
+          </p:childTnLst>
+        </p:cTn>
       </p:par>
     </p:tnLst>
   </p:timing>
@@ -22996,7 +23157,7 @@
         </p:blipFill>
         <p:spPr>
           <a:xfrm>
-            <a:off x="619124" y="2391796"/>
+            <a:off x="1322614" y="2391796"/>
             <a:ext cx="4148816" cy="2074408"/>
           </a:xfrm>
           <a:prstGeom prst="rect">
@@ -23098,7 +23259,127 @@
   <p:timing>
     <p:tnLst>
       <p:par>
-        <p:cTn id="1" dur="indefinite" restart="never" nodeType="tmRoot"/>
+        <p:cTn id="1" dur="indefinite" restart="never" nodeType="tmRoot">
+          <p:childTnLst>
+            <p:seq concurrent="1" nextAc="seek">
+              <p:cTn id="2" dur="indefinite" nodeType="mainSeq">
+                <p:childTnLst>
+                  <p:par>
+                    <p:cTn id="3" fill="hold">
+                      <p:stCondLst>
+                        <p:cond delay="indefinite"/>
+                      </p:stCondLst>
+                      <p:childTnLst>
+                        <p:par>
+                          <p:cTn id="4" fill="hold">
+                            <p:stCondLst>
+                              <p:cond delay="0"/>
+                            </p:stCondLst>
+                            <p:childTnLst>
+                              <p:par>
+                                <p:cTn id="5" presetID="10" presetClass="entr" presetSubtype="0" fill="hold" nodeType="clickEffect">
+                                  <p:stCondLst>
+                                    <p:cond delay="0"/>
+                                  </p:stCondLst>
+                                  <p:childTnLst>
+                                    <p:set>
+                                      <p:cBhvr>
+                                        <p:cTn id="6" dur="1" fill="hold">
+                                          <p:stCondLst>
+                                            <p:cond delay="0"/>
+                                          </p:stCondLst>
+                                        </p:cTn>
+                                        <p:tgtEl>
+                                          <p:spTgt spid="4"/>
+                                        </p:tgtEl>
+                                        <p:attrNameLst>
+                                          <p:attrName>style.visibility</p:attrName>
+                                        </p:attrNameLst>
+                                      </p:cBhvr>
+                                      <p:to>
+                                        <p:strVal val="visible"/>
+                                      </p:to>
+                                    </p:set>
+                                    <p:animEffect transition="in" filter="fade">
+                                      <p:cBhvr>
+                                        <p:cTn id="7" dur="500"/>
+                                        <p:tgtEl>
+                                          <p:spTgt spid="4"/>
+                                        </p:tgtEl>
+                                      </p:cBhvr>
+                                    </p:animEffect>
+                                  </p:childTnLst>
+                                </p:cTn>
+                              </p:par>
+                            </p:childTnLst>
+                          </p:cTn>
+                        </p:par>
+                        <p:par>
+                          <p:cTn id="8" fill="hold">
+                            <p:stCondLst>
+                              <p:cond delay="500"/>
+                            </p:stCondLst>
+                            <p:childTnLst>
+                              <p:par>
+                                <p:cTn id="9" presetID="10" presetClass="entr" presetSubtype="0" fill="hold" nodeType="afterEffect">
+                                  <p:stCondLst>
+                                    <p:cond delay="0"/>
+                                  </p:stCondLst>
+                                  <p:childTnLst>
+                                    <p:set>
+                                      <p:cBhvr>
+                                        <p:cTn id="10" dur="1" fill="hold">
+                                          <p:stCondLst>
+                                            <p:cond delay="0"/>
+                                          </p:stCondLst>
+                                        </p:cTn>
+                                        <p:tgtEl>
+                                          <p:spTgt spid="1028"/>
+                                        </p:tgtEl>
+                                        <p:attrNameLst>
+                                          <p:attrName>style.visibility</p:attrName>
+                                        </p:attrNameLst>
+                                      </p:cBhvr>
+                                      <p:to>
+                                        <p:strVal val="visible"/>
+                                      </p:to>
+                                    </p:set>
+                                    <p:animEffect transition="in" filter="fade">
+                                      <p:cBhvr>
+                                        <p:cTn id="11" dur="500"/>
+                                        <p:tgtEl>
+                                          <p:spTgt spid="1028"/>
+                                        </p:tgtEl>
+                                      </p:cBhvr>
+                                    </p:animEffect>
+                                  </p:childTnLst>
+                                </p:cTn>
+                              </p:par>
+                            </p:childTnLst>
+                          </p:cTn>
+                        </p:par>
+                      </p:childTnLst>
+                    </p:cTn>
+                  </p:par>
+                </p:childTnLst>
+              </p:cTn>
+              <p:prevCondLst>
+                <p:cond evt="onPrev" delay="0">
+                  <p:tgtEl>
+                    <p:sldTgt/>
+                  </p:tgtEl>
+                </p:cond>
+              </p:prevCondLst>
+              <p:nextCondLst>
+                <p:cond evt="onNext" delay="0">
+                  <p:tgtEl>
+                    <p:sldTgt/>
+                  </p:tgtEl>
+                </p:cond>
+              </p:nextCondLst>
+            </p:seq>
+          </p:childTnLst>
+        </p:cTn>
       </p:par>
     </p:tnLst>
   </p:timing>
@@ -23286,7 +23567,127 @@
   <p:timing>
     <p:tnLst>
       <p:par>
-        <p:cTn id="1" dur="indefinite" restart="never" nodeType="tmRoot"/>
+        <p:cTn id="1" dur="indefinite" restart="never" nodeType="tmRoot">
+          <p:childTnLst>
+            <p:seq concurrent="1" nextAc="seek">
+              <p:cTn id="2" dur="indefinite" nodeType="mainSeq">
+                <p:childTnLst>
+                  <p:par>
+                    <p:cTn id="3" fill="hold">
+                      <p:stCondLst>
+                        <p:cond delay="indefinite"/>
+                      </p:stCondLst>
+                      <p:childTnLst>
+                        <p:par>
+                          <p:cTn id="4" fill="hold">
+                            <p:stCondLst>
+                              <p:cond delay="0"/>
+                            </p:stCondLst>
+                            <p:childTnLst>
+                              <p:par>
+                                <p:cTn id="5" presetID="10" presetClass="entr" presetSubtype="0" fill="hold" nodeType="clickEffect">
+                                  <p:stCondLst>
+                                    <p:cond delay="0"/>
+                                  </p:stCondLst>
+                                  <p:childTnLst>
+                                    <p:set>
+                                      <p:cBhvr>
+                                        <p:cTn id="6" dur="1" fill="hold">
+                                          <p:stCondLst>
+                                            <p:cond delay="0"/>
+                                          </p:stCondLst>
+                                        </p:cTn>
+                                        <p:tgtEl>
+                                          <p:spTgt spid="3"/>
+                                        </p:tgtEl>
+                                        <p:attrNameLst>
+                                          <p:attrName>style.visibility</p:attrName>
+                                        </p:attrNameLst>
+                                      </p:cBhvr>
+                                      <p:to>
+                                        <p:strVal val="visible"/>
+                                      </p:to>
+                                    </p:set>
+                                    <p:animEffect transition="in" filter="fade">
+                                      <p:cBhvr>
+                                        <p:cTn id="7" dur="500"/>
+                                        <p:tgtEl>
+                                          <p:spTgt spid="3"/>
+                                        </p:tgtEl>
+                                      </p:cBhvr>
+                                    </p:animEffect>
+                                  </p:childTnLst>
+                                </p:cTn>
+                              </p:par>
+                            </p:childTnLst>
+                          </p:cTn>
+                        </p:par>
+                        <p:par>
+                          <p:cTn id="8" fill="hold">
+                            <p:stCondLst>
+                              <p:cond delay="500"/>
+                            </p:stCondLst>
+                            <p:childTnLst>
+                              <p:par>
+                                <p:cTn id="9" presetID="10" presetClass="entr" presetSubtype="0" fill="hold" nodeType="afterEffect">
+                                  <p:stCondLst>
+                                    <p:cond delay="0"/>
+                                  </p:stCondLst>
+                                  <p:childTnLst>
+                                    <p:set>
+                                      <p:cBhvr>
+                                        <p:cTn id="10" dur="1" fill="hold">
+                                          <p:stCondLst>
+                                            <p:cond delay="0"/>
+                                          </p:stCondLst>
+                                        </p:cTn>
+                                        <p:tgtEl>
+                                          <p:spTgt spid="2050"/>
+                                        </p:tgtEl>
+                                        <p:attrNameLst>
+                                          <p:attrName>style.visibility</p:attrName>
+                                        </p:attrNameLst>
+                                      </p:cBhvr>
+                                      <p:to>
+                                        <p:strVal val="visible"/>
+                                      </p:to>
+                                    </p:set>
+                                    <p:animEffect transition="in" filter="fade">
+                                      <p:cBhvr>
+                                        <p:cTn id="11" dur="500"/>
+                                        <p:tgtEl>
+                                          <p:spTgt spid="2050"/>
+                                        </p:tgtEl>
+                                      </p:cBhvr>
+                                    </p:animEffect>
+                                  </p:childTnLst>
+                                </p:cTn>
+                              </p:par>
+                            </p:childTnLst>
+                          </p:cTn>
+                        </p:par>
+                      </p:childTnLst>
+                    </p:cTn>
+                  </p:par>
+                </p:childTnLst>
+              </p:cTn>
+              <p:prevCondLst>
+                <p:cond evt="onPrev" delay="0">
+                  <p:tgtEl>
+                    <p:sldTgt/>
+                  </p:tgtEl>
+                </p:cond>
+              </p:prevCondLst>
+              <p:nextCondLst>
+                <p:cond evt="onNext" delay="0">
+                  <p:tgtEl>
+                    <p:sldTgt/>
+                  </p:tgtEl>
+                </p:cond>
+              </p:nextCondLst>
+            </p:seq>
+          </p:childTnLst>
+        </p:cTn>
       </p:par>
     </p:tnLst>
   </p:timing>
@@ -23340,8 +23741,8 @@
         </p:nvSpPr>
         <p:spPr>
           <a:xfrm>
-            <a:off x="3560618" y="329526"/>
-            <a:ext cx="5070764" cy="609601"/>
+            <a:off x="3514766" y="352567"/>
+            <a:ext cx="5162468" cy="609601"/>
           </a:xfrm>
           <a:prstGeom prst="rect">
             <a:avLst/>
@@ -23409,7 +23810,7 @@
         </p:blipFill>
         <p:spPr>
           <a:xfrm>
-            <a:off x="1410185" y="1584988"/>
+            <a:off x="1175159" y="1468874"/>
             <a:ext cx="9841681" cy="4310844"/>
           </a:xfrm>
           <a:prstGeom prst="rect">
@@ -23442,7 +23843,83 @@
   <p:timing>
     <p:tnLst>
       <p:par>
-        <p:cTn id="1" dur="indefinite" restart="never" nodeType="tmRoot"/>
+        <p:cTn id="1" dur="indefinite" restart="never" nodeType="tmRoot">
+          <p:childTnLst>
+            <p:seq concurrent="1" nextAc="seek">
+              <p:cTn id="2" dur="indefinite" nodeType="mainSeq">
+                <p:childTnLst>
+                  <p:par>
+                    <p:cTn id="3" fill="hold">
+                      <p:stCondLst>
+                        <p:cond delay="indefinite"/>
+                      </p:stCondLst>
+                      <p:childTnLst>
+                        <p:par>
+                          <p:cTn id="4" fill="hold">
+                            <p:stCondLst>
+                              <p:cond delay="0"/>
+                            </p:stCondLst>
+                            <p:childTnLst>
+                              <p:par>
+                                <p:cTn id="5" presetID="10" presetClass="entr" presetSubtype="0" fill="hold" nodeType="clickEffect">
+                                  <p:stCondLst>
+                                    <p:cond delay="0"/>
+                                  </p:stCondLst>
+                                  <p:childTnLst>
+                                    <p:set>
+                                      <p:cBhvr>
+                                        <p:cTn id="6" dur="1" fill="hold">
+                                          <p:stCondLst>
+                                            <p:cond delay="0"/>
+                                          </p:stCondLst>
+                                        </p:cTn>
+                                        <p:tgtEl>
+                                          <p:spTgt spid="6"/>
+                                        </p:tgtEl>
+                                        <p:attrNameLst>
+                                          <p:attrName>style.visibility</p:attrName>
+                                        </p:attrNameLst>
+                                      </p:cBhvr>
+                                      <p:to>
+                                        <p:strVal val="visible"/>
+                                      </p:to>
+                                    </p:set>
+                                    <p:animEffect transition="in" filter="fade">
+                                      <p:cBhvr>
+                                        <p:cTn id="7" dur="500"/>
+                                        <p:tgtEl>
+                                          <p:spTgt spid="6"/>
+                                        </p:tgtEl>
+                                      </p:cBhvr>
+                                    </p:animEffect>
+                                  </p:childTnLst>
+                                </p:cTn>
+                              </p:par>
+                            </p:childTnLst>
+                          </p:cTn>
+                        </p:par>
+                      </p:childTnLst>
+                    </p:cTn>
+                  </p:par>
+                </p:childTnLst>
+              </p:cTn>
+              <p:prevCondLst>
+                <p:cond evt="onPrev" delay="0">
+                  <p:tgtEl>
+                    <p:sldTgt/>
+                  </p:tgtEl>
+                </p:cond>
+              </p:prevCondLst>
+              <p:nextCondLst>
+                <p:cond evt="onNext" delay="0">
+                  <p:tgtEl>
+                    <p:sldTgt/>
+                  </p:tgtEl>
+                </p:cond>
+              </p:nextCondLst>
+            </p:seq>
+          </p:childTnLst>
+        </p:cTn>
       </p:par>
     </p:tnLst>
   </p:timing>
@@ -23522,14 +23999,11 @@
           <a:p>
             <a:pPr algn="ctr"/>
             <a:r>
-              <a:rPr lang="pt-BR" sz="2400" dirty="0" smtClean="0">
+              <a:rPr lang="pt-BR" sz="2400" dirty="0">
                 <a:latin typeface="Bahnschrift" panose="020B0502040204020203" pitchFamily="34" charset="0"/>
               </a:rPr>
               <a:t>Resolução</a:t>
             </a:r>
-            <a:endParaRPr lang="pt-BR" sz="2400" dirty="0">
-              <a:latin typeface="Bahnschrift" panose="020B0502040204020203" pitchFamily="34" charset="0"/>
-            </a:endParaRPr>
           </a:p>
         </p:txBody>
       </p:sp>
@@ -23543,13 +24017,6 @@
   <p:clrMapOvr>
     <a:masterClrMapping/>
   </p:clrMapOvr>
-  <p:timing>
-    <p:tnLst>
-      <p:par>
-        <p:cTn id="1" dur="indefinite" restart="never" nodeType="tmRoot"/>
-      </p:par>
-    </p:tnLst>
-  </p:timing>
 </p:sld>
 </file>
 
@@ -23662,7 +24129,7 @@
               </a:buBlip>
             </a:pPr>
             <a:r>
-              <a:rPr lang="pt-BR" sz="2000" dirty="0" smtClean="0"/>
+              <a:rPr lang="pt-BR" sz="2000" dirty="0"/>
               <a:t>Como funciona transporte público no Brasil?</a:t>
             </a:r>
           </a:p>
@@ -23697,15 +24164,7 @@
             </a:pPr>
             <a:r>
               <a:rPr lang="pt-BR" sz="2000" dirty="0"/>
-              <a:t>Como a gente resolve </a:t>
-            </a:r>
-            <a:r>
-              <a:rPr lang="pt-BR" sz="2000" dirty="0" smtClean="0"/>
-              <a:t>esses </a:t>
-            </a:r>
-            <a:r>
-              <a:rPr lang="pt-BR" sz="2000" dirty="0"/>
-              <a:t>problemas?</a:t>
+              <a:t>Como a gente resolve esses problemas?</a:t>
             </a:r>
           </a:p>
         </p:txBody>
@@ -23739,13 +24198,8 @@
             </a:pPr>
             <a:r>
               <a:rPr lang="pt-BR" sz="2000" dirty="0"/>
-              <a:t>Como funciona o sensor no ônibus</a:t>
+              <a:t>Como funciona o sensor no ônibus?</a:t>
             </a:r>
-            <a:r>
-              <a:rPr lang="pt-BR" sz="2000" dirty="0" smtClean="0"/>
-              <a:t>?</a:t>
-            </a:r>
-            <a:endParaRPr lang="pt-BR" sz="2000" dirty="0"/>
           </a:p>
         </p:txBody>
       </p:sp>
@@ -23774,37 +24228,7 @@
               <a:rPr lang="pt-BR" dirty="0">
                 <a:latin typeface="Bahnschrift" panose="020B0502040204020203"/>
               </a:rPr>
-              <a:t>Existem </a:t>
-            </a:r>
-            <a:r>
-              <a:rPr lang="pt-BR" dirty="0" smtClean="0">
-                <a:latin typeface="Bahnschrift" panose="020B0502040204020203"/>
-              </a:rPr>
-              <a:t>sensores TCRT 5000 </a:t>
-            </a:r>
-            <a:r>
-              <a:rPr lang="pt-BR" dirty="0">
-                <a:latin typeface="Bahnschrift" panose="020B0502040204020203"/>
-              </a:rPr>
-              <a:t>ao </a:t>
-            </a:r>
-            <a:r>
-              <a:rPr lang="pt-BR" dirty="0" smtClean="0">
-                <a:latin typeface="Bahnschrift" panose="020B0502040204020203"/>
-              </a:rPr>
-              <a:t>dentro </a:t>
-            </a:r>
-            <a:r>
-              <a:rPr lang="pt-BR" dirty="0">
-                <a:latin typeface="Bahnschrift" panose="020B0502040204020203"/>
-              </a:rPr>
-              <a:t>de todo o ônibus</a:t>
-            </a:r>
-            <a:r>
-              <a:rPr lang="pt-BR" dirty="0" smtClean="0">
-                <a:latin typeface="Bahnschrift" panose="020B0502040204020203"/>
-              </a:rPr>
-              <a:t>.</a:t>
+              <a:t>Existem sensores TCRT 5000 ao dentro de todo o ônibus.</a:t>
             </a:r>
           </a:p>
           <a:p>
@@ -23814,154 +24238,148 @@
           </a:p>
           <a:p>
             <a:r>
-              <a:rPr lang="pt-BR" dirty="0" smtClean="0">
-                <a:latin typeface="Bahnschrift" panose="020B0502040204020203"/>
-              </a:rPr>
-              <a:t>Sendo eles na entrada, na catraca, e </a:t>
-            </a:r>
-            <a:r>
               <a:rPr lang="pt-BR" dirty="0">
                 <a:latin typeface="Bahnschrift" panose="020B0502040204020203"/>
               </a:rPr>
-              <a:t>na </a:t>
-            </a:r>
-            <a:r>
-              <a:rPr lang="pt-BR" dirty="0" smtClean="0">
-                <a:latin typeface="Bahnschrift" panose="020B0502040204020203"/>
-              </a:rPr>
-              <a:t>saída</a:t>
-            </a:r>
-            <a:r>
-              <a:rPr lang="pt-BR" dirty="0">
-                <a:latin typeface="Bahnschrift" panose="020B0502040204020203"/>
-              </a:rPr>
-              <a:t>.</a:t>
+              <a:t>Sendo eles na entrada, na catraca, e na saída.</a:t>
             </a:r>
           </a:p>
         </p:txBody>
       </p:sp>
-      <p:pic>
-        <p:nvPicPr>
-          <p:cNvPr id="8" name="Imagem 7"/>
-          <p:cNvPicPr>
-            <a:picLocks noChangeAspect="1"/>
-          </p:cNvPicPr>
-          <p:nvPr/>
-        </p:nvPicPr>
-        <p:blipFill rotWithShape="1">
-          <a:blip r:embed="rId4">
+      <p:grpSp>
+        <p:nvGrpSpPr>
+          <p:cNvPr id="6" name="Agrupar 5">
             <a:extLst>
-              <a:ext uri="{28A0092B-C50C-407E-A947-70E740481C1C}">
-                <a14:useLocalDpi xmlns:a14="http://schemas.microsoft.com/office/drawing/2010/main" val="0"/>
+              <a:ext uri="{FF2B5EF4-FFF2-40B4-BE49-F238E27FC236}">
+                <a16:creationId xmlns:a16="http://schemas.microsoft.com/office/drawing/2014/main" id="{2497DCB6-20D4-48F7-8B7C-4D5F27114BC4}"/>
               </a:ext>
             </a:extLst>
-          </a:blip>
-          <a:srcRect l="18915" t="10104" r="26838" b="15533"/>
-          <a:stretch/>
-        </p:blipFill>
-        <p:spPr>
-          <a:xfrm>
-            <a:off x="8592458" y="3246631"/>
-            <a:ext cx="1471192" cy="1512519"/>
-          </a:xfrm>
-          <a:prstGeom prst="rect">
-            <a:avLst/>
-          </a:prstGeom>
-        </p:spPr>
-      </p:pic>
-      <p:sp>
-        <p:nvSpPr>
-          <p:cNvPr id="9" name="CaixaDeTexto 8"/>
-          <p:cNvSpPr txBox="1"/>
+          </p:cNvPr>
+          <p:cNvGrpSpPr/>
           <p:nvPr/>
-        </p:nvSpPr>
-        <p:spPr>
-          <a:xfrm>
-            <a:off x="8380049" y="4887309"/>
-            <a:ext cx="1973858" cy="369332"/>
-          </a:xfrm>
-          <a:prstGeom prst="rect">
-            <a:avLst/>
-          </a:prstGeom>
-          <a:noFill/>
-        </p:spPr>
-        <p:txBody>
-          <a:bodyPr wrap="square" rtlCol="0" anchor="ctr">
-            <a:spAutoFit/>
-          </a:bodyPr>
-          <a:lstStyle/>
-          <a:p>
-            <a:pPr algn="ctr"/>
-            <a:r>
-              <a:rPr lang="pt-BR" dirty="0" smtClean="0"/>
-              <a:t>Sensor TCRT 5</a:t>
-            </a:r>
-            <a:r>
-              <a:rPr lang="pt-BR" dirty="0"/>
-              <a:t>0</a:t>
-            </a:r>
-            <a:r>
-              <a:rPr lang="pt-BR" dirty="0" smtClean="0"/>
-              <a:t>00</a:t>
-            </a:r>
-            <a:endParaRPr lang="pt-BR" dirty="0"/>
-          </a:p>
-        </p:txBody>
-      </p:sp>
-      <p:sp>
-        <p:nvSpPr>
-          <p:cNvPr id="10" name="Retângulo 9"/>
-          <p:cNvSpPr/>
-          <p:nvPr/>
-        </p:nvSpPr>
-        <p:spPr>
+        </p:nvGrpSpPr>
+        <p:grpSpPr>
           <a:xfrm>
             <a:off x="8229600" y="2937618"/>
             <a:ext cx="2438400" cy="2447182"/>
+            <a:chOff x="8229600" y="2937618"/>
+            <a:chExt cx="2438400" cy="2447182"/>
           </a:xfrm>
-          <a:prstGeom prst="rect">
-            <a:avLst/>
-          </a:prstGeom>
-          <a:noFill/>
-          <a:ln w="57150">
-            <a:solidFill>
-              <a:srgbClr val="E57019"/>
-            </a:solidFill>
-            <a:prstDash val="dash"/>
-          </a:ln>
-        </p:spPr>
-        <p:style>
-          <a:lnRef idx="2">
-            <a:schemeClr val="accent1">
-              <a:shade val="50000"/>
-            </a:schemeClr>
-          </a:lnRef>
-          <a:fillRef idx="1">
-            <a:schemeClr val="accent1"/>
-          </a:fillRef>
-          <a:effectRef idx="0">
-            <a:schemeClr val="accent1"/>
-          </a:effectRef>
-          <a:fontRef idx="minor">
-            <a:schemeClr val="lt1"/>
-          </a:fontRef>
-        </p:style>
-        <p:txBody>
-          <a:bodyPr rtlCol="0" anchor="ctr"/>
-          <a:lstStyle/>
-          <a:p>
-            <a:pPr algn="ctr"/>
-            <a:endParaRPr lang="pt-BR">
-              <a:ln w="76200">
-                <a:solidFill>
-                  <a:srgbClr val="E57019"/>
-                </a:solidFill>
-                <a:prstDash val="dashDot"/>
-              </a:ln>
-            </a:endParaRPr>
-          </a:p>
-        </p:txBody>
-      </p:sp>
+        </p:grpSpPr>
+        <p:pic>
+          <p:nvPicPr>
+            <p:cNvPr id="8" name="Imagem 7"/>
+            <p:cNvPicPr>
+              <a:picLocks noChangeAspect="1"/>
+            </p:cNvPicPr>
+            <p:nvPr/>
+          </p:nvPicPr>
+          <p:blipFill rotWithShape="1">
+            <a:blip r:embed="rId4">
+              <a:extLst>
+                <a:ext uri="{28A0092B-C50C-407E-A947-70E740481C1C}">
+                  <a14:useLocalDpi xmlns:a14="http://schemas.microsoft.com/office/drawing/2010/main" val="0"/>
+                </a:ext>
+              </a:extLst>
+            </a:blip>
+            <a:srcRect l="18915" t="10104" r="26838" b="15533"/>
+            <a:stretch/>
+          </p:blipFill>
+          <p:spPr>
+            <a:xfrm>
+              <a:off x="8592458" y="3246631"/>
+              <a:ext cx="1471192" cy="1512519"/>
+            </a:xfrm>
+            <a:prstGeom prst="rect">
+              <a:avLst/>
+            </a:prstGeom>
+          </p:spPr>
+        </p:pic>
+        <p:sp>
+          <p:nvSpPr>
+            <p:cNvPr id="9" name="CaixaDeTexto 8"/>
+            <p:cNvSpPr txBox="1"/>
+            <p:nvPr/>
+          </p:nvSpPr>
+          <p:spPr>
+            <a:xfrm>
+              <a:off x="8380049" y="4887309"/>
+              <a:ext cx="1973858" cy="369332"/>
+            </a:xfrm>
+            <a:prstGeom prst="rect">
+              <a:avLst/>
+            </a:prstGeom>
+            <a:noFill/>
+          </p:spPr>
+          <p:txBody>
+            <a:bodyPr wrap="square" rtlCol="0" anchor="ctr">
+              <a:spAutoFit/>
+            </a:bodyPr>
+            <a:lstStyle/>
+            <a:p>
+              <a:pPr algn="ctr"/>
+              <a:r>
+                <a:rPr lang="pt-BR" dirty="0"/>
+                <a:t>Sensor TCRT 5000</a:t>
+              </a:r>
+            </a:p>
+          </p:txBody>
+        </p:sp>
+        <p:sp>
+          <p:nvSpPr>
+            <p:cNvPr id="10" name="Retângulo 9"/>
+            <p:cNvSpPr/>
+            <p:nvPr/>
+          </p:nvSpPr>
+          <p:spPr>
+            <a:xfrm>
+              <a:off x="8229600" y="2937618"/>
+              <a:ext cx="2438400" cy="2447182"/>
+            </a:xfrm>
+            <a:prstGeom prst="rect">
+              <a:avLst/>
+            </a:prstGeom>
+            <a:noFill/>
+            <a:ln w="57150">
+              <a:solidFill>
+                <a:srgbClr val="E57019"/>
+              </a:solidFill>
+              <a:prstDash val="dash"/>
+            </a:ln>
+          </p:spPr>
+          <p:style>
+            <a:lnRef idx="2">
+              <a:schemeClr val="accent1">
+                <a:shade val="50000"/>
+              </a:schemeClr>
+            </a:lnRef>
+            <a:fillRef idx="1">
+              <a:schemeClr val="accent1"/>
+            </a:fillRef>
+            <a:effectRef idx="0">
+              <a:schemeClr val="accent1"/>
+            </a:effectRef>
+            <a:fontRef idx="minor">
+              <a:schemeClr val="lt1"/>
+            </a:fontRef>
+          </p:style>
+          <p:txBody>
+            <a:bodyPr rtlCol="0" anchor="ctr"/>
+            <a:lstStyle/>
+            <a:p>
+              <a:pPr algn="ctr"/>
+              <a:endParaRPr lang="pt-BR">
+                <a:ln w="76200">
+                  <a:solidFill>
+                    <a:srgbClr val="E57019"/>
+                  </a:solidFill>
+                  <a:prstDash val="dashDot"/>
+                </a:ln>
+              </a:endParaRPr>
+            </a:p>
+          </p:txBody>
+        </p:sp>
+      </p:grpSp>
     </p:spTree>
     <p:extLst>
       <p:ext uri="{BB962C8B-B14F-4D97-AF65-F5344CB8AC3E}">
@@ -23975,9 +24393,294 @@
   <p:timing>
     <p:tnLst>
       <p:par>
-        <p:cTn id="1" dur="indefinite" restart="never" nodeType="tmRoot"/>
+        <p:cTn id="1" dur="indefinite" restart="never" nodeType="tmRoot">
+          <p:childTnLst>
+            <p:seq concurrent="1" nextAc="seek">
+              <p:cTn id="2" dur="indefinite" nodeType="mainSeq">
+                <p:childTnLst>
+                  <p:par>
+                    <p:cTn id="3" fill="hold">
+                      <p:stCondLst>
+                        <p:cond delay="indefinite"/>
+                      </p:stCondLst>
+                      <p:childTnLst>
+                        <p:par>
+                          <p:cTn id="4" fill="hold">
+                            <p:stCondLst>
+                              <p:cond delay="0"/>
+                            </p:stCondLst>
+                            <p:childTnLst>
+                              <p:par>
+                                <p:cTn id="5" presetID="10" presetClass="entr" presetSubtype="0" fill="hold" grpId="0" nodeType="clickEffect">
+                                  <p:stCondLst>
+                                    <p:cond delay="0"/>
+                                  </p:stCondLst>
+                                  <p:childTnLst>
+                                    <p:set>
+                                      <p:cBhvr>
+                                        <p:cTn id="6" dur="1" fill="hold">
+                                          <p:stCondLst>
+                                            <p:cond delay="0"/>
+                                          </p:stCondLst>
+                                        </p:cTn>
+                                        <p:tgtEl>
+                                          <p:spTgt spid="2"/>
+                                        </p:tgtEl>
+                                        <p:attrNameLst>
+                                          <p:attrName>style.visibility</p:attrName>
+                                        </p:attrNameLst>
+                                      </p:cBhvr>
+                                      <p:to>
+                                        <p:strVal val="visible"/>
+                                      </p:to>
+                                    </p:set>
+                                    <p:animEffect transition="in" filter="fade">
+                                      <p:cBhvr>
+                                        <p:cTn id="7" dur="500"/>
+                                        <p:tgtEl>
+                                          <p:spTgt spid="2"/>
+                                        </p:tgtEl>
+                                      </p:cBhvr>
+                                    </p:animEffect>
+                                  </p:childTnLst>
+                                </p:cTn>
+                              </p:par>
+                            </p:childTnLst>
+                          </p:cTn>
+                        </p:par>
+                      </p:childTnLst>
+                    </p:cTn>
+                  </p:par>
+                  <p:par>
+                    <p:cTn id="8" fill="hold">
+                      <p:stCondLst>
+                        <p:cond delay="indefinite"/>
+                      </p:stCondLst>
+                      <p:childTnLst>
+                        <p:par>
+                          <p:cTn id="9" fill="hold">
+                            <p:stCondLst>
+                              <p:cond delay="0"/>
+                            </p:stCondLst>
+                            <p:childTnLst>
+                              <p:par>
+                                <p:cTn id="10" presetID="10" presetClass="entr" presetSubtype="0" fill="hold" grpId="0" nodeType="clickEffect">
+                                  <p:stCondLst>
+                                    <p:cond delay="0"/>
+                                  </p:stCondLst>
+                                  <p:childTnLst>
+                                    <p:set>
+                                      <p:cBhvr>
+                                        <p:cTn id="11" dur="1" fill="hold">
+                                          <p:stCondLst>
+                                            <p:cond delay="0"/>
+                                          </p:stCondLst>
+                                        </p:cTn>
+                                        <p:tgtEl>
+                                          <p:spTgt spid="3"/>
+                                        </p:tgtEl>
+                                        <p:attrNameLst>
+                                          <p:attrName>style.visibility</p:attrName>
+                                        </p:attrNameLst>
+                                      </p:cBhvr>
+                                      <p:to>
+                                        <p:strVal val="visible"/>
+                                      </p:to>
+                                    </p:set>
+                                    <p:animEffect transition="in" filter="fade">
+                                      <p:cBhvr>
+                                        <p:cTn id="12" dur="500"/>
+                                        <p:tgtEl>
+                                          <p:spTgt spid="3"/>
+                                        </p:tgtEl>
+                                      </p:cBhvr>
+                                    </p:animEffect>
+                                  </p:childTnLst>
+                                </p:cTn>
+                              </p:par>
+                            </p:childTnLst>
+                          </p:cTn>
+                        </p:par>
+                      </p:childTnLst>
+                    </p:cTn>
+                  </p:par>
+                  <p:par>
+                    <p:cTn id="13" fill="hold">
+                      <p:stCondLst>
+                        <p:cond delay="indefinite"/>
+                      </p:stCondLst>
+                      <p:childTnLst>
+                        <p:par>
+                          <p:cTn id="14" fill="hold">
+                            <p:stCondLst>
+                              <p:cond delay="0"/>
+                            </p:stCondLst>
+                            <p:childTnLst>
+                              <p:par>
+                                <p:cTn id="15" presetID="10" presetClass="entr" presetSubtype="0" fill="hold" grpId="0" nodeType="clickEffect">
+                                  <p:stCondLst>
+                                    <p:cond delay="0"/>
+                                  </p:stCondLst>
+                                  <p:childTnLst>
+                                    <p:set>
+                                      <p:cBhvr>
+                                        <p:cTn id="16" dur="1" fill="hold">
+                                          <p:stCondLst>
+                                            <p:cond delay="0"/>
+                                          </p:stCondLst>
+                                        </p:cTn>
+                                        <p:tgtEl>
+                                          <p:spTgt spid="4"/>
+                                        </p:tgtEl>
+                                        <p:attrNameLst>
+                                          <p:attrName>style.visibility</p:attrName>
+                                        </p:attrNameLst>
+                                      </p:cBhvr>
+                                      <p:to>
+                                        <p:strVal val="visible"/>
+                                      </p:to>
+                                    </p:set>
+                                    <p:animEffect transition="in" filter="fade">
+                                      <p:cBhvr>
+                                        <p:cTn id="17" dur="500"/>
+                                        <p:tgtEl>
+                                          <p:spTgt spid="4"/>
+                                        </p:tgtEl>
+                                      </p:cBhvr>
+                                    </p:animEffect>
+                                  </p:childTnLst>
+                                </p:cTn>
+                              </p:par>
+                            </p:childTnLst>
+                          </p:cTn>
+                        </p:par>
+                      </p:childTnLst>
+                    </p:cTn>
+                  </p:par>
+                  <p:par>
+                    <p:cTn id="18" fill="hold">
+                      <p:stCondLst>
+                        <p:cond delay="indefinite"/>
+                      </p:stCondLst>
+                      <p:childTnLst>
+                        <p:par>
+                          <p:cTn id="19" fill="hold">
+                            <p:stCondLst>
+                              <p:cond delay="0"/>
+                            </p:stCondLst>
+                            <p:childTnLst>
+                              <p:par>
+                                <p:cTn id="20" presetID="10" presetClass="entr" presetSubtype="0" fill="hold" grpId="0" nodeType="clickEffect">
+                                  <p:stCondLst>
+                                    <p:cond delay="0"/>
+                                  </p:stCondLst>
+                                  <p:childTnLst>
+                                    <p:set>
+                                      <p:cBhvr>
+                                        <p:cTn id="21" dur="1" fill="hold">
+                                          <p:stCondLst>
+                                            <p:cond delay="0"/>
+                                          </p:stCondLst>
+                                        </p:cTn>
+                                        <p:tgtEl>
+                                          <p:spTgt spid="7"/>
+                                        </p:tgtEl>
+                                        <p:attrNameLst>
+                                          <p:attrName>style.visibility</p:attrName>
+                                        </p:attrNameLst>
+                                      </p:cBhvr>
+                                      <p:to>
+                                        <p:strVal val="visible"/>
+                                      </p:to>
+                                    </p:set>
+                                    <p:animEffect transition="in" filter="fade">
+                                      <p:cBhvr>
+                                        <p:cTn id="22" dur="500"/>
+                                        <p:tgtEl>
+                                          <p:spTgt spid="7"/>
+                                        </p:tgtEl>
+                                      </p:cBhvr>
+                                    </p:animEffect>
+                                  </p:childTnLst>
+                                </p:cTn>
+                              </p:par>
+                            </p:childTnLst>
+                          </p:cTn>
+                        </p:par>
+                        <p:par>
+                          <p:cTn id="23" fill="hold">
+                            <p:stCondLst>
+                              <p:cond delay="500"/>
+                            </p:stCondLst>
+                            <p:childTnLst>
+                              <p:par>
+                                <p:cTn id="24" presetID="10" presetClass="entr" presetSubtype="0" fill="hold" nodeType="afterEffect">
+                                  <p:stCondLst>
+                                    <p:cond delay="0"/>
+                                  </p:stCondLst>
+                                  <p:childTnLst>
+                                    <p:set>
+                                      <p:cBhvr>
+                                        <p:cTn id="25" dur="1" fill="hold">
+                                          <p:stCondLst>
+                                            <p:cond delay="0"/>
+                                          </p:stCondLst>
+                                        </p:cTn>
+                                        <p:tgtEl>
+                                          <p:spTgt spid="6"/>
+                                        </p:tgtEl>
+                                        <p:attrNameLst>
+                                          <p:attrName>style.visibility</p:attrName>
+                                        </p:attrNameLst>
+                                      </p:cBhvr>
+                                      <p:to>
+                                        <p:strVal val="visible"/>
+                                      </p:to>
+                                    </p:set>
+                                    <p:animEffect transition="in" filter="fade">
+                                      <p:cBhvr>
+                                        <p:cTn id="26" dur="500"/>
+                                        <p:tgtEl>
+                                          <p:spTgt spid="6"/>
+                                        </p:tgtEl>
+                                      </p:cBhvr>
+                                    </p:animEffect>
+                                  </p:childTnLst>
+                                </p:cTn>
+                              </p:par>
+                            </p:childTnLst>
+                          </p:cTn>
+                        </p:par>
+                      </p:childTnLst>
+                    </p:cTn>
+                  </p:par>
+                </p:childTnLst>
+              </p:cTn>
+              <p:prevCondLst>
+                <p:cond evt="onPrev" delay="0">
+                  <p:tgtEl>
+                    <p:sldTgt/>
+                  </p:tgtEl>
+                </p:cond>
+              </p:prevCondLst>
+              <p:nextCondLst>
+                <p:cond evt="onNext" delay="0">
+                  <p:tgtEl>
+                    <p:sldTgt/>
+                  </p:tgtEl>
+                </p:cond>
+              </p:nextCondLst>
+            </p:seq>
+          </p:childTnLst>
+        </p:cTn>
       </p:par>
     </p:tnLst>
+    <p:bldLst>
+      <p:bldP spid="2" grpId="0"/>
+      <p:bldP spid="3" grpId="0"/>
+      <p:bldP spid="4" grpId="0"/>
+      <p:bldP spid="7" grpId="0"/>
+    </p:bldLst>
   </p:timing>
 </p:sld>
 </file>
@@ -24055,196 +24758,224 @@
           <a:p>
             <a:pPr algn="ctr"/>
             <a:r>
-              <a:rPr lang="pt-BR" sz="2400" dirty="0" smtClean="0">
+              <a:rPr lang="pt-BR" sz="2400" dirty="0">
                 <a:latin typeface="Bahnschrift" panose="020B0502040204020203" pitchFamily="34" charset="0"/>
               </a:rPr>
               <a:t>Entrada</a:t>
             </a:r>
-            <a:endParaRPr lang="pt-BR" sz="2400" dirty="0">
-              <a:latin typeface="Bahnschrift" panose="020B0502040204020203" pitchFamily="34" charset="0"/>
-            </a:endParaRPr>
           </a:p>
         </p:txBody>
       </p:sp>
-      <p:pic>
-        <p:nvPicPr>
-          <p:cNvPr id="3" name="Imagem 2"/>
-          <p:cNvPicPr>
-            <a:picLocks noChangeAspect="1"/>
-          </p:cNvPicPr>
-          <p:nvPr/>
-        </p:nvPicPr>
-        <p:blipFill>
-          <a:blip r:embed="rId2">
+      <p:grpSp>
+        <p:nvGrpSpPr>
+          <p:cNvPr id="2" name="Agrupar 1">
             <a:extLst>
-              <a:ext uri="{28A0092B-C50C-407E-A947-70E740481C1C}">
-                <a14:useLocalDpi xmlns:a14="http://schemas.microsoft.com/office/drawing/2010/main" val="0"/>
+              <a:ext uri="{FF2B5EF4-FFF2-40B4-BE49-F238E27FC236}">
+                <a16:creationId xmlns:a16="http://schemas.microsoft.com/office/drawing/2014/main" id="{1EAA0561-C860-498E-8684-4B32D0B9BABB}"/>
               </a:ext>
             </a:extLst>
-          </a:blip>
-          <a:stretch>
-            <a:fillRect/>
-          </a:stretch>
-        </p:blipFill>
-        <p:spPr>
+          </p:cNvPr>
+          <p:cNvGrpSpPr/>
+          <p:nvPr/>
+        </p:nvGrpSpPr>
+        <p:grpSpPr>
           <a:xfrm>
             <a:off x="3467722" y="1318780"/>
             <a:ext cx="5163660" cy="5096533"/>
+            <a:chOff x="3467722" y="1318780"/>
+            <a:chExt cx="5163660" cy="5096533"/>
           </a:xfrm>
-          <a:prstGeom prst="rect">
-            <a:avLst/>
-          </a:prstGeom>
-        </p:spPr>
-      </p:pic>
-      <p:cxnSp>
-        <p:nvCxnSpPr>
-          <p:cNvPr id="28" name="Conector reto 27"/>
-          <p:cNvCxnSpPr/>
-          <p:nvPr/>
-        </p:nvCxnSpPr>
-        <p:spPr>
-          <a:xfrm flipV="1">
-            <a:off x="6160294" y="4812506"/>
-            <a:ext cx="69056" cy="28577"/>
-          </a:xfrm>
-          <a:prstGeom prst="line">
-            <a:avLst/>
-          </a:prstGeom>
-          <a:ln w="28575" cap="sq">
-            <a:solidFill>
-              <a:srgbClr val="FF0000"/>
-            </a:solidFill>
-            <a:miter lim="800000"/>
-            <a:headEnd type="none"/>
-          </a:ln>
-        </p:spPr>
-        <p:style>
-          <a:lnRef idx="1">
-            <a:schemeClr val="accent1"/>
-          </a:lnRef>
-          <a:fillRef idx="0">
-            <a:schemeClr val="accent1"/>
-          </a:fillRef>
-          <a:effectRef idx="0">
-            <a:schemeClr val="accent1"/>
-          </a:effectRef>
-          <a:fontRef idx="minor">
-            <a:schemeClr val="tx1"/>
-          </a:fontRef>
-        </p:style>
-      </p:cxnSp>
-      <p:cxnSp>
-        <p:nvCxnSpPr>
-          <p:cNvPr id="37" name="Conector reto 36"/>
-          <p:cNvCxnSpPr/>
-          <p:nvPr/>
-        </p:nvCxnSpPr>
-        <p:spPr>
-          <a:xfrm flipH="1">
-            <a:off x="6479381" y="4481513"/>
-            <a:ext cx="595313" cy="252412"/>
-          </a:xfrm>
-          <a:prstGeom prst="line">
-            <a:avLst/>
-          </a:prstGeom>
-          <a:ln w="28575" cap="sq">
-            <a:solidFill>
-              <a:srgbClr val="FF0000"/>
-            </a:solidFill>
-            <a:miter lim="800000"/>
-            <a:headEnd type="none"/>
-          </a:ln>
-        </p:spPr>
-        <p:style>
-          <a:lnRef idx="1">
-            <a:schemeClr val="accent1"/>
-          </a:lnRef>
-          <a:fillRef idx="0">
-            <a:schemeClr val="accent1"/>
-          </a:fillRef>
-          <a:effectRef idx="0">
-            <a:schemeClr val="accent1"/>
-          </a:effectRef>
-          <a:fontRef idx="minor">
-            <a:schemeClr val="tx1"/>
-          </a:fontRef>
-        </p:style>
-      </p:cxnSp>
-      <p:cxnSp>
-        <p:nvCxnSpPr>
-          <p:cNvPr id="40" name="Conector reto 39"/>
-          <p:cNvCxnSpPr/>
-          <p:nvPr/>
-        </p:nvCxnSpPr>
-        <p:spPr>
-          <a:xfrm flipV="1">
-            <a:off x="6176963" y="5684044"/>
-            <a:ext cx="69056" cy="21431"/>
-          </a:xfrm>
-          <a:prstGeom prst="line">
-            <a:avLst/>
-          </a:prstGeom>
-          <a:ln w="28575" cap="sq">
-            <a:solidFill>
-              <a:srgbClr val="FF0000"/>
-            </a:solidFill>
-            <a:miter lim="800000"/>
-            <a:headEnd type="none"/>
-          </a:ln>
-        </p:spPr>
-        <p:style>
-          <a:lnRef idx="1">
-            <a:schemeClr val="accent1"/>
-          </a:lnRef>
-          <a:fillRef idx="0">
-            <a:schemeClr val="accent1"/>
-          </a:fillRef>
-          <a:effectRef idx="0">
-            <a:schemeClr val="accent1"/>
-          </a:effectRef>
-          <a:fontRef idx="minor">
-            <a:schemeClr val="tx1"/>
-          </a:fontRef>
-        </p:style>
-      </p:cxnSp>
-      <p:cxnSp>
-        <p:nvCxnSpPr>
-          <p:cNvPr id="43" name="Conector reto 42"/>
-          <p:cNvCxnSpPr/>
-          <p:nvPr/>
-        </p:nvCxnSpPr>
-        <p:spPr>
-          <a:xfrm flipV="1">
-            <a:off x="6479381" y="5155406"/>
-            <a:ext cx="1338263" cy="442914"/>
-          </a:xfrm>
-          <a:prstGeom prst="line">
-            <a:avLst/>
-          </a:prstGeom>
-          <a:ln w="28575" cap="sq">
-            <a:solidFill>
-              <a:srgbClr val="FF0000"/>
-            </a:solidFill>
-            <a:prstDash val="solid"/>
-            <a:miter lim="800000"/>
-            <a:headEnd type="none"/>
-          </a:ln>
-        </p:spPr>
-        <p:style>
-          <a:lnRef idx="1">
-            <a:schemeClr val="accent1"/>
-          </a:lnRef>
-          <a:fillRef idx="0">
-            <a:schemeClr val="accent1"/>
-          </a:fillRef>
-          <a:effectRef idx="0">
-            <a:schemeClr val="accent1"/>
-          </a:effectRef>
-          <a:fontRef idx="minor">
-            <a:schemeClr val="tx1"/>
-          </a:fontRef>
-        </p:style>
-      </p:cxnSp>
+        </p:grpSpPr>
+        <p:pic>
+          <p:nvPicPr>
+            <p:cNvPr id="3" name="Imagem 2"/>
+            <p:cNvPicPr>
+              <a:picLocks noChangeAspect="1"/>
+            </p:cNvPicPr>
+            <p:nvPr/>
+          </p:nvPicPr>
+          <p:blipFill>
+            <a:blip r:embed="rId2">
+              <a:extLst>
+                <a:ext uri="{28A0092B-C50C-407E-A947-70E740481C1C}">
+                  <a14:useLocalDpi xmlns:a14="http://schemas.microsoft.com/office/drawing/2010/main" val="0"/>
+                </a:ext>
+              </a:extLst>
+            </a:blip>
+            <a:stretch>
+              <a:fillRect/>
+            </a:stretch>
+          </p:blipFill>
+          <p:spPr>
+            <a:xfrm>
+              <a:off x="3467722" y="1318780"/>
+              <a:ext cx="5163660" cy="5096533"/>
+            </a:xfrm>
+            <a:prstGeom prst="rect">
+              <a:avLst/>
+            </a:prstGeom>
+            <a:ln>
+              <a:noFill/>
+            </a:ln>
+            <a:effectLst>
+              <a:outerShdw blurRad="292100" dist="139700" dir="2700000" algn="tl" rotWithShape="0">
+                <a:srgbClr val="333333">
+                  <a:alpha val="65000"/>
+                </a:srgbClr>
+              </a:outerShdw>
+            </a:effectLst>
+          </p:spPr>
+        </p:pic>
+        <p:cxnSp>
+          <p:nvCxnSpPr>
+            <p:cNvPr id="28" name="Conector reto 27"/>
+            <p:cNvCxnSpPr/>
+            <p:nvPr/>
+          </p:nvCxnSpPr>
+          <p:spPr>
+            <a:xfrm flipV="1">
+              <a:off x="6160294" y="4812506"/>
+              <a:ext cx="69056" cy="28577"/>
+            </a:xfrm>
+            <a:prstGeom prst="line">
+              <a:avLst/>
+            </a:prstGeom>
+            <a:ln w="28575" cap="sq">
+              <a:solidFill>
+                <a:srgbClr val="FF0000"/>
+              </a:solidFill>
+              <a:miter lim="800000"/>
+              <a:headEnd type="none"/>
+            </a:ln>
+          </p:spPr>
+          <p:style>
+            <a:lnRef idx="1">
+              <a:schemeClr val="accent1"/>
+            </a:lnRef>
+            <a:fillRef idx="0">
+              <a:schemeClr val="accent1"/>
+            </a:fillRef>
+            <a:effectRef idx="0">
+              <a:schemeClr val="accent1"/>
+            </a:effectRef>
+            <a:fontRef idx="minor">
+              <a:schemeClr val="tx1"/>
+            </a:fontRef>
+          </p:style>
+        </p:cxnSp>
+        <p:cxnSp>
+          <p:nvCxnSpPr>
+            <p:cNvPr id="37" name="Conector reto 36"/>
+            <p:cNvCxnSpPr/>
+            <p:nvPr/>
+          </p:nvCxnSpPr>
+          <p:spPr>
+            <a:xfrm flipH="1">
+              <a:off x="6479381" y="4481513"/>
+              <a:ext cx="595313" cy="252412"/>
+            </a:xfrm>
+            <a:prstGeom prst="line">
+              <a:avLst/>
+            </a:prstGeom>
+            <a:ln w="28575" cap="sq">
+              <a:solidFill>
+                <a:srgbClr val="FF0000"/>
+              </a:solidFill>
+              <a:miter lim="800000"/>
+              <a:headEnd type="none"/>
+            </a:ln>
+          </p:spPr>
+          <p:style>
+            <a:lnRef idx="1">
+              <a:schemeClr val="accent1"/>
+            </a:lnRef>
+            <a:fillRef idx="0">
+              <a:schemeClr val="accent1"/>
+            </a:fillRef>
+            <a:effectRef idx="0">
+              <a:schemeClr val="accent1"/>
+            </a:effectRef>
+            <a:fontRef idx="minor">
+              <a:schemeClr val="tx1"/>
+            </a:fontRef>
+          </p:style>
+        </p:cxnSp>
+        <p:cxnSp>
+          <p:nvCxnSpPr>
+            <p:cNvPr id="40" name="Conector reto 39"/>
+            <p:cNvCxnSpPr/>
+            <p:nvPr/>
+          </p:nvCxnSpPr>
+          <p:spPr>
+            <a:xfrm flipV="1">
+              <a:off x="6176963" y="5684044"/>
+              <a:ext cx="69056" cy="21431"/>
+            </a:xfrm>
+            <a:prstGeom prst="line">
+              <a:avLst/>
+            </a:prstGeom>
+            <a:ln w="28575" cap="sq">
+              <a:solidFill>
+                <a:srgbClr val="FF0000"/>
+              </a:solidFill>
+              <a:miter lim="800000"/>
+              <a:headEnd type="none"/>
+            </a:ln>
+          </p:spPr>
+          <p:style>
+            <a:lnRef idx="1">
+              <a:schemeClr val="accent1"/>
+            </a:lnRef>
+            <a:fillRef idx="0">
+              <a:schemeClr val="accent1"/>
+            </a:fillRef>
+            <a:effectRef idx="0">
+              <a:schemeClr val="accent1"/>
+            </a:effectRef>
+            <a:fontRef idx="minor">
+              <a:schemeClr val="tx1"/>
+            </a:fontRef>
+          </p:style>
+        </p:cxnSp>
+        <p:cxnSp>
+          <p:nvCxnSpPr>
+            <p:cNvPr id="43" name="Conector reto 42"/>
+            <p:cNvCxnSpPr/>
+            <p:nvPr/>
+          </p:nvCxnSpPr>
+          <p:spPr>
+            <a:xfrm flipV="1">
+              <a:off x="6479381" y="5155406"/>
+              <a:ext cx="1338263" cy="442914"/>
+            </a:xfrm>
+            <a:prstGeom prst="line">
+              <a:avLst/>
+            </a:prstGeom>
+            <a:ln w="28575" cap="sq">
+              <a:solidFill>
+                <a:srgbClr val="FF0000"/>
+              </a:solidFill>
+              <a:prstDash val="solid"/>
+              <a:miter lim="800000"/>
+              <a:headEnd type="none"/>
+            </a:ln>
+          </p:spPr>
+          <p:style>
+            <a:lnRef idx="1">
+              <a:schemeClr val="accent1"/>
+            </a:lnRef>
+            <a:fillRef idx="0">
+              <a:schemeClr val="accent1"/>
+            </a:fillRef>
+            <a:effectRef idx="0">
+              <a:schemeClr val="accent1"/>
+            </a:effectRef>
+            <a:fontRef idx="minor">
+              <a:schemeClr val="tx1"/>
+            </a:fontRef>
+          </p:style>
+        </p:cxnSp>
+      </p:grpSp>
     </p:spTree>
     <p:extLst>
       <p:ext uri="{BB962C8B-B14F-4D97-AF65-F5344CB8AC3E}">
@@ -24258,7 +24989,83 @@
   <p:timing>
     <p:tnLst>
       <p:par>
-        <p:cTn id="1" dur="indefinite" restart="never" nodeType="tmRoot"/>
+        <p:cTn id="1" dur="indefinite" restart="never" nodeType="tmRoot">
+          <p:childTnLst>
+            <p:seq concurrent="1" nextAc="seek">
+              <p:cTn id="2" dur="indefinite" nodeType="mainSeq">
+                <p:childTnLst>
+                  <p:par>
+                    <p:cTn id="3" fill="hold">
+                      <p:stCondLst>
+                        <p:cond delay="indefinite"/>
+                      </p:stCondLst>
+                      <p:childTnLst>
+                        <p:par>
+                          <p:cTn id="4" fill="hold">
+                            <p:stCondLst>
+                              <p:cond delay="0"/>
+                            </p:stCondLst>
+                            <p:childTnLst>
+                              <p:par>
+                                <p:cTn id="5" presetID="10" presetClass="entr" presetSubtype="0" fill="hold" nodeType="clickEffect">
+                                  <p:stCondLst>
+                                    <p:cond delay="0"/>
+                                  </p:stCondLst>
+                                  <p:childTnLst>
+                                    <p:set>
+                                      <p:cBhvr>
+                                        <p:cTn id="6" dur="1" fill="hold">
+                                          <p:stCondLst>
+                                            <p:cond delay="0"/>
+                                          </p:stCondLst>
+                                        </p:cTn>
+                                        <p:tgtEl>
+                                          <p:spTgt spid="2"/>
+                                        </p:tgtEl>
+                                        <p:attrNameLst>
+                                          <p:attrName>style.visibility</p:attrName>
+                                        </p:attrNameLst>
+                                      </p:cBhvr>
+                                      <p:to>
+                                        <p:strVal val="visible"/>
+                                      </p:to>
+                                    </p:set>
+                                    <p:animEffect transition="in" filter="fade">
+                                      <p:cBhvr>
+                                        <p:cTn id="7" dur="500"/>
+                                        <p:tgtEl>
+                                          <p:spTgt spid="2"/>
+                                        </p:tgtEl>
+                                      </p:cBhvr>
+                                    </p:animEffect>
+                                  </p:childTnLst>
+                                </p:cTn>
+                              </p:par>
+                            </p:childTnLst>
+                          </p:cTn>
+                        </p:par>
+                      </p:childTnLst>
+                    </p:cTn>
+                  </p:par>
+                </p:childTnLst>
+              </p:cTn>
+              <p:prevCondLst>
+                <p:cond evt="onPrev" delay="0">
+                  <p:tgtEl>
+                    <p:sldTgt/>
+                  </p:tgtEl>
+                </p:cond>
+              </p:prevCondLst>
+              <p:nextCondLst>
+                <p:cond evt="onNext" delay="0">
+                  <p:tgtEl>
+                    <p:sldTgt/>
+                  </p:tgtEl>
+                </p:cond>
+              </p:nextCondLst>
+            </p:seq>
+          </p:childTnLst>
+        </p:cTn>
       </p:par>
     </p:tnLst>
   </p:timing>
@@ -24338,14 +25145,11 @@
           <a:p>
             <a:pPr algn="ctr"/>
             <a:r>
-              <a:rPr lang="pt-BR" sz="2400" dirty="0" smtClean="0">
+              <a:rPr lang="pt-BR" sz="2400" dirty="0">
                 <a:latin typeface="Bahnschrift" panose="020B0502040204020203" pitchFamily="34" charset="0"/>
               </a:rPr>
               <a:t>Catraca</a:t>
             </a:r>
-            <a:endParaRPr lang="pt-BR" sz="2400" dirty="0">
-              <a:latin typeface="Bahnschrift" panose="020B0502040204020203" pitchFamily="34" charset="0"/>
-            </a:endParaRPr>
           </a:p>
         </p:txBody>
       </p:sp>
@@ -24393,6 +25197,16 @@
             <a:prstGeom prst="rect">
               <a:avLst/>
             </a:prstGeom>
+            <a:ln>
+              <a:noFill/>
+            </a:ln>
+            <a:effectLst>
+              <a:outerShdw blurRad="292100" dist="139700" dir="2700000" algn="tl" rotWithShape="0">
+                <a:srgbClr val="333333">
+                  <a:alpha val="65000"/>
+                </a:srgbClr>
+              </a:outerShdw>
+            </a:effectLst>
           </p:spPr>
         </p:pic>
         <p:cxnSp>
@@ -24447,7 +25261,83 @@
   <p:timing>
     <p:tnLst>
       <p:par>
-        <p:cTn id="1" dur="indefinite" restart="never" nodeType="tmRoot"/>
+        <p:cTn id="1" dur="indefinite" restart="never" nodeType="tmRoot">
+          <p:childTnLst>
+            <p:seq concurrent="1" nextAc="seek">
+              <p:cTn id="2" dur="indefinite" nodeType="mainSeq">
+                <p:childTnLst>
+                  <p:par>
+                    <p:cTn id="3" fill="hold">
+                      <p:stCondLst>
+                        <p:cond delay="indefinite"/>
+                      </p:stCondLst>
+                      <p:childTnLst>
+                        <p:par>
+                          <p:cTn id="4" fill="hold">
+                            <p:stCondLst>
+                              <p:cond delay="0"/>
+                            </p:stCondLst>
+                            <p:childTnLst>
+                              <p:par>
+                                <p:cTn id="5" presetID="10" presetClass="entr" presetSubtype="0" fill="hold" nodeType="clickEffect">
+                                  <p:stCondLst>
+                                    <p:cond delay="0"/>
+                                  </p:stCondLst>
+                                  <p:childTnLst>
+                                    <p:set>
+                                      <p:cBhvr>
+                                        <p:cTn id="6" dur="1" fill="hold">
+                                          <p:stCondLst>
+                                            <p:cond delay="0"/>
+                                          </p:stCondLst>
+                                        </p:cTn>
+                                        <p:tgtEl>
+                                          <p:spTgt spid="20"/>
+                                        </p:tgtEl>
+                                        <p:attrNameLst>
+                                          <p:attrName>style.visibility</p:attrName>
+                                        </p:attrNameLst>
+                                      </p:cBhvr>
+                                      <p:to>
+                                        <p:strVal val="visible"/>
+                                      </p:to>
+                                    </p:set>
+                                    <p:animEffect transition="in" filter="fade">
+                                      <p:cBhvr>
+                                        <p:cTn id="7" dur="500"/>
+                                        <p:tgtEl>
+                                          <p:spTgt spid="20"/>
+                                        </p:tgtEl>
+                                      </p:cBhvr>
+                                    </p:animEffect>
+                                  </p:childTnLst>
+                                </p:cTn>
+                              </p:par>
+                            </p:childTnLst>
+                          </p:cTn>
+                        </p:par>
+                      </p:childTnLst>
+                    </p:cTn>
+                  </p:par>
+                </p:childTnLst>
+              </p:cTn>
+              <p:prevCondLst>
+                <p:cond evt="onPrev" delay="0">
+                  <p:tgtEl>
+                    <p:sldTgt/>
+                  </p:tgtEl>
+                </p:cond>
+              </p:prevCondLst>
+              <p:nextCondLst>
+                <p:cond evt="onNext" delay="0">
+                  <p:tgtEl>
+                    <p:sldTgt/>
+                  </p:tgtEl>
+                </p:cond>
+              </p:nextCondLst>
+            </p:seq>
+          </p:childTnLst>
+        </p:cTn>
       </p:par>
     </p:tnLst>
   </p:timing>
@@ -24527,123 +25417,151 @@
           <a:p>
             <a:pPr algn="ctr"/>
             <a:r>
-              <a:rPr lang="pt-BR" sz="2400" dirty="0" smtClean="0">
+              <a:rPr lang="pt-BR" sz="2400" dirty="0">
                 <a:latin typeface="Bahnschrift" panose="020B0502040204020203" pitchFamily="34" charset="0"/>
               </a:rPr>
               <a:t>Saída</a:t>
             </a:r>
-            <a:endParaRPr lang="pt-BR" sz="2400" dirty="0">
-              <a:latin typeface="Bahnschrift" panose="020B0502040204020203" pitchFamily="34" charset="0"/>
-            </a:endParaRPr>
           </a:p>
         </p:txBody>
       </p:sp>
-      <p:pic>
-        <p:nvPicPr>
-          <p:cNvPr id="6" name="Imagem 5"/>
-          <p:cNvPicPr>
-            <a:picLocks noChangeAspect="1"/>
-          </p:cNvPicPr>
-          <p:nvPr/>
-        </p:nvPicPr>
-        <p:blipFill>
-          <a:blip r:embed="rId2">
+      <p:grpSp>
+        <p:nvGrpSpPr>
+          <p:cNvPr id="2" name="Agrupar 1">
             <a:extLst>
-              <a:ext uri="{28A0092B-C50C-407E-A947-70E740481C1C}">
-                <a14:useLocalDpi xmlns:a14="http://schemas.microsoft.com/office/drawing/2010/main" val="0"/>
+              <a:ext uri="{FF2B5EF4-FFF2-40B4-BE49-F238E27FC236}">
+                <a16:creationId xmlns:a16="http://schemas.microsoft.com/office/drawing/2014/main" id="{79D520C7-987B-4437-B095-525627F20312}"/>
               </a:ext>
             </a:extLst>
-          </a:blip>
-          <a:stretch>
-            <a:fillRect/>
-          </a:stretch>
-        </p:blipFill>
-        <p:spPr>
+          </p:cNvPr>
+          <p:cNvGrpSpPr/>
+          <p:nvPr/>
+        </p:nvGrpSpPr>
+        <p:grpSpPr>
           <a:xfrm>
             <a:off x="3000158" y="1270000"/>
             <a:ext cx="6191683" cy="4762834"/>
+            <a:chOff x="3000158" y="1270000"/>
+            <a:chExt cx="6191683" cy="4762834"/>
           </a:xfrm>
-          <a:prstGeom prst="rect">
-            <a:avLst/>
-          </a:prstGeom>
-        </p:spPr>
-      </p:pic>
-      <p:cxnSp>
-        <p:nvCxnSpPr>
-          <p:cNvPr id="7" name="Conector reto 6"/>
-          <p:cNvCxnSpPr/>
-          <p:nvPr/>
-        </p:nvCxnSpPr>
-        <p:spPr>
-          <a:xfrm flipV="1">
-            <a:off x="5353050" y="4800600"/>
-            <a:ext cx="1987550" cy="872791"/>
-          </a:xfrm>
-          <a:prstGeom prst="line">
-            <a:avLst/>
-          </a:prstGeom>
-          <a:ln w="44450" cap="sq">
-            <a:solidFill>
-              <a:srgbClr val="FF0000"/>
-            </a:solidFill>
-            <a:prstDash val="solid"/>
-            <a:miter lim="800000"/>
-            <a:headEnd type="none"/>
-          </a:ln>
-        </p:spPr>
-        <p:style>
-          <a:lnRef idx="1">
-            <a:schemeClr val="accent1"/>
-          </a:lnRef>
-          <a:fillRef idx="0">
-            <a:schemeClr val="accent1"/>
-          </a:fillRef>
-          <a:effectRef idx="0">
-            <a:schemeClr val="accent1"/>
-          </a:effectRef>
-          <a:fontRef idx="minor">
-            <a:schemeClr val="tx1"/>
-          </a:fontRef>
-        </p:style>
-      </p:cxnSp>
-      <p:cxnSp>
-        <p:nvCxnSpPr>
-          <p:cNvPr id="33" name="Conector reto 32"/>
-          <p:cNvCxnSpPr/>
-          <p:nvPr/>
-        </p:nvCxnSpPr>
-        <p:spPr>
-          <a:xfrm flipV="1">
-            <a:off x="5492750" y="4933950"/>
-            <a:ext cx="2260600" cy="1006126"/>
-          </a:xfrm>
-          <a:prstGeom prst="line">
-            <a:avLst/>
-          </a:prstGeom>
-          <a:ln w="44450" cap="sq">
-            <a:solidFill>
-              <a:srgbClr val="FF0000"/>
-            </a:solidFill>
-            <a:prstDash val="solid"/>
-            <a:miter lim="800000"/>
-            <a:headEnd type="none"/>
-          </a:ln>
-        </p:spPr>
-        <p:style>
-          <a:lnRef idx="1">
-            <a:schemeClr val="accent1"/>
-          </a:lnRef>
-          <a:fillRef idx="0">
-            <a:schemeClr val="accent1"/>
-          </a:fillRef>
-          <a:effectRef idx="0">
-            <a:schemeClr val="accent1"/>
-          </a:effectRef>
-          <a:fontRef idx="minor">
-            <a:schemeClr val="tx1"/>
-          </a:fontRef>
-        </p:style>
-      </p:cxnSp>
+        </p:grpSpPr>
+        <p:pic>
+          <p:nvPicPr>
+            <p:cNvPr id="6" name="Imagem 5"/>
+            <p:cNvPicPr>
+              <a:picLocks noChangeAspect="1"/>
+            </p:cNvPicPr>
+            <p:nvPr/>
+          </p:nvPicPr>
+          <p:blipFill>
+            <a:blip r:embed="rId2">
+              <a:extLst>
+                <a:ext uri="{28A0092B-C50C-407E-A947-70E740481C1C}">
+                  <a14:useLocalDpi xmlns:a14="http://schemas.microsoft.com/office/drawing/2010/main" val="0"/>
+                </a:ext>
+              </a:extLst>
+            </a:blip>
+            <a:stretch>
+              <a:fillRect/>
+            </a:stretch>
+          </p:blipFill>
+          <p:spPr>
+            <a:xfrm>
+              <a:off x="3000158" y="1270000"/>
+              <a:ext cx="6191683" cy="4762834"/>
+            </a:xfrm>
+            <a:prstGeom prst="rect">
+              <a:avLst/>
+            </a:prstGeom>
+            <a:ln>
+              <a:noFill/>
+            </a:ln>
+            <a:effectLst>
+              <a:outerShdw blurRad="292100" dist="139700" dir="2700000" algn="tl" rotWithShape="0">
+                <a:srgbClr val="333333">
+                  <a:alpha val="65000"/>
+                </a:srgbClr>
+              </a:outerShdw>
+            </a:effectLst>
+          </p:spPr>
+        </p:pic>
+        <p:cxnSp>
+          <p:nvCxnSpPr>
+            <p:cNvPr id="7" name="Conector reto 6"/>
+            <p:cNvCxnSpPr/>
+            <p:nvPr/>
+          </p:nvCxnSpPr>
+          <p:spPr>
+            <a:xfrm flipV="1">
+              <a:off x="5353050" y="4800600"/>
+              <a:ext cx="1987550" cy="872791"/>
+            </a:xfrm>
+            <a:prstGeom prst="line">
+              <a:avLst/>
+            </a:prstGeom>
+            <a:ln w="44450" cap="sq">
+              <a:solidFill>
+                <a:srgbClr val="FF0000"/>
+              </a:solidFill>
+              <a:prstDash val="solid"/>
+              <a:miter lim="800000"/>
+              <a:headEnd type="none"/>
+            </a:ln>
+          </p:spPr>
+          <p:style>
+            <a:lnRef idx="1">
+              <a:schemeClr val="accent1"/>
+            </a:lnRef>
+            <a:fillRef idx="0">
+              <a:schemeClr val="accent1"/>
+            </a:fillRef>
+            <a:effectRef idx="0">
+              <a:schemeClr val="accent1"/>
+            </a:effectRef>
+            <a:fontRef idx="minor">
+              <a:schemeClr val="tx1"/>
+            </a:fontRef>
+          </p:style>
+        </p:cxnSp>
+        <p:cxnSp>
+          <p:nvCxnSpPr>
+            <p:cNvPr id="33" name="Conector reto 32"/>
+            <p:cNvCxnSpPr/>
+            <p:nvPr/>
+          </p:nvCxnSpPr>
+          <p:spPr>
+            <a:xfrm flipV="1">
+              <a:off x="5492750" y="4933950"/>
+              <a:ext cx="2260600" cy="1006126"/>
+            </a:xfrm>
+            <a:prstGeom prst="line">
+              <a:avLst/>
+            </a:prstGeom>
+            <a:ln w="44450" cap="sq">
+              <a:solidFill>
+                <a:srgbClr val="FF0000"/>
+              </a:solidFill>
+              <a:prstDash val="solid"/>
+              <a:miter lim="800000"/>
+              <a:headEnd type="none"/>
+            </a:ln>
+          </p:spPr>
+          <p:style>
+            <a:lnRef idx="1">
+              <a:schemeClr val="accent1"/>
+            </a:lnRef>
+            <a:fillRef idx="0">
+              <a:schemeClr val="accent1"/>
+            </a:fillRef>
+            <a:effectRef idx="0">
+              <a:schemeClr val="accent1"/>
+            </a:effectRef>
+            <a:fontRef idx="minor">
+              <a:schemeClr val="tx1"/>
+            </a:fontRef>
+          </p:style>
+        </p:cxnSp>
+      </p:grpSp>
     </p:spTree>
     <p:extLst>
       <p:ext uri="{BB962C8B-B14F-4D97-AF65-F5344CB8AC3E}">
@@ -24657,7 +25575,83 @@
   <p:timing>
     <p:tnLst>
       <p:par>
-        <p:cTn id="1" dur="indefinite" restart="never" nodeType="tmRoot"/>
+        <p:cTn id="1" dur="indefinite" restart="never" nodeType="tmRoot">
+          <p:childTnLst>
+            <p:seq concurrent="1" nextAc="seek">
+              <p:cTn id="2" dur="indefinite" nodeType="mainSeq">
+                <p:childTnLst>
+                  <p:par>
+                    <p:cTn id="3" fill="hold">
+                      <p:stCondLst>
+                        <p:cond delay="indefinite"/>
+                      </p:stCondLst>
+                      <p:childTnLst>
+                        <p:par>
+                          <p:cTn id="4" fill="hold">
+                            <p:stCondLst>
+                              <p:cond delay="0"/>
+                            </p:stCondLst>
+                            <p:childTnLst>
+                              <p:par>
+                                <p:cTn id="5" presetID="10" presetClass="entr" presetSubtype="0" fill="hold" nodeType="clickEffect">
+                                  <p:stCondLst>
+                                    <p:cond delay="0"/>
+                                  </p:stCondLst>
+                                  <p:childTnLst>
+                                    <p:set>
+                                      <p:cBhvr>
+                                        <p:cTn id="6" dur="1" fill="hold">
+                                          <p:stCondLst>
+                                            <p:cond delay="0"/>
+                                          </p:stCondLst>
+                                        </p:cTn>
+                                        <p:tgtEl>
+                                          <p:spTgt spid="2"/>
+                                        </p:tgtEl>
+                                        <p:attrNameLst>
+                                          <p:attrName>style.visibility</p:attrName>
+                                        </p:attrNameLst>
+                                      </p:cBhvr>
+                                      <p:to>
+                                        <p:strVal val="visible"/>
+                                      </p:to>
+                                    </p:set>
+                                    <p:animEffect transition="in" filter="fade">
+                                      <p:cBhvr>
+                                        <p:cTn id="7" dur="500"/>
+                                        <p:tgtEl>
+                                          <p:spTgt spid="2"/>
+                                        </p:tgtEl>
+                                      </p:cBhvr>
+                                    </p:animEffect>
+                                  </p:childTnLst>
+                                </p:cTn>
+                              </p:par>
+                            </p:childTnLst>
+                          </p:cTn>
+                        </p:par>
+                      </p:childTnLst>
+                    </p:cTn>
+                  </p:par>
+                </p:childTnLst>
+              </p:cTn>
+              <p:prevCondLst>
+                <p:cond evt="onPrev" delay="0">
+                  <p:tgtEl>
+                    <p:sldTgt/>
+                  </p:tgtEl>
+                </p:cond>
+              </p:prevCondLst>
+              <p:nextCondLst>
+                <p:cond evt="onNext" delay="0">
+                  <p:tgtEl>
+                    <p:sldTgt/>
+                  </p:tgtEl>
+                </p:cond>
+              </p:nextCondLst>
+            </p:seq>
+          </p:childTnLst>
+        </p:cTn>
       </p:par>
     </p:tnLst>
   </p:timing>
@@ -24689,84 +25683,6 @@
           <a:chExt cx="0" cy="0"/>
         </a:xfrm>
       </p:grpSpPr>
-      <p:pic>
-        <p:nvPicPr>
-          <p:cNvPr id="1026" name="Picture 2" descr="Estilo, pessoas, ícone, sensor, movimento, esboço. Ícone, pessoas, desenho,  icon., fundo, teia, isolado, movimento, sensor, | CanStock"/>
-          <p:cNvPicPr>
-            <a:picLocks noChangeAspect="1" noChangeArrowheads="1"/>
-          </p:cNvPicPr>
-          <p:nvPr/>
-        </p:nvPicPr>
-        <p:blipFill rotWithShape="1">
-          <a:blip r:embed="rId2">
-            <a:extLst>
-              <a:ext uri="{28A0092B-C50C-407E-A947-70E740481C1C}">
-                <a14:useLocalDpi xmlns:a14="http://schemas.microsoft.com/office/drawing/2010/main" val="0"/>
-              </a:ext>
-            </a:extLst>
-          </a:blip>
-          <a:srcRect b="7697"/>
-          <a:stretch/>
-        </p:blipFill>
-        <p:spPr bwMode="auto">
-          <a:xfrm>
-            <a:off x="2983927" y="2664893"/>
-            <a:ext cx="1024739" cy="1002267"/>
-          </a:xfrm>
-          <a:prstGeom prst="rect">
-            <a:avLst/>
-          </a:prstGeom>
-          <a:noFill/>
-          <a:extLst>
-            <a:ext uri="{909E8E84-426E-40DD-AFC4-6F175D3DCCD1}">
-              <a14:hiddenFill xmlns:a14="http://schemas.microsoft.com/office/drawing/2010/main">
-                <a:solidFill>
-                  <a:srgbClr val="FFFFFF"/>
-                </a:solidFill>
-              </a14:hiddenFill>
-            </a:ext>
-          </a:extLst>
-        </p:spPr>
-      </p:pic>
-      <p:pic>
-        <p:nvPicPr>
-          <p:cNvPr id="1038" name="Picture 14" descr="Pessoa Desenho Para Colorir - Ultra Coloring Pages"/>
-          <p:cNvPicPr>
-            <a:picLocks noChangeAspect="1" noChangeArrowheads="1"/>
-          </p:cNvPicPr>
-          <p:nvPr/>
-        </p:nvPicPr>
-        <p:blipFill rotWithShape="1">
-          <a:blip r:embed="rId3" cstate="print">
-            <a:extLst>
-              <a:ext uri="{28A0092B-C50C-407E-A947-70E740481C1C}">
-                <a14:useLocalDpi xmlns:a14="http://schemas.microsoft.com/office/drawing/2010/main" val="0"/>
-              </a:ext>
-            </a:extLst>
-          </a:blip>
-          <a:srcRect l="28320" t="21561" r="26581" b="22289"/>
-          <a:stretch/>
-        </p:blipFill>
-        <p:spPr bwMode="auto">
-          <a:xfrm>
-            <a:off x="388089" y="1065438"/>
-            <a:ext cx="983009" cy="1223912"/>
-          </a:xfrm>
-          <a:prstGeom prst="rect">
-            <a:avLst/>
-          </a:prstGeom>
-          <a:noFill/>
-          <a:extLst>
-            <a:ext uri="{909E8E84-426E-40DD-AFC4-6F175D3DCCD1}">
-              <a14:hiddenFill xmlns:a14="http://schemas.microsoft.com/office/drawing/2010/main">
-                <a:solidFill>
-                  <a:srgbClr val="FFFFFF"/>
-                </a:solidFill>
-              </a14:hiddenFill>
-            </a:ext>
-          </a:extLst>
-        </p:spPr>
-      </p:pic>
       <p:cxnSp>
         <p:nvCxnSpPr>
           <p:cNvPr id="8" name="Conector de Seta Reta 7"/>
@@ -24845,129 +25761,6 @@
           </a:fontRef>
         </p:style>
       </p:cxnSp>
-      <p:pic>
-        <p:nvPicPr>
-          <p:cNvPr id="1040" name="Picture 16" descr="Modem Desenho Para Colorir - Ultra Coloring Pages"/>
-          <p:cNvPicPr>
-            <a:picLocks noChangeAspect="1" noChangeArrowheads="1"/>
-          </p:cNvPicPr>
-          <p:nvPr/>
-        </p:nvPicPr>
-        <p:blipFill>
-          <a:blip r:embed="rId4" cstate="print">
-            <a:extLst>
-              <a:ext uri="{28A0092B-C50C-407E-A947-70E740481C1C}">
-                <a14:useLocalDpi xmlns:a14="http://schemas.microsoft.com/office/drawing/2010/main" val="0"/>
-              </a:ext>
-            </a:extLst>
-          </a:blip>
-          <a:srcRect/>
-          <a:stretch>
-            <a:fillRect/>
-          </a:stretch>
-        </p:blipFill>
-        <p:spPr bwMode="auto">
-          <a:xfrm>
-            <a:off x="2839549" y="5142856"/>
-            <a:ext cx="1024739" cy="1018589"/>
-          </a:xfrm>
-          <a:prstGeom prst="rect">
-            <a:avLst/>
-          </a:prstGeom>
-          <a:noFill/>
-          <a:extLst>
-            <a:ext uri="{909E8E84-426E-40DD-AFC4-6F175D3DCCD1}">
-              <a14:hiddenFill xmlns:a14="http://schemas.microsoft.com/office/drawing/2010/main">
-                <a:solidFill>
-                  <a:srgbClr val="FFFFFF"/>
-                </a:solidFill>
-              </a14:hiddenFill>
-            </a:ext>
-          </a:extLst>
-        </p:spPr>
-      </p:pic>
-      <p:pic>
-        <p:nvPicPr>
-          <p:cNvPr id="1042" name="Picture 18" descr="Banco De Dados Da Nuvem Desenho Para Colorir - Ultra Coloring Pages"/>
-          <p:cNvPicPr>
-            <a:picLocks noChangeAspect="1" noChangeArrowheads="1"/>
-          </p:cNvPicPr>
-          <p:nvPr/>
-        </p:nvPicPr>
-        <p:blipFill>
-          <a:blip r:embed="rId5" cstate="print">
-            <a:extLst>
-              <a:ext uri="{28A0092B-C50C-407E-A947-70E740481C1C}">
-                <a14:useLocalDpi xmlns:a14="http://schemas.microsoft.com/office/drawing/2010/main" val="0"/>
-              </a:ext>
-            </a:extLst>
-          </a:blip>
-          <a:srcRect/>
-          <a:stretch>
-            <a:fillRect/>
-          </a:stretch>
-        </p:blipFill>
-        <p:spPr bwMode="auto">
-          <a:xfrm>
-            <a:off x="5812880" y="4958869"/>
-            <a:ext cx="1409295" cy="1409295"/>
-          </a:xfrm>
-          <a:prstGeom prst="rect">
-            <a:avLst/>
-          </a:prstGeom>
-          <a:noFill/>
-          <a:extLst>
-            <a:ext uri="{909E8E84-426E-40DD-AFC4-6F175D3DCCD1}">
-              <a14:hiddenFill xmlns:a14="http://schemas.microsoft.com/office/drawing/2010/main">
-                <a:solidFill>
-                  <a:srgbClr val="FFFFFF"/>
-                </a:solidFill>
-              </a14:hiddenFill>
-            </a:ext>
-          </a:extLst>
-        </p:spPr>
-      </p:pic>
-      <p:pic>
-        <p:nvPicPr>
-          <p:cNvPr id="1044" name="Picture 20" descr="Fornecedores - Digitalize seu negócio e seja um fornecedor iBench Market"/>
-          <p:cNvPicPr>
-            <a:picLocks noChangeAspect="1" noChangeArrowheads="1"/>
-          </p:cNvPicPr>
-          <p:nvPr/>
-        </p:nvPicPr>
-        <p:blipFill>
-          <a:blip r:embed="rId6" cstate="hqprint">
-            <a:extLst>
-              <a:ext uri="{28A0092B-C50C-407E-A947-70E740481C1C}">
-                <a14:useLocalDpi xmlns:a14="http://schemas.microsoft.com/office/drawing/2010/main" val="0"/>
-              </a:ext>
-            </a:extLst>
-          </a:blip>
-          <a:srcRect/>
-          <a:stretch>
-            <a:fillRect/>
-          </a:stretch>
-        </p:blipFill>
-        <p:spPr bwMode="auto">
-          <a:xfrm>
-            <a:off x="6445967" y="2210093"/>
-            <a:ext cx="1808533" cy="1237841"/>
-          </a:xfrm>
-          <a:prstGeom prst="rect">
-            <a:avLst/>
-          </a:prstGeom>
-          <a:noFill/>
-          <a:extLst>
-            <a:ext uri="{909E8E84-426E-40DD-AFC4-6F175D3DCCD1}">
-              <a14:hiddenFill xmlns:a14="http://schemas.microsoft.com/office/drawing/2010/main">
-                <a:solidFill>
-                  <a:srgbClr val="FFFFFF"/>
-                </a:solidFill>
-              </a14:hiddenFill>
-            </a:ext>
-          </a:extLst>
-        </p:spPr>
-      </p:pic>
       <p:cxnSp>
         <p:nvCxnSpPr>
           <p:cNvPr id="36" name="Conector de Seta Reta 35"/>
@@ -25089,200 +25882,474 @@
           </a:fontRef>
         </p:style>
       </p:cxnSp>
-      <p:sp>
-        <p:nvSpPr>
-          <p:cNvPr id="91" name="CaixaDeTexto 90"/>
-          <p:cNvSpPr txBox="1"/>
+      <p:grpSp>
+        <p:nvGrpSpPr>
+          <p:cNvPr id="5" name="Agrupar 4">
+            <a:extLst>
+              <a:ext uri="{FF2B5EF4-FFF2-40B4-BE49-F238E27FC236}">
+                <a16:creationId xmlns:a16="http://schemas.microsoft.com/office/drawing/2014/main" id="{537E28A4-76FC-4424-8AC9-5814138CE8D1}"/>
+              </a:ext>
+            </a:extLst>
+          </p:cNvPr>
+          <p:cNvGrpSpPr/>
           <p:nvPr/>
-        </p:nvSpPr>
-        <p:spPr>
+        </p:nvGrpSpPr>
+        <p:grpSpPr>
           <a:xfrm>
-            <a:off x="6391161" y="3546342"/>
-            <a:ext cx="1748653" cy="338554"/>
+            <a:off x="6391161" y="2210093"/>
+            <a:ext cx="1863339" cy="1674803"/>
+            <a:chOff x="6391161" y="2210093"/>
+            <a:chExt cx="1863339" cy="1674803"/>
           </a:xfrm>
-          <a:prstGeom prst="rect">
-            <a:avLst/>
-          </a:prstGeom>
-          <a:noFill/>
-        </p:spPr>
-        <p:txBody>
-          <a:bodyPr wrap="square" rtlCol="0">
-            <a:spAutoFit/>
-          </a:bodyPr>
-          <a:lstStyle/>
-          <a:p>
-            <a:pPr algn="ctr"/>
-            <a:r>
-              <a:rPr lang="pt-BR" sz="1600" dirty="0">
-                <a:latin typeface="Arial Rounded MT Bold" panose="020F0704030504030204" pitchFamily="34" charset="0"/>
-              </a:rPr>
-              <a:t>Nossa Equipe</a:t>
-            </a:r>
-          </a:p>
-        </p:txBody>
-      </p:sp>
-      <p:sp>
-        <p:nvSpPr>
-          <p:cNvPr id="104" name="CaixaDeTexto 103"/>
-          <p:cNvSpPr txBox="1"/>
+        </p:grpSpPr>
+        <p:pic>
+          <p:nvPicPr>
+            <p:cNvPr id="1044" name="Picture 20" descr="Fornecedores - Digitalize seu negócio e seja um fornecedor iBench Market"/>
+            <p:cNvPicPr>
+              <a:picLocks noChangeAspect="1" noChangeArrowheads="1"/>
+            </p:cNvPicPr>
+            <p:nvPr/>
+          </p:nvPicPr>
+          <p:blipFill>
+            <a:blip r:embed="rId2" cstate="hqprint">
+              <a:extLst>
+                <a:ext uri="{28A0092B-C50C-407E-A947-70E740481C1C}">
+                  <a14:useLocalDpi xmlns:a14="http://schemas.microsoft.com/office/drawing/2010/main" val="0"/>
+                </a:ext>
+              </a:extLst>
+            </a:blip>
+            <a:srcRect/>
+            <a:stretch>
+              <a:fillRect/>
+            </a:stretch>
+          </p:blipFill>
+          <p:spPr bwMode="auto">
+            <a:xfrm>
+              <a:off x="6445967" y="2210093"/>
+              <a:ext cx="1808533" cy="1237841"/>
+            </a:xfrm>
+            <a:prstGeom prst="rect">
+              <a:avLst/>
+            </a:prstGeom>
+            <a:noFill/>
+            <a:extLst>
+              <a:ext uri="{909E8E84-426E-40DD-AFC4-6F175D3DCCD1}">
+                <a14:hiddenFill xmlns:a14="http://schemas.microsoft.com/office/drawing/2010/main">
+                  <a:solidFill>
+                    <a:srgbClr val="FFFFFF"/>
+                  </a:solidFill>
+                </a14:hiddenFill>
+              </a:ext>
+            </a:extLst>
+          </p:spPr>
+        </p:pic>
+        <p:sp>
+          <p:nvSpPr>
+            <p:cNvPr id="91" name="CaixaDeTexto 90"/>
+            <p:cNvSpPr txBox="1"/>
+            <p:nvPr/>
+          </p:nvSpPr>
+          <p:spPr>
+            <a:xfrm>
+              <a:off x="6391161" y="3546342"/>
+              <a:ext cx="1748653" cy="338554"/>
+            </a:xfrm>
+            <a:prstGeom prst="rect">
+              <a:avLst/>
+            </a:prstGeom>
+            <a:noFill/>
+          </p:spPr>
+          <p:txBody>
+            <a:bodyPr wrap="square" rtlCol="0">
+              <a:spAutoFit/>
+            </a:bodyPr>
+            <a:lstStyle/>
+            <a:p>
+              <a:pPr algn="ctr"/>
+              <a:r>
+                <a:rPr lang="pt-BR" sz="1600" dirty="0">
+                  <a:latin typeface="Arial Rounded MT Bold" panose="020F0704030504030204" pitchFamily="34" charset="0"/>
+                </a:rPr>
+                <a:t>Nossa Equipe</a:t>
+              </a:r>
+            </a:p>
+          </p:txBody>
+        </p:sp>
+      </p:grpSp>
+      <p:grpSp>
+        <p:nvGrpSpPr>
+          <p:cNvPr id="2" name="Agrupar 1">
+            <a:extLst>
+              <a:ext uri="{FF2B5EF4-FFF2-40B4-BE49-F238E27FC236}">
+                <a16:creationId xmlns:a16="http://schemas.microsoft.com/office/drawing/2014/main" id="{FC1031F8-D6A2-47A8-89C7-1B9E878E9906}"/>
+              </a:ext>
+            </a:extLst>
+          </p:cNvPr>
+          <p:cNvGrpSpPr/>
           <p:nvPr/>
-        </p:nvSpPr>
-        <p:spPr>
+        </p:nvGrpSpPr>
+        <p:grpSpPr>
           <a:xfrm>
-            <a:off x="124534" y="3513262"/>
-            <a:ext cx="1748653" cy="338554"/>
+            <a:off x="388089" y="1065438"/>
+            <a:ext cx="2261340" cy="1223912"/>
+            <a:chOff x="388089" y="1065438"/>
+            <a:chExt cx="2261340" cy="1223912"/>
           </a:xfrm>
-          <a:prstGeom prst="rect">
-            <a:avLst/>
-          </a:prstGeom>
-          <a:noFill/>
-        </p:spPr>
-        <p:txBody>
-          <a:bodyPr wrap="square" rtlCol="0">
-            <a:spAutoFit/>
-          </a:bodyPr>
-          <a:lstStyle/>
-          <a:p>
-            <a:pPr algn="ctr"/>
-            <a:r>
-              <a:rPr lang="pt-BR" sz="1600" dirty="0">
-                <a:latin typeface="Arial Rounded MT Bold" panose="020F0704030504030204" pitchFamily="34" charset="0"/>
-              </a:rPr>
-              <a:t>Ônibus Público </a:t>
-            </a:r>
-          </a:p>
-        </p:txBody>
-      </p:sp>
-      <p:sp>
-        <p:nvSpPr>
-          <p:cNvPr id="106" name="CaixaDeTexto 105"/>
-          <p:cNvSpPr txBox="1"/>
+        </p:grpSpPr>
+        <p:pic>
+          <p:nvPicPr>
+            <p:cNvPr id="1038" name="Picture 14" descr="Pessoa Desenho Para Colorir - Ultra Coloring Pages"/>
+            <p:cNvPicPr>
+              <a:picLocks noChangeAspect="1" noChangeArrowheads="1"/>
+            </p:cNvPicPr>
+            <p:nvPr/>
+          </p:nvPicPr>
+          <p:blipFill rotWithShape="1">
+            <a:blip r:embed="rId3" cstate="print">
+              <a:extLst>
+                <a:ext uri="{28A0092B-C50C-407E-A947-70E740481C1C}">
+                  <a14:useLocalDpi xmlns:a14="http://schemas.microsoft.com/office/drawing/2010/main" val="0"/>
+                </a:ext>
+              </a:extLst>
+            </a:blip>
+            <a:srcRect l="28320" t="21561" r="26581" b="22289"/>
+            <a:stretch/>
+          </p:blipFill>
+          <p:spPr bwMode="auto">
+            <a:xfrm>
+              <a:off x="388089" y="1065438"/>
+              <a:ext cx="983009" cy="1223912"/>
+            </a:xfrm>
+            <a:prstGeom prst="rect">
+              <a:avLst/>
+            </a:prstGeom>
+            <a:noFill/>
+            <a:extLst>
+              <a:ext uri="{909E8E84-426E-40DD-AFC4-6F175D3DCCD1}">
+                <a14:hiddenFill xmlns:a14="http://schemas.microsoft.com/office/drawing/2010/main">
+                  <a:solidFill>
+                    <a:srgbClr val="FFFFFF"/>
+                  </a:solidFill>
+                </a14:hiddenFill>
+              </a:ext>
+            </a:extLst>
+          </p:spPr>
+        </p:pic>
+        <p:sp>
+          <p:nvSpPr>
+            <p:cNvPr id="106" name="CaixaDeTexto 105"/>
+            <p:cNvSpPr txBox="1"/>
+            <p:nvPr/>
+          </p:nvSpPr>
+          <p:spPr>
+            <a:xfrm>
+              <a:off x="900776" y="1579385"/>
+              <a:ext cx="1748653" cy="338554"/>
+            </a:xfrm>
+            <a:prstGeom prst="rect">
+              <a:avLst/>
+            </a:prstGeom>
+            <a:noFill/>
+          </p:spPr>
+          <p:txBody>
+            <a:bodyPr wrap="square" rtlCol="0">
+              <a:spAutoFit/>
+            </a:bodyPr>
+            <a:lstStyle/>
+            <a:p>
+              <a:pPr algn="ctr"/>
+              <a:r>
+                <a:rPr lang="pt-BR" sz="1600" dirty="0">
+                  <a:latin typeface="Arial Rounded MT Bold" panose="020F0704030504030204" pitchFamily="34" charset="0"/>
+                </a:rPr>
+                <a:t>Passageiro</a:t>
+              </a:r>
+            </a:p>
+          </p:txBody>
+        </p:sp>
+      </p:grpSp>
+      <p:grpSp>
+        <p:nvGrpSpPr>
+          <p:cNvPr id="3" name="Agrupar 2">
+            <a:extLst>
+              <a:ext uri="{FF2B5EF4-FFF2-40B4-BE49-F238E27FC236}">
+                <a16:creationId xmlns:a16="http://schemas.microsoft.com/office/drawing/2014/main" id="{E721D95A-4DA5-4EFA-A023-C0727ABCBF0F}"/>
+              </a:ext>
+            </a:extLst>
+          </p:cNvPr>
+          <p:cNvGrpSpPr/>
           <p:nvPr/>
-        </p:nvSpPr>
-        <p:spPr>
+        </p:nvGrpSpPr>
+        <p:grpSpPr>
           <a:xfrm>
-            <a:off x="900776" y="1579385"/>
-            <a:ext cx="1748653" cy="338554"/>
+            <a:off x="2983927" y="2664893"/>
+            <a:ext cx="2345051" cy="1002267"/>
+            <a:chOff x="2983927" y="2664893"/>
+            <a:chExt cx="2345051" cy="1002267"/>
           </a:xfrm>
-          <a:prstGeom prst="rect">
-            <a:avLst/>
-          </a:prstGeom>
-          <a:noFill/>
-        </p:spPr>
-        <p:txBody>
-          <a:bodyPr wrap="square" rtlCol="0">
-            <a:spAutoFit/>
-          </a:bodyPr>
-          <a:lstStyle/>
-          <a:p>
-            <a:pPr algn="ctr"/>
-            <a:r>
-              <a:rPr lang="pt-BR" sz="1600" dirty="0">
-                <a:latin typeface="Arial Rounded MT Bold" panose="020F0704030504030204" pitchFamily="34" charset="0"/>
-              </a:rPr>
-              <a:t>Passageiro</a:t>
-            </a:r>
-          </a:p>
-        </p:txBody>
-      </p:sp>
-      <p:sp>
-        <p:nvSpPr>
-          <p:cNvPr id="107" name="CaixaDeTexto 106"/>
-          <p:cNvSpPr txBox="1">
-            <a:spLocks noChangeAspect="1"/>
-          </p:cNvSpPr>
+        </p:grpSpPr>
+        <p:pic>
+          <p:nvPicPr>
+            <p:cNvPr id="1026" name="Picture 2" descr="Estilo, pessoas, ícone, sensor, movimento, esboço. Ícone, pessoas, desenho,  icon., fundo, teia, isolado, movimento, sensor, | CanStock"/>
+            <p:cNvPicPr>
+              <a:picLocks noChangeAspect="1" noChangeArrowheads="1"/>
+            </p:cNvPicPr>
+            <p:nvPr/>
+          </p:nvPicPr>
+          <p:blipFill rotWithShape="1">
+            <a:blip r:embed="rId4">
+              <a:extLst>
+                <a:ext uri="{28A0092B-C50C-407E-A947-70E740481C1C}">
+                  <a14:useLocalDpi xmlns:a14="http://schemas.microsoft.com/office/drawing/2010/main" val="0"/>
+                </a:ext>
+              </a:extLst>
+            </a:blip>
+            <a:srcRect b="7697"/>
+            <a:stretch/>
+          </p:blipFill>
+          <p:spPr bwMode="auto">
+            <a:xfrm>
+              <a:off x="2983927" y="2664893"/>
+              <a:ext cx="1024739" cy="1002267"/>
+            </a:xfrm>
+            <a:prstGeom prst="rect">
+              <a:avLst/>
+            </a:prstGeom>
+            <a:noFill/>
+            <a:extLst>
+              <a:ext uri="{909E8E84-426E-40DD-AFC4-6F175D3DCCD1}">
+                <a14:hiddenFill xmlns:a14="http://schemas.microsoft.com/office/drawing/2010/main">
+                  <a:solidFill>
+                    <a:srgbClr val="FFFFFF"/>
+                  </a:solidFill>
+                </a14:hiddenFill>
+              </a:ext>
+            </a:extLst>
+          </p:spPr>
+        </p:pic>
+        <p:sp>
+          <p:nvSpPr>
+            <p:cNvPr id="107" name="CaixaDeTexto 106"/>
+            <p:cNvSpPr txBox="1">
+              <a:spLocks noChangeAspect="1"/>
+            </p:cNvSpPr>
+            <p:nvPr/>
+          </p:nvSpPr>
+          <p:spPr>
+            <a:xfrm>
+              <a:off x="3580326" y="3073959"/>
+              <a:ext cx="1748652" cy="338554"/>
+            </a:xfrm>
+            <a:prstGeom prst="rect">
+              <a:avLst/>
+            </a:prstGeom>
+            <a:noFill/>
+          </p:spPr>
+          <p:txBody>
+            <a:bodyPr wrap="square" rtlCol="0">
+              <a:spAutoFit/>
+            </a:bodyPr>
+            <a:lstStyle/>
+            <a:p>
+              <a:pPr algn="ctr"/>
+              <a:r>
+                <a:rPr lang="pt-BR" sz="1600" dirty="0">
+                  <a:latin typeface="Arial Rounded MT Bold" panose="020F0704030504030204" pitchFamily="34" charset="0"/>
+                </a:rPr>
+                <a:t>Passageiro</a:t>
+              </a:r>
+            </a:p>
+          </p:txBody>
+        </p:sp>
+      </p:grpSp>
+      <p:grpSp>
+        <p:nvGrpSpPr>
+          <p:cNvPr id="4" name="Agrupar 3">
+            <a:extLst>
+              <a:ext uri="{FF2B5EF4-FFF2-40B4-BE49-F238E27FC236}">
+                <a16:creationId xmlns:a16="http://schemas.microsoft.com/office/drawing/2014/main" id="{94982754-3DA2-442E-A739-761F70774CC2}"/>
+              </a:ext>
+            </a:extLst>
+          </p:cNvPr>
+          <p:cNvGrpSpPr/>
           <p:nvPr/>
-        </p:nvSpPr>
-        <p:spPr>
+        </p:nvGrpSpPr>
+        <p:grpSpPr>
           <a:xfrm>
-            <a:off x="3580326" y="3073959"/>
-            <a:ext cx="1748652" cy="338554"/>
+            <a:off x="2469042" y="5142856"/>
+            <a:ext cx="1748653" cy="1416421"/>
+            <a:chOff x="2469042" y="5142856"/>
+            <a:chExt cx="1748653" cy="1416421"/>
           </a:xfrm>
-          <a:prstGeom prst="rect">
-            <a:avLst/>
-          </a:prstGeom>
-          <a:noFill/>
-        </p:spPr>
-        <p:txBody>
-          <a:bodyPr wrap="square" rtlCol="0">
-            <a:spAutoFit/>
-          </a:bodyPr>
-          <a:lstStyle/>
-          <a:p>
-            <a:pPr algn="ctr"/>
-            <a:r>
-              <a:rPr lang="pt-BR" sz="1600" dirty="0">
-                <a:latin typeface="Arial Rounded MT Bold" panose="020F0704030504030204" pitchFamily="34" charset="0"/>
-              </a:rPr>
-              <a:t>Passageiro</a:t>
-            </a:r>
-          </a:p>
-        </p:txBody>
-      </p:sp>
-      <p:sp>
-        <p:nvSpPr>
-          <p:cNvPr id="108" name="CaixaDeTexto 107"/>
-          <p:cNvSpPr txBox="1"/>
+        </p:grpSpPr>
+        <p:pic>
+          <p:nvPicPr>
+            <p:cNvPr id="1040" name="Picture 16" descr="Modem Desenho Para Colorir - Ultra Coloring Pages"/>
+            <p:cNvPicPr>
+              <a:picLocks noChangeAspect="1" noChangeArrowheads="1"/>
+            </p:cNvPicPr>
+            <p:nvPr/>
+          </p:nvPicPr>
+          <p:blipFill>
+            <a:blip r:embed="rId5" cstate="print">
+              <a:extLst>
+                <a:ext uri="{28A0092B-C50C-407E-A947-70E740481C1C}">
+                  <a14:useLocalDpi xmlns:a14="http://schemas.microsoft.com/office/drawing/2010/main" val="0"/>
+                </a:ext>
+              </a:extLst>
+            </a:blip>
+            <a:srcRect/>
+            <a:stretch>
+              <a:fillRect/>
+            </a:stretch>
+          </p:blipFill>
+          <p:spPr bwMode="auto">
+            <a:xfrm>
+              <a:off x="2839549" y="5142856"/>
+              <a:ext cx="1024739" cy="1018589"/>
+            </a:xfrm>
+            <a:prstGeom prst="rect">
+              <a:avLst/>
+            </a:prstGeom>
+            <a:noFill/>
+            <a:extLst>
+              <a:ext uri="{909E8E84-426E-40DD-AFC4-6F175D3DCCD1}">
+                <a14:hiddenFill xmlns:a14="http://schemas.microsoft.com/office/drawing/2010/main">
+                  <a:solidFill>
+                    <a:srgbClr val="FFFFFF"/>
+                  </a:solidFill>
+                </a14:hiddenFill>
+              </a:ext>
+            </a:extLst>
+          </p:spPr>
+        </p:pic>
+        <p:sp>
+          <p:nvSpPr>
+            <p:cNvPr id="108" name="CaixaDeTexto 107"/>
+            <p:cNvSpPr txBox="1"/>
+            <p:nvPr/>
+          </p:nvSpPr>
+          <p:spPr>
+            <a:xfrm>
+              <a:off x="2469042" y="6220723"/>
+              <a:ext cx="1748653" cy="338554"/>
+            </a:xfrm>
+            <a:prstGeom prst="rect">
+              <a:avLst/>
+            </a:prstGeom>
+            <a:noFill/>
+          </p:spPr>
+          <p:txBody>
+            <a:bodyPr wrap="square" rtlCol="0">
+              <a:spAutoFit/>
+            </a:bodyPr>
+            <a:lstStyle/>
+            <a:p>
+              <a:pPr algn="ctr"/>
+              <a:r>
+                <a:rPr lang="pt-BR" sz="1600" dirty="0">
+                  <a:latin typeface="Arial Rounded MT Bold" panose="020F0704030504030204" pitchFamily="34" charset="0"/>
+                </a:rPr>
+                <a:t>Internet</a:t>
+              </a:r>
+            </a:p>
+          </p:txBody>
+        </p:sp>
+      </p:grpSp>
+      <p:grpSp>
+        <p:nvGrpSpPr>
+          <p:cNvPr id="6" name="Agrupar 5">
+            <a:extLst>
+              <a:ext uri="{FF2B5EF4-FFF2-40B4-BE49-F238E27FC236}">
+                <a16:creationId xmlns:a16="http://schemas.microsoft.com/office/drawing/2014/main" id="{8A59A6EE-D91E-4328-B77B-F20E8EF3DEBB}"/>
+              </a:ext>
+            </a:extLst>
+          </p:cNvPr>
+          <p:cNvGrpSpPr/>
           <p:nvPr/>
-        </p:nvSpPr>
-        <p:spPr>
+        </p:nvGrpSpPr>
+        <p:grpSpPr>
           <a:xfrm>
-            <a:off x="2469042" y="6220723"/>
-            <a:ext cx="1748653" cy="338554"/>
+            <a:off x="5538947" y="4958869"/>
+            <a:ext cx="1957159" cy="1778621"/>
+            <a:chOff x="5538947" y="4958869"/>
+            <a:chExt cx="1957159" cy="1778621"/>
           </a:xfrm>
-          <a:prstGeom prst="rect">
-            <a:avLst/>
-          </a:prstGeom>
-          <a:noFill/>
-        </p:spPr>
-        <p:txBody>
-          <a:bodyPr wrap="square" rtlCol="0">
-            <a:spAutoFit/>
-          </a:bodyPr>
-          <a:lstStyle/>
-          <a:p>
-            <a:pPr algn="ctr"/>
-            <a:r>
-              <a:rPr lang="pt-BR" sz="1600" dirty="0">
-                <a:latin typeface="Arial Rounded MT Bold" panose="020F0704030504030204" pitchFamily="34" charset="0"/>
-              </a:rPr>
-              <a:t>Internet</a:t>
-            </a:r>
-          </a:p>
-        </p:txBody>
-      </p:sp>
-      <p:sp>
-        <p:nvSpPr>
-          <p:cNvPr id="109" name="CaixaDeTexto 108"/>
-          <p:cNvSpPr txBox="1"/>
-          <p:nvPr/>
-        </p:nvSpPr>
-        <p:spPr>
-          <a:xfrm>
-            <a:off x="5538947" y="6152715"/>
-            <a:ext cx="1957159" cy="584775"/>
-          </a:xfrm>
-          <a:prstGeom prst="rect">
-            <a:avLst/>
-          </a:prstGeom>
-          <a:noFill/>
-        </p:spPr>
-        <p:txBody>
-          <a:bodyPr wrap="square" lIns="91440" tIns="45720" rIns="91440" bIns="45720" rtlCol="0" anchor="t">
-            <a:spAutoFit/>
-          </a:bodyPr>
-          <a:lstStyle/>
-          <a:p>
-            <a:pPr algn="ctr"/>
-            <a:r>
-              <a:rPr lang="pt-BR" sz="1600" dirty="0">
-                <a:latin typeface="Arial Rounded MT Bold"/>
-              </a:rPr>
-              <a:t>Infraestrutura e Banco de Dados</a:t>
-            </a:r>
-          </a:p>
-        </p:txBody>
-      </p:sp>
+        </p:grpSpPr>
+        <p:pic>
+          <p:nvPicPr>
+            <p:cNvPr id="1042" name="Picture 18" descr="Banco De Dados Da Nuvem Desenho Para Colorir - Ultra Coloring Pages"/>
+            <p:cNvPicPr>
+              <a:picLocks noChangeAspect="1" noChangeArrowheads="1"/>
+            </p:cNvPicPr>
+            <p:nvPr/>
+          </p:nvPicPr>
+          <p:blipFill>
+            <a:blip r:embed="rId6" cstate="print">
+              <a:extLst>
+                <a:ext uri="{28A0092B-C50C-407E-A947-70E740481C1C}">
+                  <a14:useLocalDpi xmlns:a14="http://schemas.microsoft.com/office/drawing/2010/main" val="0"/>
+                </a:ext>
+              </a:extLst>
+            </a:blip>
+            <a:srcRect/>
+            <a:stretch>
+              <a:fillRect/>
+            </a:stretch>
+          </p:blipFill>
+          <p:spPr bwMode="auto">
+            <a:xfrm>
+              <a:off x="5812880" y="4958869"/>
+              <a:ext cx="1409295" cy="1409295"/>
+            </a:xfrm>
+            <a:prstGeom prst="rect">
+              <a:avLst/>
+            </a:prstGeom>
+            <a:noFill/>
+            <a:extLst>
+              <a:ext uri="{909E8E84-426E-40DD-AFC4-6F175D3DCCD1}">
+                <a14:hiddenFill xmlns:a14="http://schemas.microsoft.com/office/drawing/2010/main">
+                  <a:solidFill>
+                    <a:srgbClr val="FFFFFF"/>
+                  </a:solidFill>
+                </a14:hiddenFill>
+              </a:ext>
+            </a:extLst>
+          </p:spPr>
+        </p:pic>
+        <p:sp>
+          <p:nvSpPr>
+            <p:cNvPr id="109" name="CaixaDeTexto 108"/>
+            <p:cNvSpPr txBox="1"/>
+            <p:nvPr/>
+          </p:nvSpPr>
+          <p:spPr>
+            <a:xfrm>
+              <a:off x="5538947" y="6152715"/>
+              <a:ext cx="1957159" cy="584775"/>
+            </a:xfrm>
+            <a:prstGeom prst="rect">
+              <a:avLst/>
+            </a:prstGeom>
+            <a:noFill/>
+          </p:spPr>
+          <p:txBody>
+            <a:bodyPr wrap="square" lIns="91440" tIns="45720" rIns="91440" bIns="45720" rtlCol="0" anchor="t">
+              <a:spAutoFit/>
+            </a:bodyPr>
+            <a:lstStyle/>
+            <a:p>
+              <a:pPr algn="ctr"/>
+              <a:r>
+                <a:rPr lang="pt-BR" sz="1600" dirty="0">
+                  <a:latin typeface="Arial Rounded MT Bold"/>
+                </a:rPr>
+                <a:t>Infraestrutura e Banco de Dados</a:t>
+              </a:r>
+            </a:p>
+          </p:txBody>
+        </p:sp>
+      </p:grpSp>
       <p:grpSp>
         <p:nvGrpSpPr>
           <p:cNvPr id="111" name="Agrupar 110"/>
@@ -25564,42 +26631,95 @@
           </a:p>
         </p:txBody>
       </p:sp>
-      <p:pic>
-        <p:nvPicPr>
-          <p:cNvPr id="16" name="Imagem 15">
+      <p:grpSp>
+        <p:nvGrpSpPr>
+          <p:cNvPr id="7" name="Agrupar 6">
             <a:extLst>
               <a:ext uri="{FF2B5EF4-FFF2-40B4-BE49-F238E27FC236}">
-                <a16:creationId xmlns:a16="http://schemas.microsoft.com/office/drawing/2014/main" id="{DAF881AF-8425-45C0-AFE7-9AA327F14831}"/>
+                <a16:creationId xmlns:a16="http://schemas.microsoft.com/office/drawing/2014/main" id="{75F9A80D-3AAD-408C-8BE8-E33E7CBEF7BB}"/>
               </a:ext>
             </a:extLst>
           </p:cNvPr>
-          <p:cNvPicPr>
-            <a:picLocks noChangeAspect="1"/>
-          </p:cNvPicPr>
+          <p:cNvGrpSpPr/>
           <p:nvPr/>
-        </p:nvPicPr>
-        <p:blipFill>
-          <a:blip r:embed="rId9">
-            <a:extLst>
-              <a:ext uri="{28A0092B-C50C-407E-A947-70E740481C1C}">
-                <a14:useLocalDpi xmlns:a14="http://schemas.microsoft.com/office/drawing/2010/main" val="0"/>
-              </a:ext>
-            </a:extLst>
-          </a:blip>
-          <a:stretch>
-            <a:fillRect/>
-          </a:stretch>
-        </p:blipFill>
-        <p:spPr>
+        </p:nvGrpSpPr>
+        <p:grpSpPr>
           <a:xfrm>
             <a:off x="43505" y="2592538"/>
-            <a:ext cx="2055003" cy="1146978"/>
+            <a:ext cx="2055003" cy="1259278"/>
+            <a:chOff x="43505" y="2592538"/>
+            <a:chExt cx="2055003" cy="1259278"/>
           </a:xfrm>
-          <a:prstGeom prst="rect">
-            <a:avLst/>
-          </a:prstGeom>
-        </p:spPr>
-      </p:pic>
+        </p:grpSpPr>
+        <p:sp>
+          <p:nvSpPr>
+            <p:cNvPr id="104" name="CaixaDeTexto 103"/>
+            <p:cNvSpPr txBox="1"/>
+            <p:nvPr/>
+          </p:nvSpPr>
+          <p:spPr>
+            <a:xfrm>
+              <a:off x="124534" y="3513262"/>
+              <a:ext cx="1748653" cy="338554"/>
+            </a:xfrm>
+            <a:prstGeom prst="rect">
+              <a:avLst/>
+            </a:prstGeom>
+            <a:noFill/>
+          </p:spPr>
+          <p:txBody>
+            <a:bodyPr wrap="square" rtlCol="0">
+              <a:spAutoFit/>
+            </a:bodyPr>
+            <a:lstStyle/>
+            <a:p>
+              <a:pPr algn="ctr"/>
+              <a:r>
+                <a:rPr lang="pt-BR" sz="1600" dirty="0">
+                  <a:latin typeface="Arial Rounded MT Bold" panose="020F0704030504030204" pitchFamily="34" charset="0"/>
+                </a:rPr>
+                <a:t>Ônibus Público </a:t>
+              </a:r>
+            </a:p>
+          </p:txBody>
+        </p:sp>
+        <p:pic>
+          <p:nvPicPr>
+            <p:cNvPr id="16" name="Imagem 15">
+              <a:extLst>
+                <a:ext uri="{FF2B5EF4-FFF2-40B4-BE49-F238E27FC236}">
+                  <a16:creationId xmlns:a16="http://schemas.microsoft.com/office/drawing/2014/main" id="{DAF881AF-8425-45C0-AFE7-9AA327F14831}"/>
+                </a:ext>
+              </a:extLst>
+            </p:cNvPr>
+            <p:cNvPicPr>
+              <a:picLocks noChangeAspect="1"/>
+            </p:cNvPicPr>
+            <p:nvPr/>
+          </p:nvPicPr>
+          <p:blipFill>
+            <a:blip r:embed="rId9">
+              <a:extLst>
+                <a:ext uri="{28A0092B-C50C-407E-A947-70E740481C1C}">
+                  <a14:useLocalDpi xmlns:a14="http://schemas.microsoft.com/office/drawing/2010/main" val="0"/>
+                </a:ext>
+              </a:extLst>
+            </a:blip>
+            <a:stretch>
+              <a:fillRect/>
+            </a:stretch>
+          </p:blipFill>
+          <p:spPr>
+            <a:xfrm>
+              <a:off x="43505" y="2592538"/>
+              <a:ext cx="2055003" cy="1146978"/>
+            </a:xfrm>
+            <a:prstGeom prst="rect">
+              <a:avLst/>
+            </a:prstGeom>
+          </p:spPr>
+        </p:pic>
+      </p:grpSp>
       <p:cxnSp>
         <p:nvCxnSpPr>
           <p:cNvPr id="58" name="Conector de Seta Reta 57">
@@ -25661,7 +26781,762 @@
   <p:timing>
     <p:tnLst>
       <p:par>
-        <p:cTn id="1" dur="indefinite" restart="never" nodeType="tmRoot"/>
+        <p:cTn id="1" dur="indefinite" restart="never" nodeType="tmRoot">
+          <p:childTnLst>
+            <p:seq concurrent="1" nextAc="seek">
+              <p:cTn id="2" dur="indefinite" nodeType="mainSeq">
+                <p:childTnLst>
+                  <p:par>
+                    <p:cTn id="3" fill="hold">
+                      <p:stCondLst>
+                        <p:cond delay="indefinite"/>
+                      </p:stCondLst>
+                      <p:childTnLst>
+                        <p:par>
+                          <p:cTn id="4" fill="hold">
+                            <p:stCondLst>
+                              <p:cond delay="0"/>
+                            </p:stCondLst>
+                            <p:childTnLst>
+                              <p:par>
+                                <p:cTn id="5" presetID="10" presetClass="entr" presetSubtype="0" fill="hold" nodeType="clickEffect">
+                                  <p:stCondLst>
+                                    <p:cond delay="0"/>
+                                  </p:stCondLst>
+                                  <p:childTnLst>
+                                    <p:set>
+                                      <p:cBhvr>
+                                        <p:cTn id="6" dur="1" fill="hold">
+                                          <p:stCondLst>
+                                            <p:cond delay="0"/>
+                                          </p:stCondLst>
+                                        </p:cTn>
+                                        <p:tgtEl>
+                                          <p:spTgt spid="2"/>
+                                        </p:tgtEl>
+                                        <p:attrNameLst>
+                                          <p:attrName>style.visibility</p:attrName>
+                                        </p:attrNameLst>
+                                      </p:cBhvr>
+                                      <p:to>
+                                        <p:strVal val="visible"/>
+                                      </p:to>
+                                    </p:set>
+                                    <p:animEffect transition="in" filter="fade">
+                                      <p:cBhvr>
+                                        <p:cTn id="7" dur="500"/>
+                                        <p:tgtEl>
+                                          <p:spTgt spid="2"/>
+                                        </p:tgtEl>
+                                      </p:cBhvr>
+                                    </p:animEffect>
+                                  </p:childTnLst>
+                                </p:cTn>
+                              </p:par>
+                            </p:childTnLst>
+                          </p:cTn>
+                        </p:par>
+                      </p:childTnLst>
+                    </p:cTn>
+                  </p:par>
+                  <p:par>
+                    <p:cTn id="8" fill="hold">
+                      <p:stCondLst>
+                        <p:cond delay="indefinite"/>
+                      </p:stCondLst>
+                      <p:childTnLst>
+                        <p:par>
+                          <p:cTn id="9" fill="hold">
+                            <p:stCondLst>
+                              <p:cond delay="0"/>
+                            </p:stCondLst>
+                            <p:childTnLst>
+                              <p:par>
+                                <p:cTn id="10" presetID="10" presetClass="entr" presetSubtype="0" fill="hold" nodeType="clickEffect">
+                                  <p:stCondLst>
+                                    <p:cond delay="0"/>
+                                  </p:stCondLst>
+                                  <p:childTnLst>
+                                    <p:set>
+                                      <p:cBhvr>
+                                        <p:cTn id="11" dur="1" fill="hold">
+                                          <p:stCondLst>
+                                            <p:cond delay="0"/>
+                                          </p:stCondLst>
+                                        </p:cTn>
+                                        <p:tgtEl>
+                                          <p:spTgt spid="8"/>
+                                        </p:tgtEl>
+                                        <p:attrNameLst>
+                                          <p:attrName>style.visibility</p:attrName>
+                                        </p:attrNameLst>
+                                      </p:cBhvr>
+                                      <p:to>
+                                        <p:strVal val="visible"/>
+                                      </p:to>
+                                    </p:set>
+                                    <p:animEffect transition="in" filter="fade">
+                                      <p:cBhvr>
+                                        <p:cTn id="12" dur="500"/>
+                                        <p:tgtEl>
+                                          <p:spTgt spid="8"/>
+                                        </p:tgtEl>
+                                      </p:cBhvr>
+                                    </p:animEffect>
+                                  </p:childTnLst>
+                                </p:cTn>
+                              </p:par>
+                            </p:childTnLst>
+                          </p:cTn>
+                        </p:par>
+                        <p:par>
+                          <p:cTn id="13" fill="hold">
+                            <p:stCondLst>
+                              <p:cond delay="500"/>
+                            </p:stCondLst>
+                            <p:childTnLst>
+                              <p:par>
+                                <p:cTn id="14" presetID="10" presetClass="entr" presetSubtype="0" fill="hold" nodeType="afterEffect">
+                                  <p:stCondLst>
+                                    <p:cond delay="0"/>
+                                  </p:stCondLst>
+                                  <p:childTnLst>
+                                    <p:set>
+                                      <p:cBhvr>
+                                        <p:cTn id="15" dur="1" fill="hold">
+                                          <p:stCondLst>
+                                            <p:cond delay="0"/>
+                                          </p:stCondLst>
+                                        </p:cTn>
+                                        <p:tgtEl>
+                                          <p:spTgt spid="7"/>
+                                        </p:tgtEl>
+                                        <p:attrNameLst>
+                                          <p:attrName>style.visibility</p:attrName>
+                                        </p:attrNameLst>
+                                      </p:cBhvr>
+                                      <p:to>
+                                        <p:strVal val="visible"/>
+                                      </p:to>
+                                    </p:set>
+                                    <p:animEffect transition="in" filter="fade">
+                                      <p:cBhvr>
+                                        <p:cTn id="16" dur="500"/>
+                                        <p:tgtEl>
+                                          <p:spTgt spid="7"/>
+                                        </p:tgtEl>
+                                      </p:cBhvr>
+                                    </p:animEffect>
+                                  </p:childTnLst>
+                                </p:cTn>
+                              </p:par>
+                            </p:childTnLst>
+                          </p:cTn>
+                        </p:par>
+                      </p:childTnLst>
+                    </p:cTn>
+                  </p:par>
+                  <p:par>
+                    <p:cTn id="17" fill="hold">
+                      <p:stCondLst>
+                        <p:cond delay="indefinite"/>
+                      </p:stCondLst>
+                      <p:childTnLst>
+                        <p:par>
+                          <p:cTn id="18" fill="hold">
+                            <p:stCondLst>
+                              <p:cond delay="0"/>
+                            </p:stCondLst>
+                            <p:childTnLst>
+                              <p:par>
+                                <p:cTn id="19" presetID="10" presetClass="entr" presetSubtype="0" fill="hold" nodeType="clickEffect">
+                                  <p:stCondLst>
+                                    <p:cond delay="0"/>
+                                  </p:stCondLst>
+                                  <p:childTnLst>
+                                    <p:set>
+                                      <p:cBhvr>
+                                        <p:cTn id="20" dur="1" fill="hold">
+                                          <p:stCondLst>
+                                            <p:cond delay="0"/>
+                                          </p:stCondLst>
+                                        </p:cTn>
+                                        <p:tgtEl>
+                                          <p:spTgt spid="10"/>
+                                        </p:tgtEl>
+                                        <p:attrNameLst>
+                                          <p:attrName>style.visibility</p:attrName>
+                                        </p:attrNameLst>
+                                      </p:cBhvr>
+                                      <p:to>
+                                        <p:strVal val="visible"/>
+                                      </p:to>
+                                    </p:set>
+                                    <p:animEffect transition="in" filter="fade">
+                                      <p:cBhvr>
+                                        <p:cTn id="21" dur="500"/>
+                                        <p:tgtEl>
+                                          <p:spTgt spid="10"/>
+                                        </p:tgtEl>
+                                      </p:cBhvr>
+                                    </p:animEffect>
+                                  </p:childTnLst>
+                                </p:cTn>
+                              </p:par>
+                            </p:childTnLst>
+                          </p:cTn>
+                        </p:par>
+                        <p:par>
+                          <p:cTn id="22" fill="hold">
+                            <p:stCondLst>
+                              <p:cond delay="500"/>
+                            </p:stCondLst>
+                            <p:childTnLst>
+                              <p:par>
+                                <p:cTn id="23" presetID="10" presetClass="entr" presetSubtype="0" fill="hold" nodeType="afterEffect">
+                                  <p:stCondLst>
+                                    <p:cond delay="0"/>
+                                  </p:stCondLst>
+                                  <p:childTnLst>
+                                    <p:set>
+                                      <p:cBhvr>
+                                        <p:cTn id="24" dur="1" fill="hold">
+                                          <p:stCondLst>
+                                            <p:cond delay="0"/>
+                                          </p:stCondLst>
+                                        </p:cTn>
+                                        <p:tgtEl>
+                                          <p:spTgt spid="3"/>
+                                        </p:tgtEl>
+                                        <p:attrNameLst>
+                                          <p:attrName>style.visibility</p:attrName>
+                                        </p:attrNameLst>
+                                      </p:cBhvr>
+                                      <p:to>
+                                        <p:strVal val="visible"/>
+                                      </p:to>
+                                    </p:set>
+                                    <p:animEffect transition="in" filter="fade">
+                                      <p:cBhvr>
+                                        <p:cTn id="25" dur="500"/>
+                                        <p:tgtEl>
+                                          <p:spTgt spid="3"/>
+                                        </p:tgtEl>
+                                      </p:cBhvr>
+                                    </p:animEffect>
+                                  </p:childTnLst>
+                                </p:cTn>
+                              </p:par>
+                            </p:childTnLst>
+                          </p:cTn>
+                        </p:par>
+                      </p:childTnLst>
+                    </p:cTn>
+                  </p:par>
+                  <p:par>
+                    <p:cTn id="26" fill="hold">
+                      <p:stCondLst>
+                        <p:cond delay="indefinite"/>
+                      </p:stCondLst>
+                      <p:childTnLst>
+                        <p:par>
+                          <p:cTn id="27" fill="hold">
+                            <p:stCondLst>
+                              <p:cond delay="0"/>
+                            </p:stCondLst>
+                            <p:childTnLst>
+                              <p:par>
+                                <p:cTn id="28" presetID="10" presetClass="entr" presetSubtype="0" fill="hold" nodeType="clickEffect">
+                                  <p:stCondLst>
+                                    <p:cond delay="0"/>
+                                  </p:stCondLst>
+                                  <p:childTnLst>
+                                    <p:set>
+                                      <p:cBhvr>
+                                        <p:cTn id="29" dur="1" fill="hold">
+                                          <p:stCondLst>
+                                            <p:cond delay="0"/>
+                                          </p:stCondLst>
+                                        </p:cTn>
+                                        <p:tgtEl>
+                                          <p:spTgt spid="41"/>
+                                        </p:tgtEl>
+                                        <p:attrNameLst>
+                                          <p:attrName>style.visibility</p:attrName>
+                                        </p:attrNameLst>
+                                      </p:cBhvr>
+                                      <p:to>
+                                        <p:strVal val="visible"/>
+                                      </p:to>
+                                    </p:set>
+                                    <p:animEffect transition="in" filter="fade">
+                                      <p:cBhvr>
+                                        <p:cTn id="30" dur="500"/>
+                                        <p:tgtEl>
+                                          <p:spTgt spid="41"/>
+                                        </p:tgtEl>
+                                      </p:cBhvr>
+                                    </p:animEffect>
+                                  </p:childTnLst>
+                                </p:cTn>
+                              </p:par>
+                            </p:childTnLst>
+                          </p:cTn>
+                        </p:par>
+                        <p:par>
+                          <p:cTn id="31" fill="hold">
+                            <p:stCondLst>
+                              <p:cond delay="500"/>
+                            </p:stCondLst>
+                            <p:childTnLst>
+                              <p:par>
+                                <p:cTn id="32" presetID="10" presetClass="entr" presetSubtype="0" fill="hold" nodeType="afterEffect">
+                                  <p:stCondLst>
+                                    <p:cond delay="0"/>
+                                  </p:stCondLst>
+                                  <p:childTnLst>
+                                    <p:set>
+                                      <p:cBhvr>
+                                        <p:cTn id="33" dur="1" fill="hold">
+                                          <p:stCondLst>
+                                            <p:cond delay="0"/>
+                                          </p:stCondLst>
+                                        </p:cTn>
+                                        <p:tgtEl>
+                                          <p:spTgt spid="4"/>
+                                        </p:tgtEl>
+                                        <p:attrNameLst>
+                                          <p:attrName>style.visibility</p:attrName>
+                                        </p:attrNameLst>
+                                      </p:cBhvr>
+                                      <p:to>
+                                        <p:strVal val="visible"/>
+                                      </p:to>
+                                    </p:set>
+                                    <p:animEffect transition="in" filter="fade">
+                                      <p:cBhvr>
+                                        <p:cTn id="34" dur="500"/>
+                                        <p:tgtEl>
+                                          <p:spTgt spid="4"/>
+                                        </p:tgtEl>
+                                      </p:cBhvr>
+                                    </p:animEffect>
+                                  </p:childTnLst>
+                                </p:cTn>
+                              </p:par>
+                            </p:childTnLst>
+                          </p:cTn>
+                        </p:par>
+                      </p:childTnLst>
+                    </p:cTn>
+                  </p:par>
+                  <p:par>
+                    <p:cTn id="35" fill="hold">
+                      <p:stCondLst>
+                        <p:cond delay="indefinite"/>
+                      </p:stCondLst>
+                      <p:childTnLst>
+                        <p:par>
+                          <p:cTn id="36" fill="hold">
+                            <p:stCondLst>
+                              <p:cond delay="0"/>
+                            </p:stCondLst>
+                            <p:childTnLst>
+                              <p:par>
+                                <p:cTn id="37" presetID="10" presetClass="entr" presetSubtype="0" fill="hold" nodeType="clickEffect">
+                                  <p:stCondLst>
+                                    <p:cond delay="0"/>
+                                  </p:stCondLst>
+                                  <p:childTnLst>
+                                    <p:set>
+                                      <p:cBhvr>
+                                        <p:cTn id="38" dur="1" fill="hold">
+                                          <p:stCondLst>
+                                            <p:cond delay="0"/>
+                                          </p:stCondLst>
+                                        </p:cTn>
+                                        <p:tgtEl>
+                                          <p:spTgt spid="36"/>
+                                        </p:tgtEl>
+                                        <p:attrNameLst>
+                                          <p:attrName>style.visibility</p:attrName>
+                                        </p:attrNameLst>
+                                      </p:cBhvr>
+                                      <p:to>
+                                        <p:strVal val="visible"/>
+                                      </p:to>
+                                    </p:set>
+                                    <p:animEffect transition="in" filter="fade">
+                                      <p:cBhvr>
+                                        <p:cTn id="39" dur="500"/>
+                                        <p:tgtEl>
+                                          <p:spTgt spid="36"/>
+                                        </p:tgtEl>
+                                      </p:cBhvr>
+                                    </p:animEffect>
+                                  </p:childTnLst>
+                                </p:cTn>
+                              </p:par>
+                            </p:childTnLst>
+                          </p:cTn>
+                        </p:par>
+                        <p:par>
+                          <p:cTn id="40" fill="hold">
+                            <p:stCondLst>
+                              <p:cond delay="500"/>
+                            </p:stCondLst>
+                            <p:childTnLst>
+                              <p:par>
+                                <p:cTn id="41" presetID="10" presetClass="entr" presetSubtype="0" fill="hold" nodeType="afterEffect">
+                                  <p:stCondLst>
+                                    <p:cond delay="0"/>
+                                  </p:stCondLst>
+                                  <p:childTnLst>
+                                    <p:set>
+                                      <p:cBhvr>
+                                        <p:cTn id="42" dur="1" fill="hold">
+                                          <p:stCondLst>
+                                            <p:cond delay="0"/>
+                                          </p:stCondLst>
+                                        </p:cTn>
+                                        <p:tgtEl>
+                                          <p:spTgt spid="6"/>
+                                        </p:tgtEl>
+                                        <p:attrNameLst>
+                                          <p:attrName>style.visibility</p:attrName>
+                                        </p:attrNameLst>
+                                      </p:cBhvr>
+                                      <p:to>
+                                        <p:strVal val="visible"/>
+                                      </p:to>
+                                    </p:set>
+                                    <p:animEffect transition="in" filter="fade">
+                                      <p:cBhvr>
+                                        <p:cTn id="43" dur="500"/>
+                                        <p:tgtEl>
+                                          <p:spTgt spid="6"/>
+                                        </p:tgtEl>
+                                      </p:cBhvr>
+                                    </p:animEffect>
+                                  </p:childTnLst>
+                                </p:cTn>
+                              </p:par>
+                            </p:childTnLst>
+                          </p:cTn>
+                        </p:par>
+                      </p:childTnLst>
+                    </p:cTn>
+                  </p:par>
+                  <p:par>
+                    <p:cTn id="44" fill="hold">
+                      <p:stCondLst>
+                        <p:cond delay="indefinite"/>
+                      </p:stCondLst>
+                      <p:childTnLst>
+                        <p:par>
+                          <p:cTn id="45" fill="hold">
+                            <p:stCondLst>
+                              <p:cond delay="0"/>
+                            </p:stCondLst>
+                            <p:childTnLst>
+                              <p:par>
+                                <p:cTn id="46" presetID="10" presetClass="entr" presetSubtype="0" fill="hold" nodeType="clickEffect">
+                                  <p:stCondLst>
+                                    <p:cond delay="0"/>
+                                  </p:stCondLst>
+                                  <p:childTnLst>
+                                    <p:set>
+                                      <p:cBhvr>
+                                        <p:cTn id="47" dur="1" fill="hold">
+                                          <p:stCondLst>
+                                            <p:cond delay="0"/>
+                                          </p:stCondLst>
+                                        </p:cTn>
+                                        <p:tgtEl>
+                                          <p:spTgt spid="72"/>
+                                        </p:tgtEl>
+                                        <p:attrNameLst>
+                                          <p:attrName>style.visibility</p:attrName>
+                                        </p:attrNameLst>
+                                      </p:cBhvr>
+                                      <p:to>
+                                        <p:strVal val="visible"/>
+                                      </p:to>
+                                    </p:set>
+                                    <p:animEffect transition="in" filter="fade">
+                                      <p:cBhvr>
+                                        <p:cTn id="48" dur="500"/>
+                                        <p:tgtEl>
+                                          <p:spTgt spid="72"/>
+                                        </p:tgtEl>
+                                      </p:cBhvr>
+                                    </p:animEffect>
+                                  </p:childTnLst>
+                                </p:cTn>
+                              </p:par>
+                            </p:childTnLst>
+                          </p:cTn>
+                        </p:par>
+                        <p:par>
+                          <p:cTn id="49" fill="hold">
+                            <p:stCondLst>
+                              <p:cond delay="500"/>
+                            </p:stCondLst>
+                            <p:childTnLst>
+                              <p:par>
+                                <p:cTn id="50" presetID="10" presetClass="entr" presetSubtype="0" fill="hold" nodeType="afterEffect">
+                                  <p:stCondLst>
+                                    <p:cond delay="0"/>
+                                  </p:stCondLst>
+                                  <p:childTnLst>
+                                    <p:set>
+                                      <p:cBhvr>
+                                        <p:cTn id="51" dur="1" fill="hold">
+                                          <p:stCondLst>
+                                            <p:cond delay="0"/>
+                                          </p:stCondLst>
+                                        </p:cTn>
+                                        <p:tgtEl>
+                                          <p:spTgt spid="111"/>
+                                        </p:tgtEl>
+                                        <p:attrNameLst>
+                                          <p:attrName>style.visibility</p:attrName>
+                                        </p:attrNameLst>
+                                      </p:cBhvr>
+                                      <p:to>
+                                        <p:strVal val="visible"/>
+                                      </p:to>
+                                    </p:set>
+                                    <p:animEffect transition="in" filter="fade">
+                                      <p:cBhvr>
+                                        <p:cTn id="52" dur="500"/>
+                                        <p:tgtEl>
+                                          <p:spTgt spid="111"/>
+                                        </p:tgtEl>
+                                      </p:cBhvr>
+                                    </p:animEffect>
+                                  </p:childTnLst>
+                                </p:cTn>
+                              </p:par>
+                            </p:childTnLst>
+                          </p:cTn>
+                        </p:par>
+                      </p:childTnLst>
+                    </p:cTn>
+                  </p:par>
+                  <p:par>
+                    <p:cTn id="53" fill="hold">
+                      <p:stCondLst>
+                        <p:cond delay="indefinite"/>
+                      </p:stCondLst>
+                      <p:childTnLst>
+                        <p:par>
+                          <p:cTn id="54" fill="hold">
+                            <p:stCondLst>
+                              <p:cond delay="0"/>
+                            </p:stCondLst>
+                            <p:childTnLst>
+                              <p:par>
+                                <p:cTn id="55" presetID="10" presetClass="entr" presetSubtype="0" fill="hold" nodeType="clickEffect">
+                                  <p:stCondLst>
+                                    <p:cond delay="0"/>
+                                  </p:stCondLst>
+                                  <p:childTnLst>
+                                    <p:set>
+                                      <p:cBhvr>
+                                        <p:cTn id="56" dur="1" fill="hold">
+                                          <p:stCondLst>
+                                            <p:cond delay="0"/>
+                                          </p:stCondLst>
+                                        </p:cTn>
+                                        <p:tgtEl>
+                                          <p:spTgt spid="58"/>
+                                        </p:tgtEl>
+                                        <p:attrNameLst>
+                                          <p:attrName>style.visibility</p:attrName>
+                                        </p:attrNameLst>
+                                      </p:cBhvr>
+                                      <p:to>
+                                        <p:strVal val="visible"/>
+                                      </p:to>
+                                    </p:set>
+                                    <p:animEffect transition="in" filter="fade">
+                                      <p:cBhvr>
+                                        <p:cTn id="57" dur="500"/>
+                                        <p:tgtEl>
+                                          <p:spTgt spid="58"/>
+                                        </p:tgtEl>
+                                      </p:cBhvr>
+                                    </p:animEffect>
+                                  </p:childTnLst>
+                                </p:cTn>
+                              </p:par>
+                            </p:childTnLst>
+                          </p:cTn>
+                        </p:par>
+                        <p:par>
+                          <p:cTn id="58" fill="hold">
+                            <p:stCondLst>
+                              <p:cond delay="500"/>
+                            </p:stCondLst>
+                            <p:childTnLst>
+                              <p:par>
+                                <p:cTn id="59" presetID="10" presetClass="entr" presetSubtype="0" fill="hold" nodeType="afterEffect">
+                                  <p:stCondLst>
+                                    <p:cond delay="0"/>
+                                  </p:stCondLst>
+                                  <p:childTnLst>
+                                    <p:set>
+                                      <p:cBhvr>
+                                        <p:cTn id="60" dur="1" fill="hold">
+                                          <p:stCondLst>
+                                            <p:cond delay="0"/>
+                                          </p:stCondLst>
+                                        </p:cTn>
+                                        <p:tgtEl>
+                                          <p:spTgt spid="5"/>
+                                        </p:tgtEl>
+                                        <p:attrNameLst>
+                                          <p:attrName>style.visibility</p:attrName>
+                                        </p:attrNameLst>
+                                      </p:cBhvr>
+                                      <p:to>
+                                        <p:strVal val="visible"/>
+                                      </p:to>
+                                    </p:set>
+                                    <p:animEffect transition="in" filter="fade">
+                                      <p:cBhvr>
+                                        <p:cTn id="61" dur="500"/>
+                                        <p:tgtEl>
+                                          <p:spTgt spid="5"/>
+                                        </p:tgtEl>
+                                      </p:cBhvr>
+                                    </p:animEffect>
+                                  </p:childTnLst>
+                                </p:cTn>
+                              </p:par>
+                            </p:childTnLst>
+                          </p:cTn>
+                        </p:par>
+                      </p:childTnLst>
+                    </p:cTn>
+                  </p:par>
+                  <p:par>
+                    <p:cTn id="62" fill="hold">
+                      <p:stCondLst>
+                        <p:cond delay="indefinite"/>
+                      </p:stCondLst>
+                      <p:childTnLst>
+                        <p:par>
+                          <p:cTn id="63" fill="hold">
+                            <p:stCondLst>
+                              <p:cond delay="0"/>
+                            </p:stCondLst>
+                            <p:childTnLst>
+                              <p:par>
+                                <p:cTn id="64" presetID="10" presetClass="entr" presetSubtype="0" fill="hold" nodeType="clickEffect">
+                                  <p:stCondLst>
+                                    <p:cond delay="0"/>
+                                  </p:stCondLst>
+                                  <p:childTnLst>
+                                    <p:set>
+                                      <p:cBhvr>
+                                        <p:cTn id="65" dur="1" fill="hold">
+                                          <p:stCondLst>
+                                            <p:cond delay="0"/>
+                                          </p:stCondLst>
+                                        </p:cTn>
+                                        <p:tgtEl>
+                                          <p:spTgt spid="112"/>
+                                        </p:tgtEl>
+                                        <p:attrNameLst>
+                                          <p:attrName>style.visibility</p:attrName>
+                                        </p:attrNameLst>
+                                      </p:cBhvr>
+                                      <p:to>
+                                        <p:strVal val="visible"/>
+                                      </p:to>
+                                    </p:set>
+                                    <p:animEffect transition="in" filter="fade">
+                                      <p:cBhvr>
+                                        <p:cTn id="66" dur="500"/>
+                                        <p:tgtEl>
+                                          <p:spTgt spid="112"/>
+                                        </p:tgtEl>
+                                      </p:cBhvr>
+                                    </p:animEffect>
+                                  </p:childTnLst>
+                                </p:cTn>
+                              </p:par>
+                            </p:childTnLst>
+                          </p:cTn>
+                        </p:par>
+                        <p:par>
+                          <p:cTn id="67" fill="hold">
+                            <p:stCondLst>
+                              <p:cond delay="500"/>
+                            </p:stCondLst>
+                            <p:childTnLst>
+                              <p:par>
+                                <p:cTn id="68" presetID="10" presetClass="entr" presetSubtype="0" fill="hold" nodeType="afterEffect">
+                                  <p:stCondLst>
+                                    <p:cond delay="0"/>
+                                  </p:stCondLst>
+                                  <p:childTnLst>
+                                    <p:set>
+                                      <p:cBhvr>
+                                        <p:cTn id="69" dur="1" fill="hold">
+                                          <p:stCondLst>
+                                            <p:cond delay="0"/>
+                                          </p:stCondLst>
+                                        </p:cTn>
+                                        <p:tgtEl>
+                                          <p:spTgt spid="105"/>
+                                        </p:tgtEl>
+                                        <p:attrNameLst>
+                                          <p:attrName>style.visibility</p:attrName>
+                                        </p:attrNameLst>
+                                      </p:cBhvr>
+                                      <p:to>
+                                        <p:strVal val="visible"/>
+                                      </p:to>
+                                    </p:set>
+                                    <p:animEffect transition="in" filter="fade">
+                                      <p:cBhvr>
+                                        <p:cTn id="70" dur="500"/>
+                                        <p:tgtEl>
+                                          <p:spTgt spid="105"/>
+                                        </p:tgtEl>
+                                      </p:cBhvr>
+                                    </p:animEffect>
+                                  </p:childTnLst>
+                                </p:cTn>
+                              </p:par>
+                            </p:childTnLst>
+                          </p:cTn>
+                        </p:par>
+                      </p:childTnLst>
+                    </p:cTn>
+                  </p:par>
+                </p:childTnLst>
+              </p:cTn>
+              <p:prevCondLst>
+                <p:cond evt="onPrev" delay="0">
+                  <p:tgtEl>
+                    <p:sldTgt/>
+                  </p:tgtEl>
+                </p:cond>
+              </p:prevCondLst>
+              <p:nextCondLst>
+                <p:cond evt="onNext" delay="0">
+                  <p:tgtEl>
+                    <p:sldTgt/>
+                  </p:tgtEl>
+                </p:cond>
+              </p:nextCondLst>
+            </p:seq>
+          </p:childTnLst>
+        </p:cTn>
       </p:par>
     </p:tnLst>
   </p:timing>
@@ -25755,7 +27630,7 @@
             <p:nvPr/>
           </p:nvPicPr>
           <p:blipFill>
-            <a:blip r:embed="rId2" cstate="print">
+            <a:blip r:embed="rId3" cstate="print">
               <a:extLst>
                 <a:ext uri="{28A0092B-C50C-407E-A947-70E740481C1C}">
                   <a14:useLocalDpi xmlns:a14="http://schemas.microsoft.com/office/drawing/2010/main" val="0"/>
@@ -25846,7 +27721,7 @@
             <p:nvPr/>
           </p:nvPicPr>
           <p:blipFill>
-            <a:blip r:embed="rId3" cstate="print">
+            <a:blip r:embed="rId4" cstate="print">
               <a:extLst>
                 <a:ext uri="{28A0092B-C50C-407E-A947-70E740481C1C}">
                   <a14:useLocalDpi xmlns:a14="http://schemas.microsoft.com/office/drawing/2010/main" val="0"/>
@@ -25950,7 +27825,7 @@
               <p:nvPr/>
             </p:nvPicPr>
             <p:blipFill>
-              <a:blip r:embed="rId4" cstate="print">
+              <a:blip r:embed="rId5" cstate="print">
                 <a:extLst>
                   <a:ext uri="{28A0092B-C50C-407E-A947-70E740481C1C}">
                     <a14:useLocalDpi xmlns:a14="http://schemas.microsoft.com/office/drawing/2010/main"/>
@@ -25994,7 +27869,7 @@
               <p:nvPr/>
             </p:nvPicPr>
             <p:blipFill>
-              <a:blip r:embed="rId5" cstate="print">
+              <a:blip r:embed="rId6" cstate="print">
                 <a:extLst>
                   <a:ext uri="{28A0092B-C50C-407E-A947-70E740481C1C}">
                     <a14:useLocalDpi xmlns:a14="http://schemas.microsoft.com/office/drawing/2010/main"/>
@@ -26127,7 +28002,7 @@
             <p:nvPr/>
           </p:nvPicPr>
           <p:blipFill>
-            <a:blip r:embed="rId6" cstate="print">
+            <a:blip r:embed="rId7" cstate="print">
               <a:extLst>
                 <a:ext uri="{28A0092B-C50C-407E-A947-70E740481C1C}">
                   <a14:useLocalDpi xmlns:a14="http://schemas.microsoft.com/office/drawing/2010/main" val="0"/>
@@ -26201,66 +28076,87 @@
           </a:fontRef>
         </p:style>
       </p:cxnSp>
-      <p:pic>
-        <p:nvPicPr>
-          <p:cNvPr id="4" name="Picture 4" descr="Logo&#10;&#10;Description automatically generated">
+      <p:grpSp>
+        <p:nvGrpSpPr>
+          <p:cNvPr id="3" name="Agrupar 2">
             <a:extLst>
               <a:ext uri="{FF2B5EF4-FFF2-40B4-BE49-F238E27FC236}">
-                <a16:creationId xmlns:a16="http://schemas.microsoft.com/office/drawing/2014/main" id="{7645EB38-9687-4574-928C-69CBBF25F990}"/>
+                <a16:creationId xmlns:a16="http://schemas.microsoft.com/office/drawing/2014/main" id="{C2E4AE22-823E-4ED5-A6DF-2D8299344962}"/>
               </a:ext>
             </a:extLst>
           </p:cNvPr>
-          <p:cNvPicPr>
-            <a:picLocks noChangeAspect="1"/>
-          </p:cNvPicPr>
+          <p:cNvGrpSpPr/>
           <p:nvPr/>
-        </p:nvPicPr>
-        <p:blipFill>
-          <a:blip r:embed="rId7"/>
-          <a:stretch>
-            <a:fillRect/>
-          </a:stretch>
-        </p:blipFill>
-        <p:spPr>
+        </p:nvGrpSpPr>
+        <p:grpSpPr>
           <a:xfrm>
-            <a:off x="5443269" y="6051070"/>
-            <a:ext cx="1132937" cy="736840"/>
+            <a:off x="5457783" y="5905957"/>
+            <a:ext cx="2239855" cy="1041444"/>
+            <a:chOff x="5457783" y="5905957"/>
+            <a:chExt cx="2239855" cy="1041444"/>
           </a:xfrm>
-          <a:prstGeom prst="rect">
-            <a:avLst/>
-          </a:prstGeom>
-        </p:spPr>
-      </p:pic>
-      <p:pic>
-        <p:nvPicPr>
-          <p:cNvPr id="6" name="Picture 7" descr="A picture containing text, first-aid kit&#10;&#10;Description automatically generated">
-            <a:extLst>
-              <a:ext uri="{FF2B5EF4-FFF2-40B4-BE49-F238E27FC236}">
-                <a16:creationId xmlns:a16="http://schemas.microsoft.com/office/drawing/2014/main" id="{DECC1911-94D1-4128-BF56-F1731CEE5EE0}"/>
-              </a:ext>
-            </a:extLst>
-          </p:cNvPr>
-          <p:cNvPicPr>
-            <a:picLocks noChangeAspect="1"/>
-          </p:cNvPicPr>
-          <p:nvPr/>
-        </p:nvPicPr>
-        <p:blipFill>
-          <a:blip r:embed="rId8"/>
-          <a:stretch>
-            <a:fillRect/>
-          </a:stretch>
-        </p:blipFill>
-        <p:spPr>
-          <a:xfrm>
-            <a:off x="6334664" y="5905957"/>
-            <a:ext cx="1362974" cy="1041444"/>
-          </a:xfrm>
-          <a:prstGeom prst="rect">
-            <a:avLst/>
-          </a:prstGeom>
-        </p:spPr>
-      </p:pic>
+        </p:grpSpPr>
+        <p:pic>
+          <p:nvPicPr>
+            <p:cNvPr id="4" name="Picture 4" descr="Logo&#10;&#10;Description automatically generated">
+              <a:extLst>
+                <a:ext uri="{FF2B5EF4-FFF2-40B4-BE49-F238E27FC236}">
+                  <a16:creationId xmlns:a16="http://schemas.microsoft.com/office/drawing/2014/main" id="{7645EB38-9687-4574-928C-69CBBF25F990}"/>
+                </a:ext>
+              </a:extLst>
+            </p:cNvPr>
+            <p:cNvPicPr>
+              <a:picLocks noChangeAspect="1"/>
+            </p:cNvPicPr>
+            <p:nvPr/>
+          </p:nvPicPr>
+          <p:blipFill>
+            <a:blip r:embed="rId8"/>
+            <a:stretch>
+              <a:fillRect/>
+            </a:stretch>
+          </p:blipFill>
+          <p:spPr>
+            <a:xfrm>
+              <a:off x="5457783" y="6036556"/>
+              <a:ext cx="1132937" cy="736840"/>
+            </a:xfrm>
+            <a:prstGeom prst="rect">
+              <a:avLst/>
+            </a:prstGeom>
+          </p:spPr>
+        </p:pic>
+        <p:pic>
+          <p:nvPicPr>
+            <p:cNvPr id="6" name="Picture 7" descr="A picture containing text, first-aid kit&#10;&#10;Description automatically generated">
+              <a:extLst>
+                <a:ext uri="{FF2B5EF4-FFF2-40B4-BE49-F238E27FC236}">
+                  <a16:creationId xmlns:a16="http://schemas.microsoft.com/office/drawing/2014/main" id="{DECC1911-94D1-4128-BF56-F1731CEE5EE0}"/>
+                </a:ext>
+              </a:extLst>
+            </p:cNvPr>
+            <p:cNvPicPr>
+              <a:picLocks noChangeAspect="1"/>
+            </p:cNvPicPr>
+            <p:nvPr/>
+          </p:nvPicPr>
+          <p:blipFill>
+            <a:blip r:embed="rId9"/>
+            <a:stretch>
+              <a:fillRect/>
+            </a:stretch>
+          </p:blipFill>
+          <p:spPr>
+            <a:xfrm>
+              <a:off x="6334664" y="5905957"/>
+              <a:ext cx="1362974" cy="1041444"/>
+            </a:xfrm>
+            <a:prstGeom prst="rect">
+              <a:avLst/>
+            </a:prstGeom>
+          </p:spPr>
+        </p:pic>
+      </p:grpSp>
       <p:pic>
         <p:nvPicPr>
           <p:cNvPr id="8" name="Picture 8" descr="Logo, company name&#10;&#10;Description automatically generated">
@@ -26276,7 +28172,7 @@
           <p:nvPr/>
         </p:nvPicPr>
         <p:blipFill>
-          <a:blip r:embed="rId9"/>
+          <a:blip r:embed="rId10"/>
           <a:stretch>
             <a:fillRect/>
           </a:stretch>
@@ -26306,7 +28202,7 @@
           <p:nvPr/>
         </p:nvPicPr>
         <p:blipFill>
-          <a:blip r:embed="rId10"/>
+          <a:blip r:embed="rId11"/>
           <a:stretch>
             <a:fillRect/>
           </a:stretch>
@@ -26336,7 +28232,7 @@
           <p:nvPr/>
         </p:nvPicPr>
         <p:blipFill>
-          <a:blip r:embed="rId11"/>
+          <a:blip r:embed="rId12"/>
           <a:stretch>
             <a:fillRect/>
           </a:stretch>
@@ -26366,7 +28262,7 @@
           <p:nvPr/>
         </p:nvPicPr>
         <p:blipFill>
-          <a:blip r:embed="rId12"/>
+          <a:blip r:embed="rId13"/>
           <a:stretch>
             <a:fillRect/>
           </a:stretch>
@@ -26579,80 +28475,101 @@
           </a:p>
         </p:txBody>
       </p:sp>
-      <p:sp>
-        <p:nvSpPr>
-          <p:cNvPr id="38" name="CaixaDeTexto 37">
+      <p:grpSp>
+        <p:nvGrpSpPr>
+          <p:cNvPr id="2" name="Agrupar 1">
             <a:extLst>
               <a:ext uri="{FF2B5EF4-FFF2-40B4-BE49-F238E27FC236}">
-                <a16:creationId xmlns:a16="http://schemas.microsoft.com/office/drawing/2014/main" id="{9F594817-AD78-41B1-B05F-DF230A255C8E}"/>
+                <a16:creationId xmlns:a16="http://schemas.microsoft.com/office/drawing/2014/main" id="{36794FC3-4A33-4518-B975-4F527D7205C0}"/>
               </a:ext>
             </a:extLst>
           </p:cNvPr>
-          <p:cNvSpPr txBox="1"/>
+          <p:cNvGrpSpPr/>
           <p:nvPr/>
-        </p:nvSpPr>
-        <p:spPr>
-          <a:xfrm>
-            <a:off x="274285" y="1667502"/>
-            <a:ext cx="1748653" cy="338554"/>
-          </a:xfrm>
-          <a:prstGeom prst="rect">
-            <a:avLst/>
-          </a:prstGeom>
-          <a:noFill/>
-        </p:spPr>
-        <p:txBody>
-          <a:bodyPr wrap="square" rtlCol="0">
-            <a:spAutoFit/>
-          </a:bodyPr>
-          <a:lstStyle/>
-          <a:p>
-            <a:pPr algn="ctr"/>
-            <a:r>
-              <a:rPr lang="pt-BR" sz="1600" dirty="0">
-                <a:latin typeface="Arial Rounded MT Bold" panose="020F0704030504030204" pitchFamily="34" charset="0"/>
-              </a:rPr>
-              <a:t>Ônibus Público </a:t>
-            </a:r>
-          </a:p>
-        </p:txBody>
-      </p:sp>
-      <p:pic>
-        <p:nvPicPr>
-          <p:cNvPr id="39" name="Imagem 38">
-            <a:extLst>
-              <a:ext uri="{FF2B5EF4-FFF2-40B4-BE49-F238E27FC236}">
-                <a16:creationId xmlns:a16="http://schemas.microsoft.com/office/drawing/2014/main" id="{42171E42-3502-49C8-AC92-94C703B6A221}"/>
-              </a:ext>
-            </a:extLst>
-          </p:cNvPr>
-          <p:cNvPicPr>
-            <a:picLocks noChangeAspect="1"/>
-          </p:cNvPicPr>
-          <p:nvPr/>
-        </p:nvPicPr>
-        <p:blipFill>
-          <a:blip r:embed="rId13">
-            <a:extLst>
-              <a:ext uri="{28A0092B-C50C-407E-A947-70E740481C1C}">
-                <a14:useLocalDpi xmlns:a14="http://schemas.microsoft.com/office/drawing/2010/main" val="0"/>
-              </a:ext>
-            </a:extLst>
-          </a:blip>
-          <a:stretch>
-            <a:fillRect/>
-          </a:stretch>
-        </p:blipFill>
-        <p:spPr>
+        </p:nvGrpSpPr>
+        <p:grpSpPr>
           <a:xfrm>
             <a:off x="193256" y="746778"/>
-            <a:ext cx="2055003" cy="1146978"/>
+            <a:ext cx="2055003" cy="1259278"/>
+            <a:chOff x="193256" y="746778"/>
+            <a:chExt cx="2055003" cy="1259278"/>
           </a:xfrm>
-          <a:prstGeom prst="rect">
-            <a:avLst/>
-          </a:prstGeom>
-        </p:spPr>
-      </p:pic>
+        </p:grpSpPr>
+        <p:sp>
+          <p:nvSpPr>
+            <p:cNvPr id="38" name="CaixaDeTexto 37">
+              <a:extLst>
+                <a:ext uri="{FF2B5EF4-FFF2-40B4-BE49-F238E27FC236}">
+                  <a16:creationId xmlns:a16="http://schemas.microsoft.com/office/drawing/2014/main" id="{9F594817-AD78-41B1-B05F-DF230A255C8E}"/>
+                </a:ext>
+              </a:extLst>
+            </p:cNvPr>
+            <p:cNvSpPr txBox="1"/>
+            <p:nvPr/>
+          </p:nvSpPr>
+          <p:spPr>
+            <a:xfrm>
+              <a:off x="274285" y="1667502"/>
+              <a:ext cx="1748653" cy="338554"/>
+            </a:xfrm>
+            <a:prstGeom prst="rect">
+              <a:avLst/>
+            </a:prstGeom>
+            <a:noFill/>
+          </p:spPr>
+          <p:txBody>
+            <a:bodyPr wrap="square" rtlCol="0">
+              <a:spAutoFit/>
+            </a:bodyPr>
+            <a:lstStyle/>
+            <a:p>
+              <a:pPr algn="ctr"/>
+              <a:r>
+                <a:rPr lang="pt-BR" sz="1600" dirty="0">
+                  <a:latin typeface="Arial Rounded MT Bold" panose="020F0704030504030204" pitchFamily="34" charset="0"/>
+                </a:rPr>
+                <a:t>Ônibus Público </a:t>
+              </a:r>
+            </a:p>
+          </p:txBody>
+        </p:sp>
+        <p:pic>
+          <p:nvPicPr>
+            <p:cNvPr id="39" name="Imagem 38">
+              <a:extLst>
+                <a:ext uri="{FF2B5EF4-FFF2-40B4-BE49-F238E27FC236}">
+                  <a16:creationId xmlns:a16="http://schemas.microsoft.com/office/drawing/2014/main" id="{42171E42-3502-49C8-AC92-94C703B6A221}"/>
+                </a:ext>
+              </a:extLst>
+            </p:cNvPr>
+            <p:cNvPicPr>
+              <a:picLocks noChangeAspect="1"/>
+            </p:cNvPicPr>
+            <p:nvPr/>
+          </p:nvPicPr>
+          <p:blipFill>
+            <a:blip r:embed="rId14">
+              <a:extLst>
+                <a:ext uri="{28A0092B-C50C-407E-A947-70E740481C1C}">
+                  <a14:useLocalDpi xmlns:a14="http://schemas.microsoft.com/office/drawing/2010/main" val="0"/>
+                </a:ext>
+              </a:extLst>
+            </a:blip>
+            <a:stretch>
+              <a:fillRect/>
+            </a:stretch>
+          </p:blipFill>
+          <p:spPr>
+            <a:xfrm>
+              <a:off x="193256" y="746778"/>
+              <a:ext cx="2055003" cy="1146978"/>
+            </a:xfrm>
+            <a:prstGeom prst="rect">
+              <a:avLst/>
+            </a:prstGeom>
+          </p:spPr>
+        </p:pic>
+      </p:grpSp>
       <p:cxnSp>
         <p:nvCxnSpPr>
           <p:cNvPr id="36" name="Conector de Seta Reta 35"/>
@@ -26706,7 +28623,797 @@
   <p:timing>
     <p:tnLst>
       <p:par>
-        <p:cTn id="1" dur="indefinite" restart="never" nodeType="tmRoot"/>
+        <p:cTn id="1" dur="indefinite" restart="never" nodeType="tmRoot">
+          <p:childTnLst>
+            <p:seq concurrent="1" nextAc="seek">
+              <p:cTn id="2" dur="indefinite" nodeType="mainSeq">
+                <p:childTnLst>
+                  <p:par>
+                    <p:cTn id="3" fill="hold">
+                      <p:stCondLst>
+                        <p:cond delay="indefinite"/>
+                      </p:stCondLst>
+                      <p:childTnLst>
+                        <p:par>
+                          <p:cTn id="4" fill="hold">
+                            <p:stCondLst>
+                              <p:cond delay="0"/>
+                            </p:stCondLst>
+                            <p:childTnLst>
+                              <p:par>
+                                <p:cTn id="5" presetID="10" presetClass="entr" presetSubtype="0" fill="hold" nodeType="clickEffect">
+                                  <p:stCondLst>
+                                    <p:cond delay="0"/>
+                                  </p:stCondLst>
+                                  <p:childTnLst>
+                                    <p:set>
+                                      <p:cBhvr>
+                                        <p:cTn id="6" dur="1" fill="hold">
+                                          <p:stCondLst>
+                                            <p:cond delay="0"/>
+                                          </p:stCondLst>
+                                        </p:cTn>
+                                        <p:tgtEl>
+                                          <p:spTgt spid="2"/>
+                                        </p:tgtEl>
+                                        <p:attrNameLst>
+                                          <p:attrName>style.visibility</p:attrName>
+                                        </p:attrNameLst>
+                                      </p:cBhvr>
+                                      <p:to>
+                                        <p:strVal val="visible"/>
+                                      </p:to>
+                                    </p:set>
+                                    <p:animEffect transition="in" filter="fade">
+                                      <p:cBhvr>
+                                        <p:cTn id="7" dur="500"/>
+                                        <p:tgtEl>
+                                          <p:spTgt spid="2"/>
+                                        </p:tgtEl>
+                                      </p:cBhvr>
+                                    </p:animEffect>
+                                  </p:childTnLst>
+                                </p:cTn>
+                              </p:par>
+                            </p:childTnLst>
+                          </p:cTn>
+                        </p:par>
+                      </p:childTnLst>
+                    </p:cTn>
+                  </p:par>
+                  <p:par>
+                    <p:cTn id="8" fill="hold">
+                      <p:stCondLst>
+                        <p:cond delay="indefinite"/>
+                      </p:stCondLst>
+                      <p:childTnLst>
+                        <p:par>
+                          <p:cTn id="9" fill="hold">
+                            <p:stCondLst>
+                              <p:cond delay="0"/>
+                            </p:stCondLst>
+                            <p:childTnLst>
+                              <p:par>
+                                <p:cTn id="10" presetID="10" presetClass="entr" presetSubtype="0" fill="hold" nodeType="clickEffect">
+                                  <p:stCondLst>
+                                    <p:cond delay="0"/>
+                                  </p:stCondLst>
+                                  <p:childTnLst>
+                                    <p:set>
+                                      <p:cBhvr>
+                                        <p:cTn id="11" dur="1" fill="hold">
+                                          <p:stCondLst>
+                                            <p:cond delay="0"/>
+                                          </p:stCondLst>
+                                        </p:cTn>
+                                        <p:tgtEl>
+                                          <p:spTgt spid="10"/>
+                                        </p:tgtEl>
+                                        <p:attrNameLst>
+                                          <p:attrName>style.visibility</p:attrName>
+                                        </p:attrNameLst>
+                                      </p:cBhvr>
+                                      <p:to>
+                                        <p:strVal val="visible"/>
+                                      </p:to>
+                                    </p:set>
+                                    <p:animEffect transition="in" filter="fade">
+                                      <p:cBhvr>
+                                        <p:cTn id="12" dur="500"/>
+                                        <p:tgtEl>
+                                          <p:spTgt spid="10"/>
+                                        </p:tgtEl>
+                                      </p:cBhvr>
+                                    </p:animEffect>
+                                  </p:childTnLst>
+                                </p:cTn>
+                              </p:par>
+                            </p:childTnLst>
+                          </p:cTn>
+                        </p:par>
+                        <p:par>
+                          <p:cTn id="13" fill="hold">
+                            <p:stCondLst>
+                              <p:cond delay="500"/>
+                            </p:stCondLst>
+                            <p:childTnLst>
+                              <p:par>
+                                <p:cTn id="14" presetID="10" presetClass="entr" presetSubtype="0" fill="hold" nodeType="afterEffect">
+                                  <p:stCondLst>
+                                    <p:cond delay="0"/>
+                                  </p:stCondLst>
+                                  <p:childTnLst>
+                                    <p:set>
+                                      <p:cBhvr>
+                                        <p:cTn id="15" dur="1" fill="hold">
+                                          <p:stCondLst>
+                                            <p:cond delay="0"/>
+                                          </p:stCondLst>
+                                        </p:cTn>
+                                        <p:tgtEl>
+                                          <p:spTgt spid="49"/>
+                                        </p:tgtEl>
+                                        <p:attrNameLst>
+                                          <p:attrName>style.visibility</p:attrName>
+                                        </p:attrNameLst>
+                                      </p:cBhvr>
+                                      <p:to>
+                                        <p:strVal val="visible"/>
+                                      </p:to>
+                                    </p:set>
+                                    <p:animEffect transition="in" filter="fade">
+                                      <p:cBhvr>
+                                        <p:cTn id="16" dur="500"/>
+                                        <p:tgtEl>
+                                          <p:spTgt spid="49"/>
+                                        </p:tgtEl>
+                                      </p:cBhvr>
+                                    </p:animEffect>
+                                  </p:childTnLst>
+                                </p:cTn>
+                              </p:par>
+                            </p:childTnLst>
+                          </p:cTn>
+                        </p:par>
+                      </p:childTnLst>
+                    </p:cTn>
+                  </p:par>
+                  <p:par>
+                    <p:cTn id="17" fill="hold">
+                      <p:stCondLst>
+                        <p:cond delay="indefinite"/>
+                      </p:stCondLst>
+                      <p:childTnLst>
+                        <p:par>
+                          <p:cTn id="18" fill="hold">
+                            <p:stCondLst>
+                              <p:cond delay="0"/>
+                            </p:stCondLst>
+                            <p:childTnLst>
+                              <p:par>
+                                <p:cTn id="19" presetID="10" presetClass="entr" presetSubtype="0" fill="hold" nodeType="clickEffect">
+                                  <p:stCondLst>
+                                    <p:cond delay="0"/>
+                                  </p:stCondLst>
+                                  <p:childTnLst>
+                                    <p:set>
+                                      <p:cBhvr>
+                                        <p:cTn id="20" dur="1" fill="hold">
+                                          <p:stCondLst>
+                                            <p:cond delay="0"/>
+                                          </p:stCondLst>
+                                        </p:cTn>
+                                        <p:tgtEl>
+                                          <p:spTgt spid="41"/>
+                                        </p:tgtEl>
+                                        <p:attrNameLst>
+                                          <p:attrName>style.visibility</p:attrName>
+                                        </p:attrNameLst>
+                                      </p:cBhvr>
+                                      <p:to>
+                                        <p:strVal val="visible"/>
+                                      </p:to>
+                                    </p:set>
+                                    <p:animEffect transition="in" filter="fade">
+                                      <p:cBhvr>
+                                        <p:cTn id="21" dur="500"/>
+                                        <p:tgtEl>
+                                          <p:spTgt spid="41"/>
+                                        </p:tgtEl>
+                                      </p:cBhvr>
+                                    </p:animEffect>
+                                  </p:childTnLst>
+                                </p:cTn>
+                              </p:par>
+                            </p:childTnLst>
+                          </p:cTn>
+                        </p:par>
+                        <p:par>
+                          <p:cTn id="22" fill="hold">
+                            <p:stCondLst>
+                              <p:cond delay="500"/>
+                            </p:stCondLst>
+                            <p:childTnLst>
+                              <p:par>
+                                <p:cTn id="23" presetID="10" presetClass="entr" presetSubtype="0" fill="hold" nodeType="afterEffect">
+                                  <p:stCondLst>
+                                    <p:cond delay="0"/>
+                                  </p:stCondLst>
+                                  <p:childTnLst>
+                                    <p:set>
+                                      <p:cBhvr>
+                                        <p:cTn id="24" dur="1" fill="hold">
+                                          <p:stCondLst>
+                                            <p:cond delay="0"/>
+                                          </p:stCondLst>
+                                        </p:cTn>
+                                        <p:tgtEl>
+                                          <p:spTgt spid="15"/>
+                                        </p:tgtEl>
+                                        <p:attrNameLst>
+                                          <p:attrName>style.visibility</p:attrName>
+                                        </p:attrNameLst>
+                                      </p:cBhvr>
+                                      <p:to>
+                                        <p:strVal val="visible"/>
+                                      </p:to>
+                                    </p:set>
+                                    <p:animEffect transition="in" filter="fade">
+                                      <p:cBhvr>
+                                        <p:cTn id="25" dur="500"/>
+                                        <p:tgtEl>
+                                          <p:spTgt spid="15"/>
+                                        </p:tgtEl>
+                                      </p:cBhvr>
+                                    </p:animEffect>
+                                  </p:childTnLst>
+                                </p:cTn>
+                              </p:par>
+                            </p:childTnLst>
+                          </p:cTn>
+                        </p:par>
+                      </p:childTnLst>
+                    </p:cTn>
+                  </p:par>
+                  <p:par>
+                    <p:cTn id="26" fill="hold">
+                      <p:stCondLst>
+                        <p:cond delay="indefinite"/>
+                      </p:stCondLst>
+                      <p:childTnLst>
+                        <p:par>
+                          <p:cTn id="27" fill="hold">
+                            <p:stCondLst>
+                              <p:cond delay="0"/>
+                            </p:stCondLst>
+                            <p:childTnLst>
+                              <p:par>
+                                <p:cTn id="28" presetID="10" presetClass="entr" presetSubtype="0" fill="hold" nodeType="clickEffect">
+                                  <p:stCondLst>
+                                    <p:cond delay="0"/>
+                                  </p:stCondLst>
+                                  <p:childTnLst>
+                                    <p:set>
+                                      <p:cBhvr>
+                                        <p:cTn id="29" dur="1" fill="hold">
+                                          <p:stCondLst>
+                                            <p:cond delay="0"/>
+                                          </p:stCondLst>
+                                        </p:cTn>
+                                        <p:tgtEl>
+                                          <p:spTgt spid="36"/>
+                                        </p:tgtEl>
+                                        <p:attrNameLst>
+                                          <p:attrName>style.visibility</p:attrName>
+                                        </p:attrNameLst>
+                                      </p:cBhvr>
+                                      <p:to>
+                                        <p:strVal val="visible"/>
+                                      </p:to>
+                                    </p:set>
+                                    <p:animEffect transition="in" filter="fade">
+                                      <p:cBhvr>
+                                        <p:cTn id="30" dur="500"/>
+                                        <p:tgtEl>
+                                          <p:spTgt spid="36"/>
+                                        </p:tgtEl>
+                                      </p:cBhvr>
+                                    </p:animEffect>
+                                  </p:childTnLst>
+                                </p:cTn>
+                              </p:par>
+                            </p:childTnLst>
+                          </p:cTn>
+                        </p:par>
+                        <p:par>
+                          <p:cTn id="31" fill="hold">
+                            <p:stCondLst>
+                              <p:cond delay="500"/>
+                            </p:stCondLst>
+                            <p:childTnLst>
+                              <p:par>
+                                <p:cTn id="32" presetID="10" presetClass="entr" presetSubtype="0" fill="hold" nodeType="afterEffect">
+                                  <p:stCondLst>
+                                    <p:cond delay="0"/>
+                                  </p:stCondLst>
+                                  <p:childTnLst>
+                                    <p:set>
+                                      <p:cBhvr>
+                                        <p:cTn id="33" dur="1" fill="hold">
+                                          <p:stCondLst>
+                                            <p:cond delay="0"/>
+                                          </p:stCondLst>
+                                        </p:cTn>
+                                        <p:tgtEl>
+                                          <p:spTgt spid="35"/>
+                                        </p:tgtEl>
+                                        <p:attrNameLst>
+                                          <p:attrName>style.visibility</p:attrName>
+                                        </p:attrNameLst>
+                                      </p:cBhvr>
+                                      <p:to>
+                                        <p:strVal val="visible"/>
+                                      </p:to>
+                                    </p:set>
+                                    <p:animEffect transition="in" filter="fade">
+                                      <p:cBhvr>
+                                        <p:cTn id="34" dur="500"/>
+                                        <p:tgtEl>
+                                          <p:spTgt spid="35"/>
+                                        </p:tgtEl>
+                                      </p:cBhvr>
+                                    </p:animEffect>
+                                  </p:childTnLst>
+                                </p:cTn>
+                              </p:par>
+                            </p:childTnLst>
+                          </p:cTn>
+                        </p:par>
+                        <p:par>
+                          <p:cTn id="35" fill="hold">
+                            <p:stCondLst>
+                              <p:cond delay="1000"/>
+                            </p:stCondLst>
+                            <p:childTnLst>
+                              <p:par>
+                                <p:cTn id="36" presetID="10" presetClass="entr" presetSubtype="0" fill="hold" nodeType="afterEffect">
+                                  <p:stCondLst>
+                                    <p:cond delay="0"/>
+                                  </p:stCondLst>
+                                  <p:childTnLst>
+                                    <p:set>
+                                      <p:cBhvr>
+                                        <p:cTn id="37" dur="1" fill="hold">
+                                          <p:stCondLst>
+                                            <p:cond delay="0"/>
+                                          </p:stCondLst>
+                                        </p:cTn>
+                                        <p:tgtEl>
+                                          <p:spTgt spid="3"/>
+                                        </p:tgtEl>
+                                        <p:attrNameLst>
+                                          <p:attrName>style.visibility</p:attrName>
+                                        </p:attrNameLst>
+                                      </p:cBhvr>
+                                      <p:to>
+                                        <p:strVal val="visible"/>
+                                      </p:to>
+                                    </p:set>
+                                    <p:animEffect transition="in" filter="fade">
+                                      <p:cBhvr>
+                                        <p:cTn id="38" dur="500"/>
+                                        <p:tgtEl>
+                                          <p:spTgt spid="3"/>
+                                        </p:tgtEl>
+                                      </p:cBhvr>
+                                    </p:animEffect>
+                                  </p:childTnLst>
+                                </p:cTn>
+                              </p:par>
+                            </p:childTnLst>
+                          </p:cTn>
+                        </p:par>
+                        <p:par>
+                          <p:cTn id="39" fill="hold">
+                            <p:stCondLst>
+                              <p:cond delay="1500"/>
+                            </p:stCondLst>
+                            <p:childTnLst>
+                              <p:par>
+                                <p:cTn id="40" presetID="10" presetClass="entr" presetSubtype="0" fill="hold" nodeType="afterEffect">
+                                  <p:stCondLst>
+                                    <p:cond delay="0"/>
+                                  </p:stCondLst>
+                                  <p:childTnLst>
+                                    <p:set>
+                                      <p:cBhvr>
+                                        <p:cTn id="41" dur="1" fill="hold">
+                                          <p:stCondLst>
+                                            <p:cond delay="0"/>
+                                          </p:stCondLst>
+                                        </p:cTn>
+                                        <p:tgtEl>
+                                          <p:spTgt spid="8"/>
+                                        </p:tgtEl>
+                                        <p:attrNameLst>
+                                          <p:attrName>style.visibility</p:attrName>
+                                        </p:attrNameLst>
+                                      </p:cBhvr>
+                                      <p:to>
+                                        <p:strVal val="visible"/>
+                                      </p:to>
+                                    </p:set>
+                                    <p:animEffect transition="in" filter="fade">
+                                      <p:cBhvr>
+                                        <p:cTn id="42" dur="500"/>
+                                        <p:tgtEl>
+                                          <p:spTgt spid="8"/>
+                                        </p:tgtEl>
+                                      </p:cBhvr>
+                                    </p:animEffect>
+                                  </p:childTnLst>
+                                </p:cTn>
+                              </p:par>
+                            </p:childTnLst>
+                          </p:cTn>
+                        </p:par>
+                        <p:par>
+                          <p:cTn id="43" fill="hold">
+                            <p:stCondLst>
+                              <p:cond delay="2000"/>
+                            </p:stCondLst>
+                            <p:childTnLst>
+                              <p:par>
+                                <p:cTn id="44" presetID="10" presetClass="entr" presetSubtype="0" fill="hold" nodeType="afterEffect">
+                                  <p:stCondLst>
+                                    <p:cond delay="0"/>
+                                  </p:stCondLst>
+                                  <p:childTnLst>
+                                    <p:set>
+                                      <p:cBhvr>
+                                        <p:cTn id="45" dur="1" fill="hold">
+                                          <p:stCondLst>
+                                            <p:cond delay="0"/>
+                                          </p:stCondLst>
+                                        </p:cTn>
+                                        <p:tgtEl>
+                                          <p:spTgt spid="12"/>
+                                        </p:tgtEl>
+                                        <p:attrNameLst>
+                                          <p:attrName>style.visibility</p:attrName>
+                                        </p:attrNameLst>
+                                      </p:cBhvr>
+                                      <p:to>
+                                        <p:strVal val="visible"/>
+                                      </p:to>
+                                    </p:set>
+                                    <p:animEffect transition="in" filter="fade">
+                                      <p:cBhvr>
+                                        <p:cTn id="46" dur="500"/>
+                                        <p:tgtEl>
+                                          <p:spTgt spid="12"/>
+                                        </p:tgtEl>
+                                      </p:cBhvr>
+                                    </p:animEffect>
+                                  </p:childTnLst>
+                                </p:cTn>
+                              </p:par>
+                            </p:childTnLst>
+                          </p:cTn>
+                        </p:par>
+                      </p:childTnLst>
+                    </p:cTn>
+                  </p:par>
+                  <p:par>
+                    <p:cTn id="47" fill="hold">
+                      <p:stCondLst>
+                        <p:cond delay="indefinite"/>
+                      </p:stCondLst>
+                      <p:childTnLst>
+                        <p:par>
+                          <p:cTn id="48" fill="hold">
+                            <p:stCondLst>
+                              <p:cond delay="0"/>
+                            </p:stCondLst>
+                            <p:childTnLst>
+                              <p:par>
+                                <p:cTn id="49" presetID="10" presetClass="entr" presetSubtype="0" fill="hold" nodeType="clickEffect">
+                                  <p:stCondLst>
+                                    <p:cond delay="0"/>
+                                  </p:stCondLst>
+                                  <p:childTnLst>
+                                    <p:set>
+                                      <p:cBhvr>
+                                        <p:cTn id="50" dur="1" fill="hold">
+                                          <p:stCondLst>
+                                            <p:cond delay="0"/>
+                                          </p:stCondLst>
+                                        </p:cTn>
+                                        <p:tgtEl>
+                                          <p:spTgt spid="90"/>
+                                        </p:tgtEl>
+                                        <p:attrNameLst>
+                                          <p:attrName>style.visibility</p:attrName>
+                                        </p:attrNameLst>
+                                      </p:cBhvr>
+                                      <p:to>
+                                        <p:strVal val="visible"/>
+                                      </p:to>
+                                    </p:set>
+                                    <p:animEffect transition="in" filter="fade">
+                                      <p:cBhvr>
+                                        <p:cTn id="51" dur="500"/>
+                                        <p:tgtEl>
+                                          <p:spTgt spid="90"/>
+                                        </p:tgtEl>
+                                      </p:cBhvr>
+                                    </p:animEffect>
+                                  </p:childTnLst>
+                                </p:cTn>
+                              </p:par>
+                            </p:childTnLst>
+                          </p:cTn>
+                        </p:par>
+                        <p:par>
+                          <p:cTn id="52" fill="hold">
+                            <p:stCondLst>
+                              <p:cond delay="500"/>
+                            </p:stCondLst>
+                            <p:childTnLst>
+                              <p:par>
+                                <p:cTn id="53" presetID="10" presetClass="entr" presetSubtype="0" fill="hold" nodeType="afterEffect">
+                                  <p:stCondLst>
+                                    <p:cond delay="0"/>
+                                  </p:stCondLst>
+                                  <p:childTnLst>
+                                    <p:set>
+                                      <p:cBhvr>
+                                        <p:cTn id="54" dur="1" fill="hold">
+                                          <p:stCondLst>
+                                            <p:cond delay="0"/>
+                                          </p:stCondLst>
+                                        </p:cTn>
+                                        <p:tgtEl>
+                                          <p:spTgt spid="46"/>
+                                        </p:tgtEl>
+                                        <p:attrNameLst>
+                                          <p:attrName>style.visibility</p:attrName>
+                                        </p:attrNameLst>
+                                      </p:cBhvr>
+                                      <p:to>
+                                        <p:strVal val="visible"/>
+                                      </p:to>
+                                    </p:set>
+                                    <p:animEffect transition="in" filter="fade">
+                                      <p:cBhvr>
+                                        <p:cTn id="55" dur="500"/>
+                                        <p:tgtEl>
+                                          <p:spTgt spid="46"/>
+                                        </p:tgtEl>
+                                      </p:cBhvr>
+                                    </p:animEffect>
+                                  </p:childTnLst>
+                                </p:cTn>
+                              </p:par>
+                            </p:childTnLst>
+                          </p:cTn>
+                        </p:par>
+                      </p:childTnLst>
+                    </p:cTn>
+                  </p:par>
+                  <p:par>
+                    <p:cTn id="56" fill="hold">
+                      <p:stCondLst>
+                        <p:cond delay="indefinite"/>
+                      </p:stCondLst>
+                      <p:childTnLst>
+                        <p:par>
+                          <p:cTn id="57" fill="hold">
+                            <p:stCondLst>
+                              <p:cond delay="0"/>
+                            </p:stCondLst>
+                            <p:childTnLst>
+                              <p:par>
+                                <p:cTn id="58" presetID="10" presetClass="entr" presetSubtype="0" fill="hold" nodeType="clickEffect">
+                                  <p:stCondLst>
+                                    <p:cond delay="0"/>
+                                  </p:stCondLst>
+                                  <p:childTnLst>
+                                    <p:set>
+                                      <p:cBhvr>
+                                        <p:cTn id="59" dur="1" fill="hold">
+                                          <p:stCondLst>
+                                            <p:cond delay="0"/>
+                                          </p:stCondLst>
+                                        </p:cTn>
+                                        <p:tgtEl>
+                                          <p:spTgt spid="74"/>
+                                        </p:tgtEl>
+                                        <p:attrNameLst>
+                                          <p:attrName>style.visibility</p:attrName>
+                                        </p:attrNameLst>
+                                      </p:cBhvr>
+                                      <p:to>
+                                        <p:strVal val="visible"/>
+                                      </p:to>
+                                    </p:set>
+                                    <p:animEffect transition="in" filter="fade">
+                                      <p:cBhvr>
+                                        <p:cTn id="60" dur="500"/>
+                                        <p:tgtEl>
+                                          <p:spTgt spid="74"/>
+                                        </p:tgtEl>
+                                      </p:cBhvr>
+                                    </p:animEffect>
+                                  </p:childTnLst>
+                                </p:cTn>
+                              </p:par>
+                            </p:childTnLst>
+                          </p:cTn>
+                        </p:par>
+                        <p:par>
+                          <p:cTn id="61" fill="hold">
+                            <p:stCondLst>
+                              <p:cond delay="500"/>
+                            </p:stCondLst>
+                            <p:childTnLst>
+                              <p:par>
+                                <p:cTn id="62" presetID="10" presetClass="entr" presetSubtype="0" fill="hold" nodeType="afterEffect">
+                                  <p:stCondLst>
+                                    <p:cond delay="0"/>
+                                  </p:stCondLst>
+                                  <p:childTnLst>
+                                    <p:set>
+                                      <p:cBhvr>
+                                        <p:cTn id="63" dur="1" fill="hold">
+                                          <p:stCondLst>
+                                            <p:cond delay="0"/>
+                                          </p:stCondLst>
+                                        </p:cTn>
+                                        <p:tgtEl>
+                                          <p:spTgt spid="24"/>
+                                        </p:tgtEl>
+                                        <p:attrNameLst>
+                                          <p:attrName>style.visibility</p:attrName>
+                                        </p:attrNameLst>
+                                      </p:cBhvr>
+                                      <p:to>
+                                        <p:strVal val="visible"/>
+                                      </p:to>
+                                    </p:set>
+                                    <p:animEffect transition="in" filter="fade">
+                                      <p:cBhvr>
+                                        <p:cTn id="64" dur="500"/>
+                                        <p:tgtEl>
+                                          <p:spTgt spid="24"/>
+                                        </p:tgtEl>
+                                      </p:cBhvr>
+                                    </p:animEffect>
+                                  </p:childTnLst>
+                                </p:cTn>
+                              </p:par>
+                            </p:childTnLst>
+                          </p:cTn>
+                        </p:par>
+                      </p:childTnLst>
+                    </p:cTn>
+                  </p:par>
+                  <p:par>
+                    <p:cTn id="65" fill="hold">
+                      <p:stCondLst>
+                        <p:cond delay="indefinite"/>
+                      </p:stCondLst>
+                      <p:childTnLst>
+                        <p:par>
+                          <p:cTn id="66" fill="hold">
+                            <p:stCondLst>
+                              <p:cond delay="0"/>
+                            </p:stCondLst>
+                            <p:childTnLst>
+                              <p:par>
+                                <p:cTn id="67" presetID="10" presetClass="entr" presetSubtype="0" fill="hold" nodeType="clickEffect">
+                                  <p:stCondLst>
+                                    <p:cond delay="0"/>
+                                  </p:stCondLst>
+                                  <p:childTnLst>
+                                    <p:set>
+                                      <p:cBhvr>
+                                        <p:cTn id="68" dur="1" fill="hold">
+                                          <p:stCondLst>
+                                            <p:cond delay="0"/>
+                                          </p:stCondLst>
+                                        </p:cTn>
+                                        <p:tgtEl>
+                                          <p:spTgt spid="73"/>
+                                        </p:tgtEl>
+                                        <p:attrNameLst>
+                                          <p:attrName>style.visibility</p:attrName>
+                                        </p:attrNameLst>
+                                      </p:cBhvr>
+                                      <p:to>
+                                        <p:strVal val="visible"/>
+                                      </p:to>
+                                    </p:set>
+                                    <p:animEffect transition="in" filter="fade">
+                                      <p:cBhvr>
+                                        <p:cTn id="69" dur="500"/>
+                                        <p:tgtEl>
+                                          <p:spTgt spid="73"/>
+                                        </p:tgtEl>
+                                      </p:cBhvr>
+                                    </p:animEffect>
+                                  </p:childTnLst>
+                                </p:cTn>
+                              </p:par>
+                            </p:childTnLst>
+                          </p:cTn>
+                        </p:par>
+                        <p:par>
+                          <p:cTn id="70" fill="hold">
+                            <p:stCondLst>
+                              <p:cond delay="500"/>
+                            </p:stCondLst>
+                            <p:childTnLst>
+                              <p:par>
+                                <p:cTn id="71" presetID="10" presetClass="entr" presetSubtype="0" fill="hold" nodeType="afterEffect">
+                                  <p:stCondLst>
+                                    <p:cond delay="0"/>
+                                  </p:stCondLst>
+                                  <p:childTnLst>
+                                    <p:set>
+                                      <p:cBhvr>
+                                        <p:cTn id="72" dur="1" fill="hold">
+                                          <p:stCondLst>
+                                            <p:cond delay="0"/>
+                                          </p:stCondLst>
+                                        </p:cTn>
+                                        <p:tgtEl>
+                                          <p:spTgt spid="66"/>
+                                        </p:tgtEl>
+                                        <p:attrNameLst>
+                                          <p:attrName>style.visibility</p:attrName>
+                                        </p:attrNameLst>
+                                      </p:cBhvr>
+                                      <p:to>
+                                        <p:strVal val="visible"/>
+                                      </p:to>
+                                    </p:set>
+                                    <p:animEffect transition="in" filter="fade">
+                                      <p:cBhvr>
+                                        <p:cTn id="73" dur="500"/>
+                                        <p:tgtEl>
+                                          <p:spTgt spid="66"/>
+                                        </p:tgtEl>
+                                      </p:cBhvr>
+                                    </p:animEffect>
+                                  </p:childTnLst>
+                                </p:cTn>
+                              </p:par>
+                            </p:childTnLst>
+                          </p:cTn>
+                        </p:par>
+                      </p:childTnLst>
+                    </p:cTn>
+                  </p:par>
+                </p:childTnLst>
+              </p:cTn>
+              <p:prevCondLst>
+                <p:cond evt="onPrev" delay="0">
+                  <p:tgtEl>
+                    <p:sldTgt/>
+                  </p:tgtEl>
+                </p:cond>
+              </p:prevCondLst>
+              <p:nextCondLst>
+                <p:cond evt="onNext" delay="0">
+                  <p:tgtEl>
+                    <p:sldTgt/>
+                  </p:tgtEl>
+                </p:cond>
+              </p:nextCondLst>
+            </p:seq>
+          </p:childTnLst>
+        </p:cTn>
       </p:par>
     </p:tnLst>
   </p:timing>
@@ -26979,7 +29686,215 @@
   <p:timing>
     <p:tnLst>
       <p:par>
-        <p:cTn id="1" dur="indefinite" restart="never" nodeType="tmRoot"/>
+        <p:cTn id="1" dur="indefinite" restart="never" nodeType="tmRoot">
+          <p:childTnLst>
+            <p:seq concurrent="1" nextAc="seek">
+              <p:cTn id="2" dur="indefinite" nodeType="mainSeq">
+                <p:childTnLst>
+                  <p:par>
+                    <p:cTn id="3" fill="hold">
+                      <p:stCondLst>
+                        <p:cond delay="indefinite"/>
+                      </p:stCondLst>
+                      <p:childTnLst>
+                        <p:par>
+                          <p:cTn id="4" fill="hold">
+                            <p:stCondLst>
+                              <p:cond delay="0"/>
+                            </p:stCondLst>
+                            <p:childTnLst>
+                              <p:par>
+                                <p:cTn id="5" presetID="10" presetClass="entr" presetSubtype="0" fill="hold" nodeType="clickEffect">
+                                  <p:stCondLst>
+                                    <p:cond delay="0"/>
+                                  </p:stCondLst>
+                                  <p:childTnLst>
+                                    <p:set>
+                                      <p:cBhvr>
+                                        <p:cTn id="6" dur="1" fill="hold">
+                                          <p:stCondLst>
+                                            <p:cond delay="0"/>
+                                          </p:stCondLst>
+                                        </p:cTn>
+                                        <p:tgtEl>
+                                          <p:spTgt spid="7"/>
+                                        </p:tgtEl>
+                                        <p:attrNameLst>
+                                          <p:attrName>style.visibility</p:attrName>
+                                        </p:attrNameLst>
+                                      </p:cBhvr>
+                                      <p:to>
+                                        <p:strVal val="visible"/>
+                                      </p:to>
+                                    </p:set>
+                                    <p:animEffect transition="in" filter="fade">
+                                      <p:cBhvr>
+                                        <p:cTn id="7" dur="500"/>
+                                        <p:tgtEl>
+                                          <p:spTgt spid="7"/>
+                                        </p:tgtEl>
+                                      </p:cBhvr>
+                                    </p:animEffect>
+                                  </p:childTnLst>
+                                </p:cTn>
+                              </p:par>
+                            </p:childTnLst>
+                          </p:cTn>
+                        </p:par>
+                        <p:par>
+                          <p:cTn id="8" fill="hold">
+                            <p:stCondLst>
+                              <p:cond delay="500"/>
+                            </p:stCondLst>
+                            <p:childTnLst>
+                              <p:par>
+                                <p:cTn id="9" presetID="10" presetClass="entr" presetSubtype="0" fill="hold" nodeType="afterEffect">
+                                  <p:stCondLst>
+                                    <p:cond delay="0"/>
+                                  </p:stCondLst>
+                                  <p:childTnLst>
+                                    <p:set>
+                                      <p:cBhvr>
+                                        <p:cTn id="10" dur="1" fill="hold">
+                                          <p:stCondLst>
+                                            <p:cond delay="0"/>
+                                          </p:stCondLst>
+                                        </p:cTn>
+                                        <p:tgtEl>
+                                          <p:spTgt spid="9"/>
+                                        </p:tgtEl>
+                                        <p:attrNameLst>
+                                          <p:attrName>style.visibility</p:attrName>
+                                        </p:attrNameLst>
+                                      </p:cBhvr>
+                                      <p:to>
+                                        <p:strVal val="visible"/>
+                                      </p:to>
+                                    </p:set>
+                                    <p:animEffect transition="in" filter="fade">
+                                      <p:cBhvr>
+                                        <p:cTn id="11" dur="500"/>
+                                        <p:tgtEl>
+                                          <p:spTgt spid="9"/>
+                                        </p:tgtEl>
+                                      </p:cBhvr>
+                                    </p:animEffect>
+                                  </p:childTnLst>
+                                </p:cTn>
+                              </p:par>
+                            </p:childTnLst>
+                          </p:cTn>
+                        </p:par>
+                        <p:par>
+                          <p:cTn id="12" fill="hold">
+                            <p:stCondLst>
+                              <p:cond delay="1000"/>
+                            </p:stCondLst>
+                            <p:childTnLst>
+                              <p:par>
+                                <p:cTn id="13" presetID="10" presetClass="entr" presetSubtype="0" fill="hold" nodeType="afterEffect">
+                                  <p:stCondLst>
+                                    <p:cond delay="0"/>
+                                  </p:stCondLst>
+                                  <p:childTnLst>
+                                    <p:set>
+                                      <p:cBhvr>
+                                        <p:cTn id="14" dur="1" fill="hold">
+                                          <p:stCondLst>
+                                            <p:cond delay="0"/>
+                                          </p:stCondLst>
+                                        </p:cTn>
+                                        <p:tgtEl>
+                                          <p:spTgt spid="11"/>
+                                        </p:tgtEl>
+                                        <p:attrNameLst>
+                                          <p:attrName>style.visibility</p:attrName>
+                                        </p:attrNameLst>
+                                      </p:cBhvr>
+                                      <p:to>
+                                        <p:strVal val="visible"/>
+                                      </p:to>
+                                    </p:set>
+                                    <p:animEffect transition="in" filter="fade">
+                                      <p:cBhvr>
+                                        <p:cTn id="15" dur="500"/>
+                                        <p:tgtEl>
+                                          <p:spTgt spid="11"/>
+                                        </p:tgtEl>
+                                      </p:cBhvr>
+                                    </p:animEffect>
+                                  </p:childTnLst>
+                                </p:cTn>
+                              </p:par>
+                            </p:childTnLst>
+                          </p:cTn>
+                        </p:par>
+                        <p:par>
+                          <p:cTn id="16" fill="hold">
+                            <p:stCondLst>
+                              <p:cond delay="1500"/>
+                            </p:stCondLst>
+                            <p:childTnLst>
+                              <p:par>
+                                <p:cTn id="17" presetID="10" presetClass="entr" presetSubtype="0" fill="hold" nodeType="afterEffect">
+                                  <p:stCondLst>
+                                    <p:cond delay="0"/>
+                                  </p:stCondLst>
+                                  <p:childTnLst>
+                                    <p:set>
+                                      <p:cBhvr>
+                                        <p:cTn id="18" dur="1" fill="hold">
+                                          <p:stCondLst>
+                                            <p:cond delay="0"/>
+                                          </p:stCondLst>
+                                        </p:cTn>
+                                        <p:tgtEl>
+                                          <p:spTgt spid="13"/>
+                                        </p:tgtEl>
+                                        <p:attrNameLst>
+                                          <p:attrName>style.visibility</p:attrName>
+                                        </p:attrNameLst>
+                                      </p:cBhvr>
+                                      <p:to>
+                                        <p:strVal val="visible"/>
+                                      </p:to>
+                                    </p:set>
+                                    <p:animEffect transition="in" filter="fade">
+                                      <p:cBhvr>
+                                        <p:cTn id="19" dur="500"/>
+                                        <p:tgtEl>
+                                          <p:spTgt spid="13"/>
+                                        </p:tgtEl>
+                                      </p:cBhvr>
+                                    </p:animEffect>
+                                  </p:childTnLst>
+                                </p:cTn>
+                              </p:par>
+                            </p:childTnLst>
+                          </p:cTn>
+                        </p:par>
+                      </p:childTnLst>
+                    </p:cTn>
+                  </p:par>
+                </p:childTnLst>
+              </p:cTn>
+              <p:prevCondLst>
+                <p:cond evt="onPrev" delay="0">
+                  <p:tgtEl>
+                    <p:sldTgt/>
+                  </p:tgtEl>
+                </p:cond>
+              </p:prevCondLst>
+              <p:nextCondLst>
+                <p:cond evt="onNext" delay="0">
+                  <p:tgtEl>
+                    <p:sldTgt/>
+                  </p:tgtEl>
+                </p:cond>
+              </p:nextCondLst>
+            </p:seq>
+          </p:childTnLst>
+        </p:cTn>
       </p:par>
     </p:tnLst>
   </p:timing>
@@ -27081,7 +29996,7 @@
         </p:nvGrpSpPr>
         <p:grpSpPr>
           <a:xfrm>
-            <a:off x="1047492" y="2271765"/>
+            <a:off x="8285201" y="2271765"/>
             <a:ext cx="2390296" cy="2314469"/>
             <a:chOff x="5870776" y="1610175"/>
             <a:chExt cx="2390296" cy="2314469"/>
@@ -27179,7 +30094,7 @@
         </p:nvGrpSpPr>
         <p:grpSpPr>
           <a:xfrm>
-            <a:off x="6312125" y="2321583"/>
+            <a:off x="236654" y="2340806"/>
             <a:ext cx="4711144" cy="2176388"/>
             <a:chOff x="5415973" y="2016345"/>
             <a:chExt cx="2254369" cy="1041444"/>
@@ -27188,7 +30103,7 @@
         <p:pic>
           <p:nvPicPr>
             <p:cNvPr id="16" name="Picture 4" descr="Logo&#10;&#10;Description automatically generated">
-              <a:hlinkClick r:id="rId4" action="ppaction://hlinkfile"/>
+              <a:hlinkClick r:id="rId2" action="ppaction://hlinkfile"/>
               <a:extLst>
                 <a:ext uri="{FF2B5EF4-FFF2-40B4-BE49-F238E27FC236}">
                   <a16:creationId xmlns:a16="http://schemas.microsoft.com/office/drawing/2014/main" id="{38100EDF-7A43-43AA-BBED-209FC73A988E}"/>
@@ -27201,7 +30116,7 @@
             <p:nvPr/>
           </p:nvPicPr>
           <p:blipFill>
-            <a:blip r:embed="rId5"/>
+            <a:blip r:embed="rId4"/>
             <a:stretch>
               <a:fillRect/>
             </a:stretch>
@@ -27232,7 +30147,7 @@
             <p:nvPr/>
           </p:nvPicPr>
           <p:blipFill>
-            <a:blip r:embed="rId6"/>
+            <a:blip r:embed="rId5"/>
             <a:stretch>
               <a:fillRect/>
             </a:stretch>
@@ -27259,13 +30174,14 @@
           </p:cNvPr>
           <p:cNvCxnSpPr>
             <a:cxnSpLocks/>
+            <a:stCxn id="17" idx="3"/>
           </p:cNvCxnSpPr>
           <p:nvPr/>
         </p:nvCxnSpPr>
         <p:spPr>
-          <a:xfrm flipV="1">
-            <a:off x="3560618" y="3394753"/>
-            <a:ext cx="3115953" cy="15024"/>
+          <a:xfrm>
+            <a:off x="4947798" y="3429000"/>
+            <a:ext cx="3219809" cy="0"/>
           </a:xfrm>
           <a:prstGeom prst="straightConnector1">
             <a:avLst/>
@@ -27305,7 +30221,171 @@
   <p:timing>
     <p:tnLst>
       <p:par>
-        <p:cTn id="1" dur="indefinite" restart="never" nodeType="tmRoot"/>
+        <p:cTn id="1" dur="indefinite" restart="never" nodeType="tmRoot">
+          <p:childTnLst>
+            <p:seq concurrent="1" nextAc="seek">
+              <p:cTn id="2" dur="indefinite" nodeType="mainSeq">
+                <p:childTnLst>
+                  <p:par>
+                    <p:cTn id="3" fill="hold">
+                      <p:stCondLst>
+                        <p:cond delay="indefinite"/>
+                      </p:stCondLst>
+                      <p:childTnLst>
+                        <p:par>
+                          <p:cTn id="4" fill="hold">
+                            <p:stCondLst>
+                              <p:cond delay="0"/>
+                            </p:stCondLst>
+                            <p:childTnLst>
+                              <p:par>
+                                <p:cTn id="5" presetID="10" presetClass="entr" presetSubtype="0" fill="hold" nodeType="clickEffect">
+                                  <p:stCondLst>
+                                    <p:cond delay="0"/>
+                                  </p:stCondLst>
+                                  <p:childTnLst>
+                                    <p:set>
+                                      <p:cBhvr>
+                                        <p:cTn id="6" dur="1" fill="hold">
+                                          <p:stCondLst>
+                                            <p:cond delay="0"/>
+                                          </p:stCondLst>
+                                        </p:cTn>
+                                        <p:tgtEl>
+                                          <p:spTgt spid="18"/>
+                                        </p:tgtEl>
+                                        <p:attrNameLst>
+                                          <p:attrName>style.visibility</p:attrName>
+                                        </p:attrNameLst>
+                                      </p:cBhvr>
+                                      <p:to>
+                                        <p:strVal val="visible"/>
+                                      </p:to>
+                                    </p:set>
+                                    <p:animEffect transition="in" filter="fade">
+                                      <p:cBhvr>
+                                        <p:cTn id="7" dur="500"/>
+                                        <p:tgtEl>
+                                          <p:spTgt spid="18"/>
+                                        </p:tgtEl>
+                                      </p:cBhvr>
+                                    </p:animEffect>
+                                  </p:childTnLst>
+                                </p:cTn>
+                              </p:par>
+                            </p:childTnLst>
+                          </p:cTn>
+                        </p:par>
+                        <p:par>
+                          <p:cTn id="8" fill="hold">
+                            <p:stCondLst>
+                              <p:cond delay="500"/>
+                            </p:stCondLst>
+                            <p:childTnLst>
+                              <p:par>
+                                <p:cTn id="9" presetID="10" presetClass="entr" presetSubtype="0" fill="hold" nodeType="afterEffect">
+                                  <p:stCondLst>
+                                    <p:cond delay="0"/>
+                                  </p:stCondLst>
+                                  <p:childTnLst>
+                                    <p:set>
+                                      <p:cBhvr>
+                                        <p:cTn id="10" dur="1" fill="hold">
+                                          <p:stCondLst>
+                                            <p:cond delay="0"/>
+                                          </p:stCondLst>
+                                        </p:cTn>
+                                        <p:tgtEl>
+                                          <p:spTgt spid="19"/>
+                                        </p:tgtEl>
+                                        <p:attrNameLst>
+                                          <p:attrName>style.visibility</p:attrName>
+                                        </p:attrNameLst>
+                                      </p:cBhvr>
+                                      <p:to>
+                                        <p:strVal val="visible"/>
+                                      </p:to>
+                                    </p:set>
+                                    <p:animEffect transition="in" filter="fade">
+                                      <p:cBhvr>
+                                        <p:cTn id="11" dur="500"/>
+                                        <p:tgtEl>
+                                          <p:spTgt spid="19"/>
+                                        </p:tgtEl>
+                                      </p:cBhvr>
+                                    </p:animEffect>
+                                  </p:childTnLst>
+                                </p:cTn>
+                              </p:par>
+                            </p:childTnLst>
+                          </p:cTn>
+                        </p:par>
+                        <p:par>
+                          <p:cTn id="12" fill="hold">
+                            <p:stCondLst>
+                              <p:cond delay="1000"/>
+                            </p:stCondLst>
+                            <p:childTnLst>
+                              <p:par>
+                                <p:cTn id="13" presetID="10" presetClass="entr" presetSubtype="0" fill="hold" nodeType="afterEffect">
+                                  <p:stCondLst>
+                                    <p:cond delay="0"/>
+                                  </p:stCondLst>
+                                  <p:childTnLst>
+                                    <p:set>
+                                      <p:cBhvr>
+                                        <p:cTn id="14" dur="1" fill="hold">
+                                          <p:stCondLst>
+                                            <p:cond delay="0"/>
+                                          </p:stCondLst>
+                                        </p:cTn>
+                                        <p:tgtEl>
+                                          <p:spTgt spid="14"/>
+                                        </p:tgtEl>
+                                        <p:attrNameLst>
+                                          <p:attrName>style.visibility</p:attrName>
+                                        </p:attrNameLst>
+                                      </p:cBhvr>
+                                      <p:to>
+                                        <p:strVal val="visible"/>
+                                      </p:to>
+                                    </p:set>
+                                    <p:animEffect transition="in" filter="fade">
+                                      <p:cBhvr>
+                                        <p:cTn id="15" dur="500"/>
+                                        <p:tgtEl>
+                                          <p:spTgt spid="14"/>
+                                        </p:tgtEl>
+                                      </p:cBhvr>
+                                    </p:animEffect>
+                                  </p:childTnLst>
+                                </p:cTn>
+                              </p:par>
+                            </p:childTnLst>
+                          </p:cTn>
+                        </p:par>
+                      </p:childTnLst>
+                    </p:cTn>
+                  </p:par>
+                </p:childTnLst>
+              </p:cTn>
+              <p:prevCondLst>
+                <p:cond evt="onPrev" delay="0">
+                  <p:tgtEl>
+                    <p:sldTgt/>
+                  </p:tgtEl>
+                </p:cond>
+              </p:prevCondLst>
+              <p:nextCondLst>
+                <p:cond evt="onNext" delay="0">
+                  <p:tgtEl>
+                    <p:sldTgt/>
+                  </p:tgtEl>
+                </p:cond>
+              </p:nextCondLst>
+            </p:seq>
+          </p:childTnLst>
+        </p:cTn>
       </p:par>
     </p:tnLst>
   </p:timing>

--- a/Apresentação/Sprint 2.pptx
+++ b/Apresentação/Sprint 2.pptx
@@ -5,7 +5,7 @@
     <p:sldMasterId id="2147483648" r:id="rId1"/>
   </p:sldMasterIdLst>
   <p:notesMasterIdLst>
-    <p:notesMasterId r:id="rId16"/>
+    <p:notesMasterId r:id="rId17"/>
   </p:notesMasterIdLst>
   <p:sldIdLst>
     <p:sldId id="256" r:id="rId2"/>
@@ -22,6 +22,7 @@
     <p:sldId id="265" r:id="rId13"/>
     <p:sldId id="266" r:id="rId14"/>
     <p:sldId id="267" r:id="rId15"/>
+    <p:sldId id="273" r:id="rId16"/>
   </p:sldIdLst>
   <p:sldSz cx="12192000" cy="6858000"/>
   <p:notesSz cx="6858000" cy="9144000"/>
@@ -176,9 +177,10 @@
             <p14:sldId id="266"/>
           </p14:sldIdLst>
         </p14:section>
-        <p14:section name="Resolução - Diego" id="{49A240F3-58FF-41F4-B3A5-F1968BFC97ED}">
+        <p14:section name="Finalizar - Diego" id="{49A240F3-58FF-41F4-B3A5-F1968BFC97ED}">
           <p14:sldIdLst>
             <p14:sldId id="267"/>
+            <p14:sldId id="273"/>
           </p14:sldIdLst>
         </p14:section>
       </p14:sectionLst>
@@ -23102,7 +23104,7 @@
               <a:rPr lang="pt-BR" sz="2400" dirty="0">
                 <a:latin typeface="Bahnschrift" panose="020B0502040204020203" pitchFamily="34" charset="0"/>
               </a:rPr>
-              <a:t>Demonstração do Simulador de Sensores</a:t>
+              <a:t>Simulador de Sensores</a:t>
             </a:r>
           </a:p>
         </p:txBody>
@@ -23784,7 +23786,7 @@
               <a:rPr lang="pt-BR" sz="2400" dirty="0">
                 <a:latin typeface="Bahnschrift" panose="020B0502040204020203" pitchFamily="34" charset="0"/>
               </a:rPr>
-              <a:t>Mostrar os arquivos do Projeto no Git</a:t>
+              <a:t>Projeto no GitHub</a:t>
             </a:r>
           </a:p>
         </p:txBody>
@@ -23959,8 +23961,8 @@
         </p:nvSpPr>
         <p:spPr>
           <a:xfrm>
-            <a:off x="3560618" y="178405"/>
-            <a:ext cx="5070764" cy="609601"/>
+            <a:off x="3807563" y="2965665"/>
+            <a:ext cx="4576873" cy="926670"/>
           </a:xfrm>
           <a:prstGeom prst="rect">
             <a:avLst/>
@@ -23999,11 +24001,14 @@
           <a:p>
             <a:pPr algn="ctr"/>
             <a:r>
-              <a:rPr lang="pt-BR" sz="2400" dirty="0">
+              <a:rPr lang="pt-BR" sz="4900" dirty="0">
                 <a:latin typeface="Bahnschrift" panose="020B0502040204020203" pitchFamily="34" charset="0"/>
               </a:rPr>
-              <a:t>Resolução</a:t>
+              <a:t>Dúvidas?</a:t>
             </a:r>
+            <a:endParaRPr lang="pt-BR" sz="2400" dirty="0">
+              <a:latin typeface="Bahnschrift" panose="020B0502040204020203" pitchFamily="34" charset="0"/>
+            </a:endParaRPr>
           </a:p>
         </p:txBody>
       </p:sp>
@@ -24017,6 +24022,387 @@
   <p:clrMapOvr>
     <a:masterClrMapping/>
   </p:clrMapOvr>
+  <p:timing>
+    <p:tnLst>
+      <p:par>
+        <p:cTn id="1" dur="indefinite" restart="never" nodeType="tmRoot">
+          <p:childTnLst>
+            <p:seq concurrent="1" nextAc="seek">
+              <p:cTn id="2" dur="indefinite" nodeType="mainSeq">
+                <p:childTnLst>
+                  <p:par>
+                    <p:cTn id="3" fill="hold">
+                      <p:stCondLst>
+                        <p:cond delay="indefinite"/>
+                        <p:cond evt="onBegin" delay="0">
+                          <p:tn val="2"/>
+                        </p:cond>
+                      </p:stCondLst>
+                      <p:childTnLst>
+                        <p:par>
+                          <p:cTn id="4" fill="hold">
+                            <p:stCondLst>
+                              <p:cond delay="0"/>
+                            </p:stCondLst>
+                            <p:childTnLst>
+                              <p:par>
+                                <p:cTn id="5" presetID="10" presetClass="entr" presetSubtype="0" fill="hold" grpId="0" nodeType="withEffect">
+                                  <p:stCondLst>
+                                    <p:cond delay="0"/>
+                                  </p:stCondLst>
+                                  <p:childTnLst>
+                                    <p:set>
+                                      <p:cBhvr>
+                                        <p:cTn id="6" dur="1" fill="hold">
+                                          <p:stCondLst>
+                                            <p:cond delay="0"/>
+                                          </p:stCondLst>
+                                        </p:cTn>
+                                        <p:tgtEl>
+                                          <p:spTgt spid="6"/>
+                                        </p:tgtEl>
+                                        <p:attrNameLst>
+                                          <p:attrName>style.visibility</p:attrName>
+                                        </p:attrNameLst>
+                                      </p:cBhvr>
+                                      <p:to>
+                                        <p:strVal val="visible"/>
+                                      </p:to>
+                                    </p:set>
+                                    <p:animEffect transition="in" filter="fade">
+                                      <p:cBhvr>
+                                        <p:cTn id="7" dur="500"/>
+                                        <p:tgtEl>
+                                          <p:spTgt spid="6"/>
+                                        </p:tgtEl>
+                                      </p:cBhvr>
+                                    </p:animEffect>
+                                  </p:childTnLst>
+                                </p:cTn>
+                              </p:par>
+                            </p:childTnLst>
+                          </p:cTn>
+                        </p:par>
+                      </p:childTnLst>
+                    </p:cTn>
+                  </p:par>
+                </p:childTnLst>
+              </p:cTn>
+              <p:prevCondLst>
+                <p:cond evt="onPrev" delay="0">
+                  <p:tgtEl>
+                    <p:sldTgt/>
+                  </p:tgtEl>
+                </p:cond>
+              </p:prevCondLst>
+              <p:nextCondLst>
+                <p:cond evt="onNext" delay="0">
+                  <p:tgtEl>
+                    <p:sldTgt/>
+                  </p:tgtEl>
+                </p:cond>
+              </p:nextCondLst>
+            </p:seq>
+          </p:childTnLst>
+        </p:cTn>
+      </p:par>
+    </p:tnLst>
+    <p:bldLst>
+      <p:bldP spid="6" grpId="0" animBg="1"/>
+    </p:bldLst>
+  </p:timing>
+</p:sld>
+</file>
+
+<file path=ppt/slides/slide15.xml><?xml version="1.0" encoding="utf-8"?>
+<p:sld xmlns:a="http://schemas.openxmlformats.org/drawingml/2006/main" xmlns:r="http://schemas.openxmlformats.org/officeDocument/2006/relationships" xmlns:p="http://schemas.openxmlformats.org/presentationml/2006/main">
+  <p:cSld>
+    <p:spTree>
+      <p:nvGrpSpPr>
+        <p:cNvPr id="1" name=""/>
+        <p:cNvGrpSpPr/>
+        <p:nvPr/>
+      </p:nvGrpSpPr>
+      <p:grpSpPr>
+        <a:xfrm>
+          <a:off x="0" y="0"/>
+          <a:ext cx="0" cy="0"/>
+          <a:chOff x="0" y="0"/>
+          <a:chExt cx="0" cy="0"/>
+        </a:xfrm>
+      </p:grpSpPr>
+      <p:sp>
+        <p:nvSpPr>
+          <p:cNvPr id="6" name="Título 1">
+            <a:extLst>
+              <a:ext uri="{FF2B5EF4-FFF2-40B4-BE49-F238E27FC236}">
+                <a16:creationId xmlns:a16="http://schemas.microsoft.com/office/drawing/2014/main" id="{8A0AA669-0469-465D-815F-87FEEED0039A}"/>
+              </a:ext>
+            </a:extLst>
+          </p:cNvPr>
+          <p:cNvSpPr txBox="1">
+            <a:spLocks/>
+          </p:cNvSpPr>
+          <p:nvPr/>
+        </p:nvSpPr>
+        <p:spPr>
+          <a:xfrm>
+            <a:off x="3341230" y="1108452"/>
+            <a:ext cx="5292562" cy="926671"/>
+          </a:xfrm>
+          <a:prstGeom prst="rect">
+            <a:avLst/>
+          </a:prstGeom>
+          <a:noFill/>
+          <a:ln w="57150">
+            <a:solidFill>
+              <a:srgbClr val="E57019"/>
+            </a:solidFill>
+            <a:prstDash val="lgDash"/>
+          </a:ln>
+        </p:spPr>
+        <p:txBody>
+          <a:bodyPr vert="horz" lIns="91440" tIns="45720" rIns="91440" bIns="45720" rtlCol="0" anchor="ctr">
+            <a:normAutofit fontScale="97500"/>
+          </a:bodyPr>
+          <a:lstStyle>
+            <a:lvl1pPr algn="l" defTabSz="914400" rtl="0" eaLnBrk="1" latinLnBrk="0" hangingPunct="1">
+              <a:lnSpc>
+                <a:spcPct val="90000"/>
+              </a:lnSpc>
+              <a:spcBef>
+                <a:spcPct val="0"/>
+              </a:spcBef>
+              <a:buNone/>
+              <a:defRPr sz="4400" kern="1200">
+                <a:solidFill>
+                  <a:schemeClr val="tx1"/>
+                </a:solidFill>
+                <a:latin typeface="+mj-lt"/>
+                <a:ea typeface="+mj-ea"/>
+                <a:cs typeface="+mj-cs"/>
+              </a:defRPr>
+            </a:lvl1pPr>
+          </a:lstStyle>
+          <a:p>
+            <a:pPr algn="ctr"/>
+            <a:r>
+              <a:rPr lang="pt-BR" sz="4800" dirty="0">
+                <a:latin typeface="Bahnschrift" panose="020B0502040204020203" pitchFamily="34" charset="0"/>
+              </a:rPr>
+              <a:t>Obrigado!!</a:t>
+            </a:r>
+          </a:p>
+        </p:txBody>
+      </p:sp>
+      <p:sp>
+        <p:nvSpPr>
+          <p:cNvPr id="5" name="Título 1">
+            <a:extLst>
+              <a:ext uri="{FF2B5EF4-FFF2-40B4-BE49-F238E27FC236}">
+                <a16:creationId xmlns:a16="http://schemas.microsoft.com/office/drawing/2014/main" id="{B02A6DB2-8680-4DD3-AC2B-C295858358F3}"/>
+              </a:ext>
+            </a:extLst>
+          </p:cNvPr>
+          <p:cNvSpPr txBox="1">
+            <a:spLocks/>
+          </p:cNvSpPr>
+          <p:nvPr/>
+        </p:nvSpPr>
+        <p:spPr>
+          <a:xfrm>
+            <a:off x="269321" y="6075820"/>
+            <a:ext cx="3744740" cy="463335"/>
+          </a:xfrm>
+          <a:prstGeom prst="rect">
+            <a:avLst/>
+          </a:prstGeom>
+          <a:noFill/>
+          <a:ln w="57150">
+            <a:solidFill>
+              <a:srgbClr val="E57019"/>
+            </a:solidFill>
+            <a:prstDash val="lgDash"/>
+          </a:ln>
+        </p:spPr>
+        <p:txBody>
+          <a:bodyPr vert="horz" lIns="91440" tIns="45720" rIns="91440" bIns="45720" rtlCol="0" anchor="ctr">
+            <a:normAutofit fontScale="97500"/>
+          </a:bodyPr>
+          <a:lstStyle>
+            <a:lvl1pPr algn="l" defTabSz="914400" rtl="0" eaLnBrk="1" latinLnBrk="0" hangingPunct="1">
+              <a:lnSpc>
+                <a:spcPct val="90000"/>
+              </a:lnSpc>
+              <a:spcBef>
+                <a:spcPct val="0"/>
+              </a:spcBef>
+              <a:buNone/>
+              <a:defRPr sz="4400" kern="1200">
+                <a:solidFill>
+                  <a:schemeClr val="tx1"/>
+                </a:solidFill>
+                <a:latin typeface="+mj-lt"/>
+                <a:ea typeface="+mj-ea"/>
+                <a:cs typeface="+mj-cs"/>
+              </a:defRPr>
+            </a:lvl1pPr>
+          </a:lstStyle>
+          <a:p>
+            <a:pPr algn="ctr"/>
+            <a:r>
+              <a:rPr lang="pt-BR" sz="1600" dirty="0">
+                <a:latin typeface="Bahnschrift" panose="020B0502040204020203" pitchFamily="34" charset="0"/>
+              </a:rPr>
+              <a:t>Menção honrosa ao Derek Ventura</a:t>
+            </a:r>
+          </a:p>
+        </p:txBody>
+      </p:sp>
+    </p:spTree>
+    <p:extLst>
+      <p:ext uri="{BB962C8B-B14F-4D97-AF65-F5344CB8AC3E}">
+        <p14:creationId xmlns:p14="http://schemas.microsoft.com/office/powerpoint/2010/main" val="3513190847"/>
+      </p:ext>
+    </p:extLst>
+  </p:cSld>
+  <p:clrMapOvr>
+    <a:masterClrMapping/>
+  </p:clrMapOvr>
+  <p:timing>
+    <p:tnLst>
+      <p:par>
+        <p:cTn id="1" dur="indefinite" restart="never" nodeType="tmRoot">
+          <p:childTnLst>
+            <p:seq concurrent="1" nextAc="seek">
+              <p:cTn id="2" dur="indefinite" nodeType="mainSeq">
+                <p:childTnLst>
+                  <p:par>
+                    <p:cTn id="3" fill="hold">
+                      <p:stCondLst>
+                        <p:cond delay="indefinite"/>
+                        <p:cond evt="onBegin" delay="0">
+                          <p:tn val="2"/>
+                        </p:cond>
+                      </p:stCondLst>
+                      <p:childTnLst>
+                        <p:par>
+                          <p:cTn id="4" fill="hold">
+                            <p:stCondLst>
+                              <p:cond delay="0"/>
+                            </p:stCondLst>
+                            <p:childTnLst>
+                              <p:par>
+                                <p:cTn id="5" presetID="10" presetClass="entr" presetSubtype="0" fill="hold" grpId="0" nodeType="withEffect">
+                                  <p:stCondLst>
+                                    <p:cond delay="0"/>
+                                  </p:stCondLst>
+                                  <p:childTnLst>
+                                    <p:set>
+                                      <p:cBhvr>
+                                        <p:cTn id="6" dur="1" fill="hold">
+                                          <p:stCondLst>
+                                            <p:cond delay="0"/>
+                                          </p:stCondLst>
+                                        </p:cTn>
+                                        <p:tgtEl>
+                                          <p:spTgt spid="6"/>
+                                        </p:tgtEl>
+                                        <p:attrNameLst>
+                                          <p:attrName>style.visibility</p:attrName>
+                                        </p:attrNameLst>
+                                      </p:cBhvr>
+                                      <p:to>
+                                        <p:strVal val="visible"/>
+                                      </p:to>
+                                    </p:set>
+                                    <p:animEffect transition="in" filter="fade">
+                                      <p:cBhvr>
+                                        <p:cTn id="7" dur="500"/>
+                                        <p:tgtEl>
+                                          <p:spTgt spid="6"/>
+                                        </p:tgtEl>
+                                      </p:cBhvr>
+                                    </p:animEffect>
+                                  </p:childTnLst>
+                                </p:cTn>
+                              </p:par>
+                            </p:childTnLst>
+                          </p:cTn>
+                        </p:par>
+                        <p:par>
+                          <p:cTn id="8" fill="hold">
+                            <p:stCondLst>
+                              <p:cond delay="500"/>
+                            </p:stCondLst>
+                            <p:childTnLst>
+                              <p:par>
+                                <p:cTn id="9" presetID="10" presetClass="entr" presetSubtype="0" fill="hold" grpId="0" nodeType="afterEffect">
+                                  <p:stCondLst>
+                                    <p:cond delay="0"/>
+                                  </p:stCondLst>
+                                  <p:childTnLst>
+                                    <p:set>
+                                      <p:cBhvr>
+                                        <p:cTn id="10" dur="1" fill="hold">
+                                          <p:stCondLst>
+                                            <p:cond delay="0"/>
+                                          </p:stCondLst>
+                                        </p:cTn>
+                                        <p:tgtEl>
+                                          <p:spTgt spid="5"/>
+                                        </p:tgtEl>
+                                        <p:attrNameLst>
+                                          <p:attrName>style.visibility</p:attrName>
+                                        </p:attrNameLst>
+                                      </p:cBhvr>
+                                      <p:to>
+                                        <p:strVal val="visible"/>
+                                      </p:to>
+                                    </p:set>
+                                    <p:animEffect transition="in" filter="fade">
+                                      <p:cBhvr>
+                                        <p:cTn id="11" dur="500"/>
+                                        <p:tgtEl>
+                                          <p:spTgt spid="5"/>
+                                        </p:tgtEl>
+                                      </p:cBhvr>
+                                    </p:animEffect>
+                                  </p:childTnLst>
+                                </p:cTn>
+                              </p:par>
+                            </p:childTnLst>
+                          </p:cTn>
+                        </p:par>
+                      </p:childTnLst>
+                    </p:cTn>
+                  </p:par>
+                </p:childTnLst>
+              </p:cTn>
+              <p:prevCondLst>
+                <p:cond evt="onPrev" delay="0">
+                  <p:tgtEl>
+                    <p:sldTgt/>
+                  </p:tgtEl>
+                </p:cond>
+              </p:prevCondLst>
+              <p:nextCondLst>
+                <p:cond evt="onNext" delay="0">
+                  <p:tgtEl>
+                    <p:sldTgt/>
+                  </p:tgtEl>
+                </p:cond>
+              </p:nextCondLst>
+            </p:seq>
+          </p:childTnLst>
+        </p:cTn>
+      </p:par>
+    </p:tnLst>
+    <p:bldLst>
+      <p:bldP spid="6" grpId="0" animBg="1"/>
+      <p:bldP spid="5" grpId="0" animBg="1"/>
+    </p:bldLst>
+  </p:timing>
 </p:sld>
 </file>
 

--- a/Apresentação/Sprint 2.pptx
+++ b/Apresentação/Sprint 2.pptx
@@ -24211,8 +24211,8 @@
         </p:nvSpPr>
         <p:spPr>
           <a:xfrm>
-            <a:off x="269321" y="6075820"/>
-            <a:ext cx="3744740" cy="463335"/>
+            <a:off x="1619148" y="4067627"/>
+            <a:ext cx="5492852" cy="1868716"/>
           </a:xfrm>
           <a:prstGeom prst="rect">
             <a:avLst/>
@@ -24251,10 +24251,49 @@
           <a:p>
             <a:pPr algn="ctr"/>
             <a:r>
-              <a:rPr lang="pt-BR" sz="1600" dirty="0">
+              <a:rPr lang="pt-BR" sz="1400" dirty="0">
                 <a:latin typeface="Bahnschrift" panose="020B0502040204020203" pitchFamily="34" charset="0"/>
               </a:rPr>
-              <a:t>Menção honrosa ao Derek Ventura</a:t>
+              <a:t>Menção honrosa a:</a:t>
+            </a:r>
+          </a:p>
+          <a:p>
+            <a:pPr algn="ctr"/>
+            <a:r>
+              <a:rPr lang="pt-BR" sz="1400" dirty="0">
+                <a:latin typeface="Bahnschrift" panose="020B0502040204020203" pitchFamily="34" charset="0"/>
+              </a:rPr>
+              <a:t>Braian Braga</a:t>
+            </a:r>
+          </a:p>
+          <a:p>
+            <a:pPr algn="ctr"/>
+            <a:r>
+              <a:rPr lang="pt-BR" sz="1400" dirty="0">
+                <a:latin typeface="Bahnschrift" panose="020B0502040204020203" pitchFamily="34" charset="0"/>
+              </a:rPr>
+              <a:t>Derek Ventura</a:t>
+            </a:r>
+          </a:p>
+          <a:p>
+            <a:pPr algn="ctr"/>
+            <a:r>
+              <a:rPr lang="pt-BR" sz="1400">
+                <a:latin typeface="Bahnschrift" panose="020B0502040204020203" pitchFamily="34" charset="0"/>
+              </a:rPr>
+              <a:t>Isabella Conti</a:t>
+            </a:r>
+            <a:endParaRPr lang="pt-BR" sz="1400" dirty="0">
+              <a:latin typeface="Bahnschrift" panose="020B0502040204020203" pitchFamily="34" charset="0"/>
+            </a:endParaRPr>
+          </a:p>
+          <a:p>
+            <a:pPr algn="ctr"/>
+            <a:r>
+              <a:rPr lang="pt-BR" sz="1400" dirty="0">
+                <a:latin typeface="Bahnschrift" panose="020B0502040204020203" pitchFamily="34" charset="0"/>
+              </a:rPr>
+              <a:t>Paulo Souza</a:t>
             </a:r>
           </a:p>
         </p:txBody>

--- a/Apresentação/Sprint 2.pptx
+++ b/Apresentação/Sprint 2.pptx
@@ -285,7 +285,7 @@
           <a:p>
             <a:fld id="{2AC623DE-5237-4C19-85D3-5FFEA96937E5}" type="datetimeFigureOut">
               <a:rPr lang="pt-BR" smtClean="0"/>
-              <a:t>20/10/2021</a:t>
+              <a:t>21/10/2021</a:t>
             </a:fld>
             <a:endParaRPr lang="pt-BR"/>
           </a:p>
@@ -1035,7 +1035,7 @@
           <a:p>
             <a:fld id="{C299CD27-58EF-4BCB-B5FB-85B99416EAD9}" type="datetimeFigureOut">
               <a:rPr lang="pt-BR" smtClean="0"/>
-              <a:t>20/10/2021</a:t>
+              <a:t>21/10/2021</a:t>
             </a:fld>
             <a:endParaRPr lang="pt-BR"/>
           </a:p>
@@ -1233,7 +1233,7 @@
           <a:p>
             <a:fld id="{C299CD27-58EF-4BCB-B5FB-85B99416EAD9}" type="datetimeFigureOut">
               <a:rPr lang="pt-BR" smtClean="0"/>
-              <a:t>20/10/2021</a:t>
+              <a:t>21/10/2021</a:t>
             </a:fld>
             <a:endParaRPr lang="pt-BR"/>
           </a:p>
@@ -1441,7 +1441,7 @@
           <a:p>
             <a:fld id="{C299CD27-58EF-4BCB-B5FB-85B99416EAD9}" type="datetimeFigureOut">
               <a:rPr lang="pt-BR" smtClean="0"/>
-              <a:t>20/10/2021</a:t>
+              <a:t>21/10/2021</a:t>
             </a:fld>
             <a:endParaRPr lang="pt-BR"/>
           </a:p>
@@ -1639,7 +1639,7 @@
           <a:p>
             <a:fld id="{C299CD27-58EF-4BCB-B5FB-85B99416EAD9}" type="datetimeFigureOut">
               <a:rPr lang="pt-BR" smtClean="0"/>
-              <a:t>20/10/2021</a:t>
+              <a:t>21/10/2021</a:t>
             </a:fld>
             <a:endParaRPr lang="pt-BR"/>
           </a:p>
@@ -1914,7 +1914,7 @@
           <a:p>
             <a:fld id="{C299CD27-58EF-4BCB-B5FB-85B99416EAD9}" type="datetimeFigureOut">
               <a:rPr lang="pt-BR" smtClean="0"/>
-              <a:t>20/10/2021</a:t>
+              <a:t>21/10/2021</a:t>
             </a:fld>
             <a:endParaRPr lang="pt-BR"/>
           </a:p>
@@ -2179,7 +2179,7 @@
           <a:p>
             <a:fld id="{C299CD27-58EF-4BCB-B5FB-85B99416EAD9}" type="datetimeFigureOut">
               <a:rPr lang="pt-BR" smtClean="0"/>
-              <a:t>20/10/2021</a:t>
+              <a:t>21/10/2021</a:t>
             </a:fld>
             <a:endParaRPr lang="pt-BR"/>
           </a:p>
@@ -2591,7 +2591,7 @@
           <a:p>
             <a:fld id="{C299CD27-58EF-4BCB-B5FB-85B99416EAD9}" type="datetimeFigureOut">
               <a:rPr lang="pt-BR" smtClean="0"/>
-              <a:t>20/10/2021</a:t>
+              <a:t>21/10/2021</a:t>
             </a:fld>
             <a:endParaRPr lang="pt-BR"/>
           </a:p>
@@ -2732,7 +2732,7 @@
           <a:p>
             <a:fld id="{C299CD27-58EF-4BCB-B5FB-85B99416EAD9}" type="datetimeFigureOut">
               <a:rPr lang="pt-BR" smtClean="0"/>
-              <a:t>20/10/2021</a:t>
+              <a:t>21/10/2021</a:t>
             </a:fld>
             <a:endParaRPr lang="pt-BR"/>
           </a:p>
@@ -2845,7 +2845,7 @@
           <a:p>
             <a:fld id="{C299CD27-58EF-4BCB-B5FB-85B99416EAD9}" type="datetimeFigureOut">
               <a:rPr lang="pt-BR" smtClean="0"/>
-              <a:t>20/10/2021</a:t>
+              <a:t>21/10/2021</a:t>
             </a:fld>
             <a:endParaRPr lang="pt-BR"/>
           </a:p>
@@ -3156,7 +3156,7 @@
           <a:p>
             <a:fld id="{C299CD27-58EF-4BCB-B5FB-85B99416EAD9}" type="datetimeFigureOut">
               <a:rPr lang="pt-BR" smtClean="0"/>
-              <a:t>20/10/2021</a:t>
+              <a:t>21/10/2021</a:t>
             </a:fld>
             <a:endParaRPr lang="pt-BR"/>
           </a:p>
@@ -3444,7 +3444,7 @@
           <a:p>
             <a:fld id="{C299CD27-58EF-4BCB-B5FB-85B99416EAD9}" type="datetimeFigureOut">
               <a:rPr lang="pt-BR" smtClean="0"/>
-              <a:t>20/10/2021</a:t>
+              <a:t>21/10/2021</a:t>
             </a:fld>
             <a:endParaRPr lang="pt-BR"/>
           </a:p>
@@ -3694,7 +3694,7 @@
           <a:p>
             <a:fld id="{C299CD27-58EF-4BCB-B5FB-85B99416EAD9}" type="datetimeFigureOut">
               <a:rPr lang="pt-BR" smtClean="0"/>
-              <a:t>20/10/2021</a:t>
+              <a:t>21/10/2021</a:t>
             </a:fld>
             <a:endParaRPr lang="pt-BR"/>
           </a:p>
@@ -4550,7 +4550,7 @@
         </p:nvSpPr>
         <p:spPr>
           <a:xfrm>
-            <a:off x="6695704" y="4826918"/>
+            <a:off x="6863804" y="4825149"/>
             <a:ext cx="2583543" cy="830997"/>
           </a:xfrm>
           <a:prstGeom prst="rect">
@@ -22910,6 +22910,9 @@
                     <p:cTn id="3" fill="hold">
                       <p:stCondLst>
                         <p:cond delay="indefinite"/>
+                        <p:cond evt="onBegin" delay="0">
+                          <p:tn val="2"/>
+                        </p:cond>
                       </p:stCondLst>
                       <p:childTnLst>
                         <p:par>
@@ -22919,7 +22922,7 @@
                             </p:stCondLst>
                             <p:childTnLst>
                               <p:par>
-                                <p:cTn id="5" presetID="10" presetClass="entr" presetSubtype="0" fill="hold" nodeType="clickEffect">
+                                <p:cTn id="5" presetID="10" presetClass="entr" presetSubtype="0" fill="hold" nodeType="withEffect">
                                   <p:stCondLst>
                                     <p:cond delay="0"/>
                                   </p:stCondLst>
@@ -23270,6 +23273,9 @@
                     <p:cTn id="3" fill="hold">
                       <p:stCondLst>
                         <p:cond delay="indefinite"/>
+                        <p:cond evt="onBegin" delay="0">
+                          <p:tn val="2"/>
+                        </p:cond>
                       </p:stCondLst>
                       <p:childTnLst>
                         <p:par>
@@ -23279,7 +23285,7 @@
                             </p:stCondLst>
                             <p:childTnLst>
                               <p:par>
-                                <p:cTn id="5" presetID="10" presetClass="entr" presetSubtype="0" fill="hold" nodeType="clickEffect">
+                                <p:cTn id="5" presetID="10" presetClass="entr" presetSubtype="0" fill="hold" nodeType="afterEffect">
                                   <p:stCondLst>
                                     <p:cond delay="0"/>
                                   </p:stCondLst>
@@ -23464,7 +23470,7 @@
               <a:rPr lang="pt-BR" sz="2400" dirty="0">
                 <a:latin typeface="Bahnschrift" panose="020B0502040204020203" pitchFamily="34" charset="0"/>
               </a:rPr>
-              <a:t>Tabelas / Modelo de dados Lógico</a:t>
+              <a:t>Modelagem / Tabelas BD</a:t>
             </a:r>
           </a:p>
         </p:txBody>
@@ -23578,6 +23584,9 @@
                     <p:cTn id="3" fill="hold">
                       <p:stCondLst>
                         <p:cond delay="indefinite"/>
+                        <p:cond evt="onBegin" delay="0">
+                          <p:tn val="2"/>
+                        </p:cond>
                       </p:stCondLst>
                       <p:childTnLst>
                         <p:par>
@@ -23587,7 +23596,7 @@
                             </p:stCondLst>
                             <p:childTnLst>
                               <p:par>
-                                <p:cTn id="5" presetID="10" presetClass="entr" presetSubtype="0" fill="hold" nodeType="clickEffect">
+                                <p:cTn id="5" presetID="10" presetClass="entr" presetSubtype="0" fill="hold" nodeType="afterEffect">
                                   <p:stCondLst>
                                     <p:cond delay="0"/>
                                   </p:stCondLst>
@@ -24034,9 +24043,6 @@
                     <p:cTn id="3" fill="hold">
                       <p:stCondLst>
                         <p:cond delay="indefinite"/>
-                        <p:cond evt="onBegin" delay="0">
-                          <p:tn val="2"/>
-                        </p:cond>
                       </p:stCondLst>
                       <p:childTnLst>
                         <p:par>
@@ -24046,7 +24052,7 @@
                             </p:stCondLst>
                             <p:childTnLst>
                               <p:par>
-                                <p:cTn id="5" presetID="10" presetClass="entr" presetSubtype="0" fill="hold" grpId="0" nodeType="withEffect">
+                                <p:cTn id="5" presetID="10" presetClass="entr" presetSubtype="0" fill="hold" grpId="0" nodeType="clickEffect">
                                   <p:stCondLst>
                                     <p:cond delay="0"/>
                                   </p:stCondLst>
@@ -24190,7 +24196,7 @@
               <a:rPr lang="pt-BR" sz="4800" dirty="0">
                 <a:latin typeface="Bahnschrift" panose="020B0502040204020203" pitchFamily="34" charset="0"/>
               </a:rPr>
-              <a:t>Obrigado!!</a:t>
+              <a:t>Obrigado!</a:t>
             </a:r>
           </a:p>
         </p:txBody>
@@ -24211,8 +24217,8 @@
         </p:nvSpPr>
         <p:spPr>
           <a:xfrm>
-            <a:off x="1619148" y="4067627"/>
-            <a:ext cx="5492852" cy="1868716"/>
+            <a:off x="304800" y="5916385"/>
+            <a:ext cx="2104571" cy="591458"/>
           </a:xfrm>
           <a:prstGeom prst="rect">
             <a:avLst/>
@@ -24249,25 +24255,24 @@
             </a:lvl1pPr>
           </a:lstStyle>
           <a:p>
-            <a:pPr algn="ctr"/>
+            <a:pPr algn="ctr">
+              <a:lnSpc>
+                <a:spcPct val="100000"/>
+              </a:lnSpc>
+            </a:pPr>
             <a:r>
-              <a:rPr lang="pt-BR" sz="1400" dirty="0">
+              <a:rPr lang="pt-BR" sz="1400" b="1" dirty="0">
                 <a:latin typeface="Bahnschrift" panose="020B0502040204020203" pitchFamily="34" charset="0"/>
               </a:rPr>
-              <a:t>Menção honrosa a:</a:t>
+              <a:t>Menção honrosa:</a:t>
             </a:r>
           </a:p>
           <a:p>
-            <a:pPr algn="ctr"/>
-            <a:r>
-              <a:rPr lang="pt-BR" sz="1400" dirty="0">
-                <a:latin typeface="Bahnschrift" panose="020B0502040204020203" pitchFamily="34" charset="0"/>
-              </a:rPr>
-              <a:t>Braian Braga</a:t>
-            </a:r>
-          </a:p>
-          <a:p>
-            <a:pPr algn="ctr"/>
+            <a:pPr algn="ctr">
+              <a:lnSpc>
+                <a:spcPct val="100000"/>
+              </a:lnSpc>
+            </a:pPr>
             <a:r>
               <a:rPr lang="pt-BR" sz="1400" dirty="0">
                 <a:latin typeface="Bahnschrift" panose="020B0502040204020203" pitchFamily="34" charset="0"/>
@@ -24275,22 +24280,121 @@
               <a:t>Derek Ventura</a:t>
             </a:r>
           </a:p>
+        </p:txBody>
+      </p:sp>
+      <p:sp>
+        <p:nvSpPr>
+          <p:cNvPr id="4" name="Título 1">
+            <a:extLst>
+              <a:ext uri="{FF2B5EF4-FFF2-40B4-BE49-F238E27FC236}">
+                <a16:creationId xmlns:a16="http://schemas.microsoft.com/office/drawing/2014/main" id="{51C6294D-7620-4116-B103-F480FD580AC7}"/>
+              </a:ext>
+            </a:extLst>
+          </p:cNvPr>
+          <p:cNvSpPr txBox="1">
+            <a:spLocks/>
+          </p:cNvSpPr>
+          <p:nvPr/>
+        </p:nvSpPr>
+        <p:spPr>
+          <a:xfrm>
+            <a:off x="4611107" y="3242376"/>
+            <a:ext cx="2969785" cy="1676764"/>
+          </a:xfrm>
+          <a:prstGeom prst="rect">
+            <a:avLst/>
+          </a:prstGeom>
+          <a:noFill/>
+          <a:ln w="57150">
+            <a:solidFill>
+              <a:srgbClr val="E57019"/>
+            </a:solidFill>
+            <a:prstDash val="lgDash"/>
+          </a:ln>
+        </p:spPr>
+        <p:txBody>
+          <a:bodyPr vert="horz" lIns="91440" tIns="45720" rIns="91440" bIns="45720" rtlCol="0" anchor="ctr">
+            <a:noAutofit/>
+          </a:bodyPr>
+          <a:lstStyle>
+            <a:lvl1pPr algn="l" defTabSz="914400" rtl="0" eaLnBrk="1" latinLnBrk="0" hangingPunct="1">
+              <a:lnSpc>
+                <a:spcPct val="90000"/>
+              </a:lnSpc>
+              <a:spcBef>
+                <a:spcPct val="0"/>
+              </a:spcBef>
+              <a:buNone/>
+              <a:defRPr sz="4400" kern="1200">
+                <a:solidFill>
+                  <a:schemeClr val="tx1"/>
+                </a:solidFill>
+                <a:latin typeface="+mj-lt"/>
+                <a:ea typeface="+mj-ea"/>
+                <a:cs typeface="+mj-cs"/>
+              </a:defRPr>
+            </a:lvl1pPr>
+          </a:lstStyle>
           <a:p>
-            <a:pPr algn="ctr"/>
+            <a:pPr algn="ctr">
+              <a:lnSpc>
+                <a:spcPct val="100000"/>
+              </a:lnSpc>
+            </a:pPr>
             <a:r>
-              <a:rPr lang="pt-BR" sz="1400">
+              <a:rPr lang="pt-BR" sz="2000" b="1" dirty="0">
+                <a:latin typeface="Bahnschrift" panose="020B0502040204020203" pitchFamily="34" charset="0"/>
+              </a:rPr>
+              <a:t>Agradecimentos:</a:t>
+            </a:r>
+          </a:p>
+          <a:p>
+            <a:pPr algn="ctr">
+              <a:lnSpc>
+                <a:spcPct val="100000"/>
+              </a:lnSpc>
+            </a:pPr>
+            <a:r>
+              <a:rPr lang="pt-BR" sz="2000" dirty="0">
+                <a:latin typeface="Bahnschrift" panose="020B0502040204020203" pitchFamily="34" charset="0"/>
+              </a:rPr>
+              <a:t>Braian Braga</a:t>
+            </a:r>
+          </a:p>
+          <a:p>
+            <a:pPr algn="ctr">
+              <a:lnSpc>
+                <a:spcPct val="100000"/>
+              </a:lnSpc>
+            </a:pPr>
+            <a:r>
+              <a:rPr lang="pt-BR" sz="2000" dirty="0">
                 <a:latin typeface="Bahnschrift" panose="020B0502040204020203" pitchFamily="34" charset="0"/>
               </a:rPr>
               <a:t>Isabella Conti</a:t>
             </a:r>
-            <a:endParaRPr lang="pt-BR" sz="1400" dirty="0">
-              <a:latin typeface="Bahnschrift" panose="020B0502040204020203" pitchFamily="34" charset="0"/>
-            </a:endParaRPr>
           </a:p>
           <a:p>
-            <a:pPr algn="ctr"/>
+            <a:pPr algn="ctr">
+              <a:lnSpc>
+                <a:spcPct val="100000"/>
+              </a:lnSpc>
+            </a:pPr>
             <a:r>
-              <a:rPr lang="pt-BR" sz="1400" dirty="0">
+              <a:rPr lang="pt-BR" sz="2000" dirty="0">
+                <a:latin typeface="Bahnschrift" panose="020B0502040204020203" pitchFamily="34" charset="0"/>
+              </a:rPr>
+              <a:t>João Pedro</a:t>
+            </a:r>
+          </a:p>
+          <a:p>
+            <a:pPr algn="ctr">
+              <a:lnSpc>
+                <a:spcPct val="100000"/>
+              </a:lnSpc>
+            </a:pPr>
+            <a:r>
+              <a:rPr lang="pt-BR" sz="2000" dirty="0">
                 <a:latin typeface="Bahnschrift" panose="020B0502040204020203" pitchFamily="34" charset="0"/>
               </a:rPr>
               <a:t>Paulo Souza</a:t>
@@ -24413,6 +24517,50 @@
                             </p:childTnLst>
                           </p:cTn>
                         </p:par>
+                        <p:par>
+                          <p:cTn id="12" fill="hold">
+                            <p:stCondLst>
+                              <p:cond delay="1000"/>
+                            </p:stCondLst>
+                            <p:childTnLst>
+                              <p:par>
+                                <p:cTn id="13" presetID="10" presetClass="entr" presetSubtype="0" fill="hold" grpId="0" nodeType="afterEffect">
+                                  <p:stCondLst>
+                                    <p:cond delay="0"/>
+                                  </p:stCondLst>
+                                  <p:childTnLst>
+                                    <p:set>
+                                      <p:cBhvr>
+                                        <p:cTn id="14" dur="1" fill="hold">
+                                          <p:stCondLst>
+                                            <p:cond delay="0"/>
+                                          </p:stCondLst>
+                                        </p:cTn>
+                                        <p:tgtEl>
+                                          <p:spTgt spid="4"/>
+                                        </p:tgtEl>
+                                        <p:attrNameLst>
+                                          <p:attrName>style.visibility</p:attrName>
+                                        </p:attrNameLst>
+                                      </p:cBhvr>
+                                      <p:to>
+                                        <p:strVal val="visible"/>
+                                      </p:to>
+                                    </p:set>
+                                    <p:animEffect transition="in" filter="fade">
+                                      <p:cBhvr>
+                                        <p:cTn id="15" dur="500"/>
+                                        <p:tgtEl>
+                                          <p:spTgt spid="4"/>
+                                        </p:tgtEl>
+                                      </p:cBhvr>
+                                    </p:animEffect>
+                                  </p:childTnLst>
+                                </p:cTn>
+                              </p:par>
+                            </p:childTnLst>
+                          </p:cTn>
+                        </p:par>
                       </p:childTnLst>
                     </p:cTn>
                   </p:par>
@@ -24440,6 +24588,7 @@
     <p:bldLst>
       <p:bldP spid="6" grpId="0" animBg="1"/>
       <p:bldP spid="5" grpId="0" animBg="1"/>
+      <p:bldP spid="4" grpId="0" animBg="1"/>
     </p:bldLst>
   </p:timing>
 </p:sld>
@@ -24534,8 +24683,8 @@
         </p:nvSpPr>
         <p:spPr>
           <a:xfrm>
-            <a:off x="665018" y="2029677"/>
-            <a:ext cx="6330867" cy="400110"/>
+            <a:off x="718431" y="1307171"/>
+            <a:ext cx="5174369" cy="2173031"/>
           </a:xfrm>
           <a:prstGeom prst="rect">
             <a:avLst/>
@@ -24549,6 +24698,9 @@
           <a:lstStyle/>
           <a:p>
             <a:pPr marL="285750" indent="-285750">
+              <a:lnSpc>
+                <a:spcPct val="150000"/>
+              </a:lnSpc>
               <a:buBlip>
                 <a:blip r:embed="rId3"/>
               </a:buBlip>
@@ -24556,6 +24708,66 @@
             <a:r>
               <a:rPr lang="pt-BR" sz="2000" dirty="0"/>
               <a:t>Como funciona transporte público no Brasil?</a:t>
+            </a:r>
+          </a:p>
+          <a:p>
+            <a:pPr marL="800100" lvl="1" indent="-342900">
+              <a:lnSpc>
+                <a:spcPct val="150000"/>
+              </a:lnSpc>
+              <a:buSzPct val="90000"/>
+              <a:buBlip>
+                <a:blip r:embed="rId3"/>
+              </a:buBlip>
+            </a:pPr>
+            <a:r>
+              <a:rPr lang="pt-BR" dirty="0"/>
+              <a:t>Aglomeração </a:t>
+            </a:r>
+          </a:p>
+          <a:p>
+            <a:pPr marL="800100" lvl="1" indent="-342900">
+              <a:lnSpc>
+                <a:spcPct val="150000"/>
+              </a:lnSpc>
+              <a:buSzPct val="90000"/>
+              <a:buBlip>
+                <a:blip r:embed="rId3"/>
+              </a:buBlip>
+            </a:pPr>
+            <a:r>
+              <a:rPr lang="pt-BR" dirty="0"/>
+              <a:t>Falta de ônibus em regiões não centrais</a:t>
+            </a:r>
+          </a:p>
+          <a:p>
+            <a:pPr marL="800100" lvl="1" indent="-342900">
+              <a:lnSpc>
+                <a:spcPct val="150000"/>
+              </a:lnSpc>
+              <a:buSzPct val="90000"/>
+              <a:buBlip>
+                <a:blip r:embed="rId3"/>
+              </a:buBlip>
+            </a:pPr>
+            <a:r>
+              <a:rPr lang="pt-BR" dirty="0"/>
+              <a:t>Atrasos recorrentes</a:t>
+            </a:r>
+          </a:p>
+          <a:p>
+            <a:pPr marL="800100" lvl="1" indent="-342900">
+              <a:lnSpc>
+                <a:spcPct val="150000"/>
+              </a:lnSpc>
+              <a:buSzPct val="90000"/>
+              <a:buBlip>
+                <a:blip r:embed="rId3"/>
+              </a:buBlip>
+            </a:pPr>
+            <a:r>
+              <a:rPr lang="pt-BR" dirty="0"/>
+              <a:t>Assaltos</a:t>
             </a:r>
           </a:p>
         </p:txBody>
@@ -24568,8 +24780,8 @@
         </p:nvSpPr>
         <p:spPr>
           <a:xfrm>
-            <a:off x="665018" y="2537508"/>
-            <a:ext cx="7854867" cy="400110"/>
+            <a:off x="718431" y="3602780"/>
+            <a:ext cx="4748811" cy="400110"/>
           </a:xfrm>
           <a:prstGeom prst="rect">
             <a:avLst/>
@@ -24602,8 +24814,8 @@
         </p:nvSpPr>
         <p:spPr>
           <a:xfrm>
-            <a:off x="665019" y="3045340"/>
-            <a:ext cx="6330866" cy="400110"/>
+            <a:off x="725384" y="4184624"/>
+            <a:ext cx="4284352" cy="400110"/>
           </a:xfrm>
           <a:prstGeom prst="rect">
             <a:avLst/>
@@ -24636,8 +24848,8 @@
         </p:nvSpPr>
         <p:spPr>
           <a:xfrm>
-            <a:off x="665018" y="3963979"/>
-            <a:ext cx="6693725" cy="923330"/>
+            <a:off x="540327" y="4794976"/>
+            <a:ext cx="6040582" cy="923330"/>
           </a:xfrm>
           <a:prstGeom prst="rect">
             <a:avLst/>
@@ -24889,7 +25101,7 @@
                             </p:stCondLst>
                             <p:childTnLst>
                               <p:par>
-                                <p:cTn id="10" presetID="10" presetClass="entr" presetSubtype="0" fill="hold" grpId="0" nodeType="clickEffect">
+                                <p:cTn id="10" presetID="10" presetClass="entr" presetSubtype="0" fill="hold" nodeType="clickEffect">
                                   <p:stCondLst>
                                     <p:cond delay="0"/>
                                   </p:stCondLst>
@@ -24897,6 +25109,223 @@
                                     <p:set>
                                       <p:cBhvr>
                                         <p:cTn id="11" dur="1" fill="hold">
+                                          <p:stCondLst>
+                                            <p:cond delay="0"/>
+                                          </p:stCondLst>
+                                        </p:cTn>
+                                        <p:tgtEl>
+                                          <p:spTgt spid="2">
+                                            <p:txEl>
+                                              <p:pRg st="1" end="1"/>
+                                            </p:txEl>
+                                          </p:spTgt>
+                                        </p:tgtEl>
+                                        <p:attrNameLst>
+                                          <p:attrName>style.visibility</p:attrName>
+                                        </p:attrNameLst>
+                                      </p:cBhvr>
+                                      <p:to>
+                                        <p:strVal val="visible"/>
+                                      </p:to>
+                                    </p:set>
+                                    <p:animEffect transition="in" filter="fade">
+                                      <p:cBhvr>
+                                        <p:cTn id="12" dur="500"/>
+                                        <p:tgtEl>
+                                          <p:spTgt spid="2">
+                                            <p:txEl>
+                                              <p:pRg st="1" end="1"/>
+                                            </p:txEl>
+                                          </p:spTgt>
+                                        </p:tgtEl>
+                                      </p:cBhvr>
+                                    </p:animEffect>
+                                  </p:childTnLst>
+                                </p:cTn>
+                              </p:par>
+                            </p:childTnLst>
+                          </p:cTn>
+                        </p:par>
+                        <p:par>
+                          <p:cTn id="13" fill="hold">
+                            <p:stCondLst>
+                              <p:cond delay="500"/>
+                            </p:stCondLst>
+                            <p:childTnLst>
+                              <p:par>
+                                <p:cTn id="14" presetID="10" presetClass="entr" presetSubtype="0" fill="hold" nodeType="afterEffect">
+                                  <p:stCondLst>
+                                    <p:cond delay="0"/>
+                                  </p:stCondLst>
+                                  <p:childTnLst>
+                                    <p:set>
+                                      <p:cBhvr>
+                                        <p:cTn id="15" dur="1" fill="hold">
+                                          <p:stCondLst>
+                                            <p:cond delay="0"/>
+                                          </p:stCondLst>
+                                        </p:cTn>
+                                        <p:tgtEl>
+                                          <p:spTgt spid="2">
+                                            <p:txEl>
+                                              <p:pRg st="2" end="2"/>
+                                            </p:txEl>
+                                          </p:spTgt>
+                                        </p:tgtEl>
+                                        <p:attrNameLst>
+                                          <p:attrName>style.visibility</p:attrName>
+                                        </p:attrNameLst>
+                                      </p:cBhvr>
+                                      <p:to>
+                                        <p:strVal val="visible"/>
+                                      </p:to>
+                                    </p:set>
+                                    <p:animEffect transition="in" filter="fade">
+                                      <p:cBhvr>
+                                        <p:cTn id="16" dur="500"/>
+                                        <p:tgtEl>
+                                          <p:spTgt spid="2">
+                                            <p:txEl>
+                                              <p:pRg st="2" end="2"/>
+                                            </p:txEl>
+                                          </p:spTgt>
+                                        </p:tgtEl>
+                                      </p:cBhvr>
+                                    </p:animEffect>
+                                  </p:childTnLst>
+                                </p:cTn>
+                              </p:par>
+                            </p:childTnLst>
+                          </p:cTn>
+                        </p:par>
+                        <p:par>
+                          <p:cTn id="17" fill="hold">
+                            <p:stCondLst>
+                              <p:cond delay="1000"/>
+                            </p:stCondLst>
+                            <p:childTnLst>
+                              <p:par>
+                                <p:cTn id="18" presetID="10" presetClass="entr" presetSubtype="0" fill="hold" nodeType="afterEffect">
+                                  <p:stCondLst>
+                                    <p:cond delay="0"/>
+                                  </p:stCondLst>
+                                  <p:childTnLst>
+                                    <p:set>
+                                      <p:cBhvr>
+                                        <p:cTn id="19" dur="1" fill="hold">
+                                          <p:stCondLst>
+                                            <p:cond delay="0"/>
+                                          </p:stCondLst>
+                                        </p:cTn>
+                                        <p:tgtEl>
+                                          <p:spTgt spid="2">
+                                            <p:txEl>
+                                              <p:pRg st="3" end="3"/>
+                                            </p:txEl>
+                                          </p:spTgt>
+                                        </p:tgtEl>
+                                        <p:attrNameLst>
+                                          <p:attrName>style.visibility</p:attrName>
+                                        </p:attrNameLst>
+                                      </p:cBhvr>
+                                      <p:to>
+                                        <p:strVal val="visible"/>
+                                      </p:to>
+                                    </p:set>
+                                    <p:animEffect transition="in" filter="fade">
+                                      <p:cBhvr>
+                                        <p:cTn id="20" dur="500"/>
+                                        <p:tgtEl>
+                                          <p:spTgt spid="2">
+                                            <p:txEl>
+                                              <p:pRg st="3" end="3"/>
+                                            </p:txEl>
+                                          </p:spTgt>
+                                        </p:tgtEl>
+                                      </p:cBhvr>
+                                    </p:animEffect>
+                                  </p:childTnLst>
+                                </p:cTn>
+                              </p:par>
+                            </p:childTnLst>
+                          </p:cTn>
+                        </p:par>
+                        <p:par>
+                          <p:cTn id="21" fill="hold">
+                            <p:stCondLst>
+                              <p:cond delay="1500"/>
+                            </p:stCondLst>
+                            <p:childTnLst>
+                              <p:par>
+                                <p:cTn id="22" presetID="10" presetClass="entr" presetSubtype="0" fill="hold" nodeType="afterEffect">
+                                  <p:stCondLst>
+                                    <p:cond delay="0"/>
+                                  </p:stCondLst>
+                                  <p:childTnLst>
+                                    <p:set>
+                                      <p:cBhvr>
+                                        <p:cTn id="23" dur="1" fill="hold">
+                                          <p:stCondLst>
+                                            <p:cond delay="0"/>
+                                          </p:stCondLst>
+                                        </p:cTn>
+                                        <p:tgtEl>
+                                          <p:spTgt spid="2">
+                                            <p:txEl>
+                                              <p:pRg st="4" end="4"/>
+                                            </p:txEl>
+                                          </p:spTgt>
+                                        </p:tgtEl>
+                                        <p:attrNameLst>
+                                          <p:attrName>style.visibility</p:attrName>
+                                        </p:attrNameLst>
+                                      </p:cBhvr>
+                                      <p:to>
+                                        <p:strVal val="visible"/>
+                                      </p:to>
+                                    </p:set>
+                                    <p:animEffect transition="in" filter="fade">
+                                      <p:cBhvr>
+                                        <p:cTn id="24" dur="500"/>
+                                        <p:tgtEl>
+                                          <p:spTgt spid="2">
+                                            <p:txEl>
+                                              <p:pRg st="4" end="4"/>
+                                            </p:txEl>
+                                          </p:spTgt>
+                                        </p:tgtEl>
+                                      </p:cBhvr>
+                                    </p:animEffect>
+                                  </p:childTnLst>
+                                </p:cTn>
+                              </p:par>
+                            </p:childTnLst>
+                          </p:cTn>
+                        </p:par>
+                      </p:childTnLst>
+                    </p:cTn>
+                  </p:par>
+                  <p:par>
+                    <p:cTn id="25" fill="hold">
+                      <p:stCondLst>
+                        <p:cond delay="indefinite"/>
+                      </p:stCondLst>
+                      <p:childTnLst>
+                        <p:par>
+                          <p:cTn id="26" fill="hold">
+                            <p:stCondLst>
+                              <p:cond delay="0"/>
+                            </p:stCondLst>
+                            <p:childTnLst>
+                              <p:par>
+                                <p:cTn id="27" presetID="10" presetClass="entr" presetSubtype="0" fill="hold" grpId="0" nodeType="clickEffect">
+                                  <p:stCondLst>
+                                    <p:cond delay="0"/>
+                                  </p:stCondLst>
+                                  <p:childTnLst>
+                                    <p:set>
+                                      <p:cBhvr>
+                                        <p:cTn id="28" dur="1" fill="hold">
                                           <p:stCondLst>
                                             <p:cond delay="0"/>
                                           </p:stCondLst>
@@ -24914,7 +25343,7 @@
                                     </p:set>
                                     <p:animEffect transition="in" filter="fade">
                                       <p:cBhvr>
-                                        <p:cTn id="12" dur="500"/>
+                                        <p:cTn id="29" dur="500"/>
                                         <p:tgtEl>
                                           <p:spTgt spid="3"/>
                                         </p:tgtEl>
@@ -24930,26 +25359,26 @@
                     </p:cTn>
                   </p:par>
                   <p:par>
-                    <p:cTn id="13" fill="hold">
+                    <p:cTn id="30" fill="hold">
                       <p:stCondLst>
                         <p:cond delay="indefinite"/>
                       </p:stCondLst>
                       <p:childTnLst>
                         <p:par>
-                          <p:cTn id="14" fill="hold">
+                          <p:cTn id="31" fill="hold">
                             <p:stCondLst>
                               <p:cond delay="0"/>
                             </p:stCondLst>
                             <p:childTnLst>
                               <p:par>
-                                <p:cTn id="15" presetID="10" presetClass="entr" presetSubtype="0" fill="hold" grpId="0" nodeType="clickEffect">
+                                <p:cTn id="32" presetID="10" presetClass="entr" presetSubtype="0" fill="hold" grpId="0" nodeType="clickEffect">
                                   <p:stCondLst>
                                     <p:cond delay="0"/>
                                   </p:stCondLst>
                                   <p:childTnLst>
                                     <p:set>
                                       <p:cBhvr>
-                                        <p:cTn id="16" dur="1" fill="hold">
+                                        <p:cTn id="33" dur="1" fill="hold">
                                           <p:stCondLst>
                                             <p:cond delay="0"/>
                                           </p:stCondLst>
@@ -24967,7 +25396,7 @@
                                     </p:set>
                                     <p:animEffect transition="in" filter="fade">
                                       <p:cBhvr>
-                                        <p:cTn id="17" dur="500"/>
+                                        <p:cTn id="34" dur="500"/>
                                         <p:tgtEl>
                                           <p:spTgt spid="4"/>
                                         </p:tgtEl>
@@ -24983,26 +25412,26 @@
                     </p:cTn>
                   </p:par>
                   <p:par>
-                    <p:cTn id="18" fill="hold">
+                    <p:cTn id="35" fill="hold">
                       <p:stCondLst>
                         <p:cond delay="indefinite"/>
                       </p:stCondLst>
                       <p:childTnLst>
                         <p:par>
-                          <p:cTn id="19" fill="hold">
+                          <p:cTn id="36" fill="hold">
                             <p:stCondLst>
                               <p:cond delay="0"/>
                             </p:stCondLst>
                             <p:childTnLst>
                               <p:par>
-                                <p:cTn id="20" presetID="10" presetClass="entr" presetSubtype="0" fill="hold" grpId="0" nodeType="clickEffect">
+                                <p:cTn id="37" presetID="10" presetClass="entr" presetSubtype="0" fill="hold" grpId="0" nodeType="clickEffect">
                                   <p:stCondLst>
                                     <p:cond delay="0"/>
                                   </p:stCondLst>
                                   <p:childTnLst>
                                     <p:set>
                                       <p:cBhvr>
-                                        <p:cTn id="21" dur="1" fill="hold">
+                                        <p:cTn id="38" dur="1" fill="hold">
                                           <p:stCondLst>
                                             <p:cond delay="0"/>
                                           </p:stCondLst>
@@ -25020,7 +25449,7 @@
                                     </p:set>
                                     <p:animEffect transition="in" filter="fade">
                                       <p:cBhvr>
-                                        <p:cTn id="22" dur="500"/>
+                                        <p:cTn id="39" dur="500"/>
                                         <p:tgtEl>
                                           <p:spTgt spid="7"/>
                                         </p:tgtEl>
@@ -25033,20 +25462,20 @@
                           </p:cTn>
                         </p:par>
                         <p:par>
-                          <p:cTn id="23" fill="hold">
+                          <p:cTn id="40" fill="hold">
                             <p:stCondLst>
                               <p:cond delay="500"/>
                             </p:stCondLst>
                             <p:childTnLst>
                               <p:par>
-                                <p:cTn id="24" presetID="10" presetClass="entr" presetSubtype="0" fill="hold" nodeType="afterEffect">
+                                <p:cTn id="41" presetID="10" presetClass="entr" presetSubtype="0" fill="hold" nodeType="afterEffect">
                                   <p:stCondLst>
                                     <p:cond delay="0"/>
                                   </p:stCondLst>
                                   <p:childTnLst>
                                     <p:set>
                                       <p:cBhvr>
-                                        <p:cTn id="25" dur="1" fill="hold">
+                                        <p:cTn id="42" dur="1" fill="hold">
                                           <p:stCondLst>
                                             <p:cond delay="0"/>
                                           </p:stCondLst>
@@ -25064,7 +25493,7 @@
                                     </p:set>
                                     <p:animEffect transition="in" filter="fade">
                                       <p:cBhvr>
-                                        <p:cTn id="26" dur="500"/>
+                                        <p:cTn id="43" dur="500"/>
                                         <p:tgtEl>
                                           <p:spTgt spid="6"/>
                                         </p:tgtEl>
@@ -25423,6 +25852,9 @@
                     <p:cTn id="3" fill="hold">
                       <p:stCondLst>
                         <p:cond delay="indefinite"/>
+                        <p:cond evt="onBegin" delay="0">
+                          <p:tn val="2"/>
+                        </p:cond>
                       </p:stCondLst>
                       <p:childTnLst>
                         <p:par>
@@ -25432,7 +25864,7 @@
                             </p:stCondLst>
                             <p:childTnLst>
                               <p:par>
-                                <p:cTn id="5" presetID="10" presetClass="entr" presetSubtype="0" fill="hold" nodeType="clickEffect">
+                                <p:cTn id="5" presetID="10" presetClass="entr" presetSubtype="0" fill="hold" nodeType="afterEffect">
                                   <p:stCondLst>
                                     <p:cond delay="0"/>
                                   </p:stCondLst>
@@ -25695,6 +26127,9 @@
                     <p:cTn id="3" fill="hold">
                       <p:stCondLst>
                         <p:cond delay="indefinite"/>
+                        <p:cond evt="onBegin" delay="0">
+                          <p:tn val="2"/>
+                        </p:cond>
                       </p:stCondLst>
                       <p:childTnLst>
                         <p:par>
@@ -25704,7 +26139,7 @@
                             </p:stCondLst>
                             <p:childTnLst>
                               <p:par>
-                                <p:cTn id="5" presetID="10" presetClass="entr" presetSubtype="0" fill="hold" nodeType="clickEffect">
+                                <p:cTn id="5" presetID="10" presetClass="entr" presetSubtype="0" fill="hold" nodeType="afterEffect">
                                   <p:stCondLst>
                                     <p:cond delay="0"/>
                                   </p:stCondLst>
@@ -26009,6 +26444,9 @@
                     <p:cTn id="3" fill="hold">
                       <p:stCondLst>
                         <p:cond delay="indefinite"/>
+                        <p:cond evt="onBegin" delay="0">
+                          <p:tn val="2"/>
+                        </p:cond>
                       </p:stCondLst>
                       <p:childTnLst>
                         <p:par>
@@ -26018,7 +26456,7 @@
                             </p:stCondLst>
                             <p:childTnLst>
                               <p:par>
-                                <p:cTn id="5" presetID="10" presetClass="entr" presetSubtype="0" fill="hold" nodeType="clickEffect">
+                                <p:cTn id="5" presetID="10" presetClass="entr" presetSubtype="0" fill="hold" nodeType="afterEffect">
                                   <p:stCondLst>
                                     <p:cond delay="0"/>
                                   </p:stCondLst>
@@ -26839,7 +27277,7 @@
           <p:spPr>
             <a:xfrm>
               <a:off x="9888547" y="2945736"/>
-              <a:ext cx="1748653" cy="830997"/>
+              <a:ext cx="1748653" cy="584775"/>
             </a:xfrm>
             <a:prstGeom prst="rect">
               <a:avLst/>
@@ -26857,7 +27295,7 @@
                 <a:rPr lang="pt-BR" sz="1600" dirty="0">
                   <a:latin typeface="Arial Rounded MT Bold" panose="020F0704030504030204" pitchFamily="34" charset="0"/>
                 </a:rPr>
-                <a:t>Acesso p/ Clientes e Usuários</a:t>
+                <a:t>Acesso p/ Usuários</a:t>
               </a:r>
             </a:p>
           </p:txBody>
@@ -27678,7 +28116,7 @@
                                           </p:stCondLst>
                                         </p:cTn>
                                         <p:tgtEl>
-                                          <p:spTgt spid="72"/>
+                                          <p:spTgt spid="58"/>
                                         </p:tgtEl>
                                         <p:attrNameLst>
                                           <p:attrName>style.visibility</p:attrName>
@@ -27692,7 +28130,7 @@
                                       <p:cBhvr>
                                         <p:cTn id="48" dur="500"/>
                                         <p:tgtEl>
-                                          <p:spTgt spid="72"/>
+                                          <p:spTgt spid="58"/>
                                         </p:tgtEl>
                                       </p:cBhvr>
                                     </p:animEffect>
@@ -27722,7 +28160,7 @@
                                           </p:stCondLst>
                                         </p:cTn>
                                         <p:tgtEl>
-                                          <p:spTgt spid="111"/>
+                                          <p:spTgt spid="5"/>
                                         </p:tgtEl>
                                         <p:attrNameLst>
                                           <p:attrName>style.visibility</p:attrName>
@@ -27736,7 +28174,7 @@
                                       <p:cBhvr>
                                         <p:cTn id="52" dur="500"/>
                                         <p:tgtEl>
-                                          <p:spTgt spid="111"/>
+                                          <p:spTgt spid="5"/>
                                         </p:tgtEl>
                                       </p:cBhvr>
                                     </p:animEffect>
@@ -27775,7 +28213,7 @@
                                           </p:stCondLst>
                                         </p:cTn>
                                         <p:tgtEl>
-                                          <p:spTgt spid="58"/>
+                                          <p:spTgt spid="72"/>
                                         </p:tgtEl>
                                         <p:attrNameLst>
                                           <p:attrName>style.visibility</p:attrName>
@@ -27789,7 +28227,7 @@
                                       <p:cBhvr>
                                         <p:cTn id="57" dur="500"/>
                                         <p:tgtEl>
-                                          <p:spTgt spid="58"/>
+                                          <p:spTgt spid="72"/>
                                         </p:tgtEl>
                                       </p:cBhvr>
                                     </p:animEffect>
@@ -27819,7 +28257,7 @@
                                           </p:stCondLst>
                                         </p:cTn>
                                         <p:tgtEl>
-                                          <p:spTgt spid="5"/>
+                                          <p:spTgt spid="111"/>
                                         </p:tgtEl>
                                         <p:attrNameLst>
                                           <p:attrName>style.visibility</p:attrName>
@@ -27833,7 +28271,7 @@
                                       <p:cBhvr>
                                         <p:cTn id="61" dur="500"/>
                                         <p:tgtEl>
-                                          <p:spTgt spid="5"/>
+                                          <p:spTgt spid="111"/>
                                         </p:tgtEl>
                                       </p:cBhvr>
                                     </p:animEffect>
@@ -28187,7 +28625,7 @@
           <p:spPr>
             <a:xfrm>
               <a:off x="9068981" y="2820297"/>
-              <a:ext cx="1748653" cy="830997"/>
+              <a:ext cx="1748653" cy="584775"/>
             </a:xfrm>
             <a:prstGeom prst="rect">
               <a:avLst/>
@@ -28205,7 +28643,7 @@
                 <a:rPr lang="pt-BR" sz="1600" dirty="0">
                   <a:latin typeface="Arial Rounded MT Bold" panose="020F0704030504030204" pitchFamily="34" charset="0"/>
                 </a:rPr>
-                <a:t>Acesso p/ Clientes e Usuários</a:t>
+                <a:t>Acesso p/ Usuários</a:t>
               </a:r>
             </a:p>
           </p:txBody>
@@ -28222,9 +28660,9 @@
         <p:grpSpPr>
           <a:xfrm>
             <a:off x="161239" y="2969295"/>
-            <a:ext cx="2299618" cy="1476000"/>
+            <a:ext cx="2299618" cy="1841357"/>
             <a:chOff x="3184610" y="1766557"/>
-            <a:chExt cx="2887980" cy="1853639"/>
+            <a:chExt cx="2887980" cy="2312474"/>
           </a:xfrm>
         </p:grpSpPr>
         <p:grpSp>
@@ -28339,7 +28777,7 @@
           <p:spPr>
             <a:xfrm>
               <a:off x="3766975" y="3035421"/>
-              <a:ext cx="1909877" cy="584775"/>
+              <a:ext cx="1909877" cy="1043610"/>
             </a:xfrm>
             <a:prstGeom prst="rect">
               <a:avLst/>
@@ -28357,7 +28795,7 @@
                 <a:rPr lang="pt-BR" sz="1600" dirty="0">
                   <a:latin typeface="Arial Rounded MT Bold" panose="020F0704030504030204" pitchFamily="34" charset="0"/>
                 </a:rPr>
-                <a:t>Sensor TRC5000</a:t>
+                <a:t>Sensor TRCT-5000</a:t>
               </a:r>
             </a:p>
             <a:p>
@@ -28953,7 +29391,7 @@
                 <a:rPr lang="pt-BR" sz="1600" dirty="0">
                   <a:latin typeface="Arial Rounded MT Bold" panose="020F0704030504030204" pitchFamily="34" charset="0"/>
                 </a:rPr>
-                <a:t>Ônibus Público </a:t>
+                <a:t>Ônibus</a:t>
               </a:r>
             </a:p>
           </p:txBody>
@@ -30120,6 +30558,9 @@
                     <p:cTn id="3" fill="hold">
                       <p:stCondLst>
                         <p:cond delay="indefinite"/>
+                        <p:cond evt="onBegin" delay="0">
+                          <p:tn val="2"/>
+                        </p:cond>
                       </p:stCondLst>
                       <p:childTnLst>
                         <p:par>
@@ -30129,7 +30570,7 @@
                             </p:stCondLst>
                             <p:childTnLst>
                               <p:par>
-                                <p:cTn id="5" presetID="10" presetClass="entr" presetSubtype="0" fill="hold" nodeType="clickEffect">
+                                <p:cTn id="5" presetID="10" presetClass="entr" presetSubtype="0" fill="hold" nodeType="afterEffect">
                                   <p:stCondLst>
                                     <p:cond delay="0"/>
                                   </p:stCondLst>
@@ -30421,7 +30862,7 @@
         </p:nvGrpSpPr>
         <p:grpSpPr>
           <a:xfrm>
-            <a:off x="8285201" y="2271765"/>
+            <a:off x="8631382" y="2340806"/>
             <a:ext cx="2390296" cy="2314469"/>
             <a:chOff x="5870776" y="1610175"/>
             <a:chExt cx="2390296" cy="2314469"/>
@@ -30655,6 +31096,9 @@
                     <p:cTn id="3" fill="hold">
                       <p:stCondLst>
                         <p:cond delay="indefinite"/>
+                        <p:cond evt="onBegin" delay="0">
+                          <p:tn val="2"/>
+                        </p:cond>
                       </p:stCondLst>
                       <p:childTnLst>
                         <p:par>
@@ -30664,7 +31108,7 @@
                             </p:stCondLst>
                             <p:childTnLst>
                               <p:par>
-                                <p:cTn id="5" presetID="10" presetClass="entr" presetSubtype="0" fill="hold" nodeType="clickEffect">
+                                <p:cTn id="5" presetID="10" presetClass="entr" presetSubtype="0" fill="hold" nodeType="afterEffect">
                                   <p:stCondLst>
                                     <p:cond delay="0"/>
                                   </p:stCondLst>

--- a/Apresentação/Sprint 2.pptx
+++ b/Apresentação/Sprint 2.pptx
@@ -23802,10 +23802,10 @@
       </p:sp>
       <p:pic>
         <p:nvPicPr>
-          <p:cNvPr id="6" name="Imagem 5">
+          <p:cNvPr id="3" name="Imagem 2">
             <a:extLst>
               <a:ext uri="{FF2B5EF4-FFF2-40B4-BE49-F238E27FC236}">
-                <a16:creationId xmlns:a16="http://schemas.microsoft.com/office/drawing/2014/main" id="{AD92042C-59A8-4A40-8768-3A2252557882}"/>
+                <a16:creationId xmlns:a16="http://schemas.microsoft.com/office/drawing/2014/main" id="{6CC65F2E-1D52-4C21-983D-7C1D4210ECC7}"/>
               </a:ext>
             </a:extLst>
           </p:cNvPr>
@@ -23816,13 +23816,13 @@
         </p:nvPicPr>
         <p:blipFill rotWithShape="1">
           <a:blip r:embed="rId3"/>
-          <a:srcRect t="11964"/>
+          <a:srcRect t="11905"/>
           <a:stretch/>
         </p:blipFill>
         <p:spPr>
           <a:xfrm>
-            <a:off x="1175159" y="1468874"/>
-            <a:ext cx="9841681" cy="4310844"/>
+            <a:off x="1175159" y="1512417"/>
+            <a:ext cx="9841681" cy="4292210"/>
           </a:xfrm>
           <a:prstGeom prst="rect">
             <a:avLst/>
@@ -23863,6 +23863,9 @@
                     <p:cTn id="3" fill="hold">
                       <p:stCondLst>
                         <p:cond delay="indefinite"/>
+                        <p:cond evt="onBegin" delay="0">
+                          <p:tn val="2"/>
+                        </p:cond>
                       </p:stCondLst>
                       <p:childTnLst>
                         <p:par>
@@ -23872,7 +23875,7 @@
                             </p:stCondLst>
                             <p:childTnLst>
                               <p:par>
-                                <p:cTn id="5" presetID="10" presetClass="entr" presetSubtype="0" fill="hold" nodeType="clickEffect">
+                                <p:cTn id="5" presetID="10" presetClass="entr" presetSubtype="0" fill="hold" nodeType="afterEffect">
                                   <p:stCondLst>
                                     <p:cond delay="0"/>
                                   </p:stCondLst>
@@ -23885,7 +23888,7 @@
                                           </p:stCondLst>
                                         </p:cTn>
                                         <p:tgtEl>
-                                          <p:spTgt spid="6"/>
+                                          <p:spTgt spid="3"/>
                                         </p:tgtEl>
                                         <p:attrNameLst>
                                           <p:attrName>style.visibility</p:attrName>
@@ -23899,7 +23902,7 @@
                                       <p:cBhvr>
                                         <p:cTn id="7" dur="500"/>
                                         <p:tgtEl>
-                                          <p:spTgt spid="6"/>
+                                          <p:spTgt spid="3"/>
                                         </p:tgtEl>
                                       </p:cBhvr>
                                     </p:animEffect>
